--- a/05. 객체 리터럴/presentation5/Alisherka7/알레셰르.pptx
+++ b/05. 객체 리터럴/presentation5/Alisherka7/알레셰르.pptx
@@ -24,20 +24,20 @@
   <p:notesSz cx="6858000" cy="9144000"/>
   <p:embeddedFontLst>
     <p:embeddedFont>
-      <p:font typeface="맑은 고딕" panose="020B0503020000020004" pitchFamily="34" charset="-127"/>
+      <p:font typeface="나눔스퀘어" panose="020B0600000101010101" pitchFamily="50" charset="-127"/>
       <p:regular r:id="rId16"/>
+    </p:embeddedFont>
+    <p:embeddedFont>
+      <p:font typeface="나눔스퀘어 Bold" panose="020B0600000101010101" pitchFamily="50" charset="-127"/>
       <p:bold r:id="rId17"/>
     </p:embeddedFont>
     <p:embeddedFont>
-      <p:font typeface="NanumSquare Bold" panose="020B0600000101010101" pitchFamily="34" charset="-127"/>
+      <p:font typeface="나눔스퀘어 ExtraBold" panose="020B0600000101010101" pitchFamily="50" charset="-127"/>
       <p:bold r:id="rId18"/>
     </p:embeddedFont>
     <p:embeddedFont>
-      <p:font typeface="나눔스퀘어 Bold" panose="020B0600000101010101" pitchFamily="34" charset="-127"/>
-      <p:bold r:id="rId19"/>
-    </p:embeddedFont>
-    <p:embeddedFont>
-      <p:font typeface="나눔스퀘어 ExtraBold" panose="020B0600000101010101" pitchFamily="34" charset="-127"/>
+      <p:font typeface="맑은 고딕" panose="020B0503020000020004" pitchFamily="50" charset="-127"/>
+      <p:regular r:id="rId19"/>
       <p:bold r:id="rId20"/>
     </p:embeddedFont>
   </p:embeddedFontLst>
@@ -297,7 +297,7 @@
           <a:p>
             <a:fld id="{BF6E7CB9-552A-40FD-8E25-6C9525410464}" type="datetimeFigureOut">
               <a:rPr lang="ko-KR" altLang="en-US" smtClean="0"/>
-              <a:t>2022. 10. 20.</a:t>
+              <a:t>2022-10-24</a:t>
             </a:fld>
             <a:endParaRPr lang="ko-KR" altLang="en-US"/>
           </a:p>
@@ -495,7 +495,7 @@
           <a:p>
             <a:fld id="{BF6E7CB9-552A-40FD-8E25-6C9525410464}" type="datetimeFigureOut">
               <a:rPr lang="ko-KR" altLang="en-US" smtClean="0"/>
-              <a:t>2022. 10. 20.</a:t>
+              <a:t>2022-10-24</a:t>
             </a:fld>
             <a:endParaRPr lang="ko-KR" altLang="en-US"/>
           </a:p>
@@ -703,7 +703,7 @@
           <a:p>
             <a:fld id="{BF6E7CB9-552A-40FD-8E25-6C9525410464}" type="datetimeFigureOut">
               <a:rPr lang="ko-KR" altLang="en-US" smtClean="0"/>
-              <a:t>2022. 10. 20.</a:t>
+              <a:t>2022-10-24</a:t>
             </a:fld>
             <a:endParaRPr lang="ko-KR" altLang="en-US"/>
           </a:p>
@@ -901,7 +901,7 @@
           <a:p>
             <a:fld id="{BF6E7CB9-552A-40FD-8E25-6C9525410464}" type="datetimeFigureOut">
               <a:rPr lang="ko-KR" altLang="en-US" smtClean="0"/>
-              <a:t>2022. 10. 20.</a:t>
+              <a:t>2022-10-24</a:t>
             </a:fld>
             <a:endParaRPr lang="ko-KR" altLang="en-US"/>
           </a:p>
@@ -1176,7 +1176,7 @@
           <a:p>
             <a:fld id="{BF6E7CB9-552A-40FD-8E25-6C9525410464}" type="datetimeFigureOut">
               <a:rPr lang="ko-KR" altLang="en-US" smtClean="0"/>
-              <a:t>2022. 10. 20.</a:t>
+              <a:t>2022-10-24</a:t>
             </a:fld>
             <a:endParaRPr lang="ko-KR" altLang="en-US"/>
           </a:p>
@@ -1441,7 +1441,7 @@
           <a:p>
             <a:fld id="{BF6E7CB9-552A-40FD-8E25-6C9525410464}" type="datetimeFigureOut">
               <a:rPr lang="ko-KR" altLang="en-US" smtClean="0"/>
-              <a:t>2022. 10. 20.</a:t>
+              <a:t>2022-10-24</a:t>
             </a:fld>
             <a:endParaRPr lang="ko-KR" altLang="en-US"/>
           </a:p>
@@ -1853,7 +1853,7 @@
           <a:p>
             <a:fld id="{BF6E7CB9-552A-40FD-8E25-6C9525410464}" type="datetimeFigureOut">
               <a:rPr lang="ko-KR" altLang="en-US" smtClean="0"/>
-              <a:t>2022. 10. 20.</a:t>
+              <a:t>2022-10-24</a:t>
             </a:fld>
             <a:endParaRPr lang="ko-KR" altLang="en-US"/>
           </a:p>
@@ -1994,7 +1994,7 @@
           <a:p>
             <a:fld id="{BF6E7CB9-552A-40FD-8E25-6C9525410464}" type="datetimeFigureOut">
               <a:rPr lang="ko-KR" altLang="en-US" smtClean="0"/>
-              <a:t>2022. 10. 20.</a:t>
+              <a:t>2022-10-24</a:t>
             </a:fld>
             <a:endParaRPr lang="ko-KR" altLang="en-US"/>
           </a:p>
@@ -2107,7 +2107,7 @@
           <a:p>
             <a:fld id="{BF6E7CB9-552A-40FD-8E25-6C9525410464}" type="datetimeFigureOut">
               <a:rPr lang="ko-KR" altLang="en-US" smtClean="0"/>
-              <a:t>2022. 10. 20.</a:t>
+              <a:t>2022-10-24</a:t>
             </a:fld>
             <a:endParaRPr lang="ko-KR" altLang="en-US"/>
           </a:p>
@@ -2418,7 +2418,7 @@
           <a:p>
             <a:fld id="{BF6E7CB9-552A-40FD-8E25-6C9525410464}" type="datetimeFigureOut">
               <a:rPr lang="ko-KR" altLang="en-US" smtClean="0"/>
-              <a:t>2022. 10. 20.</a:t>
+              <a:t>2022-10-24</a:t>
             </a:fld>
             <a:endParaRPr lang="ko-KR" altLang="en-US"/>
           </a:p>
@@ -2706,7 +2706,7 @@
           <a:p>
             <a:fld id="{BF6E7CB9-552A-40FD-8E25-6C9525410464}" type="datetimeFigureOut">
               <a:rPr lang="ko-KR" altLang="en-US" smtClean="0"/>
-              <a:t>2022. 10. 20.</a:t>
+              <a:t>2022-10-24</a:t>
             </a:fld>
             <a:endParaRPr lang="ko-KR" altLang="en-US"/>
           </a:p>
@@ -2950,7 +2950,7 @@
           <a:p>
             <a:fld id="{BF6E7CB9-552A-40FD-8E25-6C9525410464}" type="datetimeFigureOut">
               <a:rPr lang="ko-KR" altLang="en-US" smtClean="0"/>
-              <a:t>2022. 10. 20.</a:t>
+              <a:t>2022-10-24</a:t>
             </a:fld>
             <a:endParaRPr lang="ko-KR" altLang="en-US"/>
           </a:p>
@@ -4201,138 +4201,6 @@
           <a:chExt cx="0" cy="0"/>
         </a:xfrm>
       </p:grpSpPr>
-      <p:cxnSp>
-        <p:nvCxnSpPr>
-          <p:cNvPr id="3" name="직선 연결선 2">
-            <a:extLst>
-              <a:ext uri="{FF2B5EF4-FFF2-40B4-BE49-F238E27FC236}">
-                <a16:creationId xmlns:a16="http://schemas.microsoft.com/office/drawing/2014/main" id="{F55676F0-C433-4456-BB57-3E5832581EF6}"/>
-              </a:ext>
-            </a:extLst>
-          </p:cNvPr>
-          <p:cNvCxnSpPr>
-            <a:cxnSpLocks/>
-          </p:cNvCxnSpPr>
-          <p:nvPr/>
-        </p:nvCxnSpPr>
-        <p:spPr>
-          <a:xfrm>
-            <a:off x="8961120" y="696814"/>
-            <a:ext cx="2954657" cy="0"/>
-          </a:xfrm>
-          <a:prstGeom prst="line">
-            <a:avLst/>
-          </a:prstGeom>
-          <a:ln w="34925">
-            <a:solidFill>
-              <a:schemeClr val="tx2"/>
-            </a:solidFill>
-          </a:ln>
-        </p:spPr>
-        <p:style>
-          <a:lnRef idx="1">
-            <a:schemeClr val="accent1"/>
-          </a:lnRef>
-          <a:fillRef idx="0">
-            <a:schemeClr val="accent1"/>
-          </a:fillRef>
-          <a:effectRef idx="0">
-            <a:schemeClr val="accent1"/>
-          </a:effectRef>
-          <a:fontRef idx="minor">
-            <a:schemeClr val="tx1"/>
-          </a:fontRef>
-        </p:style>
-      </p:cxnSp>
-      <p:sp>
-        <p:nvSpPr>
-          <p:cNvPr id="6" name="TextBox 5">
-            <a:extLst>
-              <a:ext uri="{FF2B5EF4-FFF2-40B4-BE49-F238E27FC236}">
-                <a16:creationId xmlns:a16="http://schemas.microsoft.com/office/drawing/2014/main" id="{C7B00371-8BBF-468F-BAB5-3B58CE59B669}"/>
-              </a:ext>
-            </a:extLst>
-          </p:cNvPr>
-          <p:cNvSpPr txBox="1"/>
-          <p:nvPr/>
-        </p:nvSpPr>
-        <p:spPr>
-          <a:xfrm>
-            <a:off x="8961119" y="310773"/>
-            <a:ext cx="2954657" cy="400110"/>
-          </a:xfrm>
-          <a:prstGeom prst="rect">
-            <a:avLst/>
-          </a:prstGeom>
-          <a:noFill/>
-        </p:spPr>
-        <p:txBody>
-          <a:bodyPr wrap="square" rtlCol="0">
-            <a:spAutoFit/>
-          </a:bodyPr>
-          <a:lstStyle/>
-          <a:p>
-            <a:pPr algn="ctr"/>
-            <a:r>
-              <a:rPr lang="ko-KR" altLang="en-US" sz="2000" dirty="0" err="1">
-                <a:solidFill>
-                  <a:schemeClr val="tx2">
-                    <a:lumMod val="50000"/>
-                  </a:schemeClr>
-                </a:solidFill>
-                <a:latin typeface="나눔스퀘어 ExtraBold" panose="020B0600000101010101" pitchFamily="50" charset="-127"/>
-                <a:ea typeface="나눔스퀘어 ExtraBold" panose="020B0600000101010101" pitchFamily="50" charset="-127"/>
-              </a:rPr>
-              <a:t>캡스톤</a:t>
-            </a:r>
-            <a:r>
-              <a:rPr lang="ko-KR" altLang="en-US" sz="2000" dirty="0">
-                <a:solidFill>
-                  <a:schemeClr val="tx2">
-                    <a:lumMod val="50000"/>
-                  </a:schemeClr>
-                </a:solidFill>
-                <a:latin typeface="나눔스퀘어 ExtraBold" panose="020B0600000101010101" pitchFamily="50" charset="-127"/>
-                <a:ea typeface="나눔스퀘어 ExtraBold" panose="020B0600000101010101" pitchFamily="50" charset="-127"/>
-              </a:rPr>
-              <a:t> 디자인 </a:t>
-            </a:r>
-            <a:r>
-              <a:rPr lang="en-US" altLang="ko-KR" sz="2000" dirty="0">
-                <a:solidFill>
-                  <a:schemeClr val="tx2">
-                    <a:lumMod val="50000"/>
-                  </a:schemeClr>
-                </a:solidFill>
-                <a:latin typeface="나눔스퀘어 ExtraBold" panose="020B0600000101010101" pitchFamily="50" charset="-127"/>
-                <a:ea typeface="나눔스퀘어 ExtraBold" panose="020B0600000101010101" pitchFamily="50" charset="-127"/>
-              </a:rPr>
-              <a:t>7</a:t>
-            </a:r>
-            <a:r>
-              <a:rPr lang="ko-KR" altLang="en-US" sz="2000" dirty="0">
-                <a:solidFill>
-                  <a:schemeClr val="tx2">
-                    <a:lumMod val="50000"/>
-                  </a:schemeClr>
-                </a:solidFill>
-                <a:latin typeface="나눔스퀘어 ExtraBold" panose="020B0600000101010101" pitchFamily="50" charset="-127"/>
-                <a:ea typeface="나눔스퀘어 ExtraBold" panose="020B0600000101010101" pitchFamily="50" charset="-127"/>
-              </a:rPr>
-              <a:t>팀</a:t>
-            </a:r>
-            <a:endParaRPr lang="en-US" altLang="ko-KR" sz="2000" dirty="0">
-              <a:solidFill>
-                <a:schemeClr val="tx2">
-                  <a:lumMod val="50000"/>
-                </a:schemeClr>
-              </a:solidFill>
-              <a:latin typeface="나눔스퀘어 ExtraBold" panose="020B0600000101010101" pitchFamily="50" charset="-127"/>
-              <a:ea typeface="나눔스퀘어 ExtraBold" panose="020B0600000101010101" pitchFamily="50" charset="-127"/>
-            </a:endParaRPr>
-          </a:p>
-        </p:txBody>
-      </p:sp>
       <p:sp>
         <p:nvSpPr>
           <p:cNvPr id="8" name="TextBox 7">
@@ -4397,49 +4265,6 @@
           </a:p>
         </p:txBody>
       </p:sp>
-      <p:cxnSp>
-        <p:nvCxnSpPr>
-          <p:cNvPr id="9" name="직선 연결선 8">
-            <a:extLst>
-              <a:ext uri="{FF2B5EF4-FFF2-40B4-BE49-F238E27FC236}">
-                <a16:creationId xmlns:a16="http://schemas.microsoft.com/office/drawing/2014/main" id="{5140239F-7841-40D4-B023-7486FD09274D}"/>
-              </a:ext>
-            </a:extLst>
-          </p:cNvPr>
-          <p:cNvCxnSpPr>
-            <a:cxnSpLocks/>
-          </p:cNvCxnSpPr>
-          <p:nvPr/>
-        </p:nvCxnSpPr>
-        <p:spPr>
-          <a:xfrm>
-            <a:off x="8961120" y="267285"/>
-            <a:ext cx="2954657" cy="0"/>
-          </a:xfrm>
-          <a:prstGeom prst="line">
-            <a:avLst/>
-          </a:prstGeom>
-          <a:ln w="34925">
-            <a:solidFill>
-              <a:schemeClr val="tx2"/>
-            </a:solidFill>
-          </a:ln>
-        </p:spPr>
-        <p:style>
-          <a:lnRef idx="1">
-            <a:schemeClr val="accent1"/>
-          </a:lnRef>
-          <a:fillRef idx="0">
-            <a:schemeClr val="accent1"/>
-          </a:fillRef>
-          <a:effectRef idx="0">
-            <a:schemeClr val="accent1"/>
-          </a:effectRef>
-          <a:fontRef idx="minor">
-            <a:schemeClr val="tx1"/>
-          </a:fontRef>
-        </p:style>
-      </p:cxnSp>
       <p:sp>
         <p:nvSpPr>
           <p:cNvPr id="17" name="TextBox 16">
@@ -4628,7 +4453,7 @@
                 <a:highlight>
                   <a:srgbClr val="FFFF00"/>
                 </a:highlight>
-                <a:latin typeface="-apple-system"/>
+                <a:latin typeface="나눔스퀘어 Bold" panose="020B0600000101010101" pitchFamily="50" charset="-127"/>
               </a:rPr>
               <a:t>식별자</a:t>
             </a:r>
@@ -4641,7 +4466,7 @@
                 <a:highlight>
                   <a:srgbClr val="FFFF00"/>
                 </a:highlight>
-                <a:latin typeface="-apple-system"/>
+                <a:latin typeface="나눔스퀘어 Bold" panose="020B0600000101010101" pitchFamily="50" charset="-127"/>
               </a:rPr>
               <a:t> </a:t>
             </a:r>
@@ -4654,7 +4479,7 @@
                 <a:highlight>
                   <a:srgbClr val="FFFF00"/>
                 </a:highlight>
-                <a:latin typeface="-apple-system"/>
+                <a:latin typeface="나눔스퀘어 Bold" panose="020B0600000101010101" pitchFamily="50" charset="-127"/>
               </a:rPr>
               <a:t>네이밍</a:t>
             </a:r>
@@ -4667,7 +4492,7 @@
                 <a:highlight>
                   <a:srgbClr val="FFFF00"/>
                 </a:highlight>
-                <a:latin typeface="-apple-system"/>
+                <a:latin typeface="나눔스퀘어 Bold" panose="020B0600000101010101" pitchFamily="50" charset="-127"/>
               </a:rPr>
               <a:t> 규칙을 따르지 않는 이름에는 반드시 따옴표를 사용해야 한다</a:t>
             </a:r>
@@ -4680,7 +4505,7 @@
                 <a:highlight>
                   <a:srgbClr val="FFFF00"/>
                 </a:highlight>
-                <a:latin typeface="-apple-system"/>
+                <a:latin typeface="나눔스퀘어 Bold" panose="020B0600000101010101" pitchFamily="50" charset="-127"/>
               </a:rPr>
               <a:t>.</a:t>
             </a:r>
@@ -4764,8 +4589,8 @@
                 <a:highlight>
                   <a:srgbClr val="FF0000"/>
                 </a:highlight>
-                <a:latin typeface="NanumSquare Bold" panose="020B0600000101010101" pitchFamily="34" charset="-127"/>
-                <a:ea typeface="NanumSquare Bold" panose="020B0600000101010101" pitchFamily="34" charset="-127"/>
+                <a:latin typeface="나눔스퀘어 Bold" panose="020B0600000101010101" pitchFamily="50" charset="-127"/>
+                <a:ea typeface="나눔스퀘어 Bold" panose="020B0600000101010101" pitchFamily="50" charset="-127"/>
               </a:rPr>
               <a:t>SyntaxError</a:t>
             </a:r>
@@ -4777,8 +4602,8 @@
                 <a:highlight>
                   <a:srgbClr val="FF0000"/>
                 </a:highlight>
-                <a:latin typeface="NanumSquare Bold" panose="020B0600000101010101" pitchFamily="34" charset="-127"/>
-                <a:ea typeface="NanumSquare Bold" panose="020B0600000101010101" pitchFamily="34" charset="-127"/>
+                <a:latin typeface="나눔스퀘어 Bold" panose="020B0600000101010101" pitchFamily="50" charset="-127"/>
+                <a:ea typeface="나눔스퀘어 Bold" panose="020B0600000101010101" pitchFamily="50" charset="-127"/>
               </a:rPr>
               <a:t>: Unexpected token '-'</a:t>
             </a:r>
@@ -4789,8 +4614,251 @@
               <a:highlight>
                 <a:srgbClr val="FF0000"/>
               </a:highlight>
-              <a:latin typeface="NanumSquare Bold" panose="020B0600000101010101" pitchFamily="34" charset="-127"/>
-              <a:ea typeface="NanumSquare Bold" panose="020B0600000101010101" pitchFamily="34" charset="-127"/>
+              <a:latin typeface="나눔스퀘어 Bold" panose="020B0600000101010101" pitchFamily="50" charset="-127"/>
+              <a:ea typeface="나눔스퀘어 Bold" panose="020B0600000101010101" pitchFamily="50" charset="-127"/>
+            </a:endParaRPr>
+          </a:p>
+        </p:txBody>
+      </p:sp>
+      <p:cxnSp>
+        <p:nvCxnSpPr>
+          <p:cNvPr id="2" name="직선 연결선 1">
+            <a:extLst>
+              <a:ext uri="{FF2B5EF4-FFF2-40B4-BE49-F238E27FC236}">
+                <a16:creationId xmlns:a16="http://schemas.microsoft.com/office/drawing/2014/main" id="{4CFCDD59-68CE-D04D-676C-D7430621EADB}"/>
+              </a:ext>
+            </a:extLst>
+          </p:cNvPr>
+          <p:cNvCxnSpPr>
+            <a:cxnSpLocks/>
+          </p:cNvCxnSpPr>
+          <p:nvPr/>
+        </p:nvCxnSpPr>
+        <p:spPr>
+          <a:xfrm>
+            <a:off x="10337785" y="696814"/>
+            <a:ext cx="1577992" cy="0"/>
+          </a:xfrm>
+          <a:prstGeom prst="line">
+            <a:avLst/>
+          </a:prstGeom>
+          <a:ln w="34925">
+            <a:solidFill>
+              <a:schemeClr val="tx2"/>
+            </a:solidFill>
+          </a:ln>
+        </p:spPr>
+        <p:style>
+          <a:lnRef idx="1">
+            <a:schemeClr val="accent1"/>
+          </a:lnRef>
+          <a:fillRef idx="0">
+            <a:schemeClr val="accent1"/>
+          </a:fillRef>
+          <a:effectRef idx="0">
+            <a:schemeClr val="accent1"/>
+          </a:effectRef>
+          <a:fontRef idx="minor">
+            <a:schemeClr val="tx1"/>
+          </a:fontRef>
+        </p:style>
+      </p:cxnSp>
+      <p:sp>
+        <p:nvSpPr>
+          <p:cNvPr id="7" name="TextBox 6">
+            <a:extLst>
+              <a:ext uri="{FF2B5EF4-FFF2-40B4-BE49-F238E27FC236}">
+                <a16:creationId xmlns:a16="http://schemas.microsoft.com/office/drawing/2014/main" id="{D7B5EF82-249E-D9EC-DA0F-8D80022F70B1}"/>
+              </a:ext>
+            </a:extLst>
+          </p:cNvPr>
+          <p:cNvSpPr txBox="1"/>
+          <p:nvPr/>
+        </p:nvSpPr>
+        <p:spPr>
+          <a:xfrm>
+            <a:off x="10337785" y="310773"/>
+            <a:ext cx="1577991" cy="400110"/>
+          </a:xfrm>
+          <a:prstGeom prst="rect">
+            <a:avLst/>
+          </a:prstGeom>
+          <a:noFill/>
+        </p:spPr>
+        <p:txBody>
+          <a:bodyPr wrap="square" rtlCol="0">
+            <a:spAutoFit/>
+          </a:bodyPr>
+          <a:lstStyle/>
+          <a:p>
+            <a:pPr algn="ctr"/>
+            <a:r>
+              <a:rPr lang="ko-KR" altLang="en-US" sz="2000" dirty="0" err="1">
+                <a:solidFill>
+                  <a:schemeClr val="tx2">
+                    <a:lumMod val="50000"/>
+                  </a:schemeClr>
+                </a:solidFill>
+                <a:latin typeface="나눔스퀘어 ExtraBold" panose="020B0600000101010101" pitchFamily="50" charset="-127"/>
+                <a:ea typeface="나눔스퀘어 ExtraBold" panose="020B0600000101010101" pitchFamily="50" charset="-127"/>
+              </a:rPr>
+              <a:t>컴공특</a:t>
+            </a:r>
+            <a:r>
+              <a:rPr lang="ko-KR" altLang="en-US" sz="2000" dirty="0">
+                <a:solidFill>
+                  <a:schemeClr val="tx2">
+                    <a:lumMod val="50000"/>
+                  </a:schemeClr>
+                </a:solidFill>
+                <a:latin typeface="나눔스퀘어 ExtraBold" panose="020B0600000101010101" pitchFamily="50" charset="-127"/>
+                <a:ea typeface="나눔스퀘어 ExtraBold" panose="020B0600000101010101" pitchFamily="50" charset="-127"/>
+              </a:rPr>
+              <a:t> </a:t>
+            </a:r>
+            <a:r>
+              <a:rPr lang="en-US" altLang="ko-KR" sz="2000" dirty="0">
+                <a:solidFill>
+                  <a:schemeClr val="tx2">
+                    <a:lumMod val="50000"/>
+                  </a:schemeClr>
+                </a:solidFill>
+                <a:latin typeface="나눔스퀘어 ExtraBold" panose="020B0600000101010101" pitchFamily="50" charset="-127"/>
+                <a:ea typeface="나눔스퀘어 ExtraBold" panose="020B0600000101010101" pitchFamily="50" charset="-127"/>
+              </a:rPr>
+              <a:t>3</a:t>
+            </a:r>
+            <a:r>
+              <a:rPr lang="ko-KR" altLang="en-US" sz="2000" dirty="0">
+                <a:solidFill>
+                  <a:schemeClr val="tx2">
+                    <a:lumMod val="50000"/>
+                  </a:schemeClr>
+                </a:solidFill>
+                <a:latin typeface="나눔스퀘어 ExtraBold" panose="020B0600000101010101" pitchFamily="50" charset="-127"/>
+                <a:ea typeface="나눔스퀘어 ExtraBold" panose="020B0600000101010101" pitchFamily="50" charset="-127"/>
+              </a:rPr>
+              <a:t>팀</a:t>
+            </a:r>
+            <a:endParaRPr lang="en-US" altLang="ko-KR" sz="2000" dirty="0">
+              <a:solidFill>
+                <a:schemeClr val="tx2">
+                  <a:lumMod val="50000"/>
+                </a:schemeClr>
+              </a:solidFill>
+              <a:latin typeface="나눔스퀘어 ExtraBold" panose="020B0600000101010101" pitchFamily="50" charset="-127"/>
+              <a:ea typeface="나눔스퀘어 ExtraBold" panose="020B0600000101010101" pitchFamily="50" charset="-127"/>
+            </a:endParaRPr>
+          </a:p>
+        </p:txBody>
+      </p:sp>
+      <p:cxnSp>
+        <p:nvCxnSpPr>
+          <p:cNvPr id="10" name="직선 연결선 9">
+            <a:extLst>
+              <a:ext uri="{FF2B5EF4-FFF2-40B4-BE49-F238E27FC236}">
+                <a16:creationId xmlns:a16="http://schemas.microsoft.com/office/drawing/2014/main" id="{5CAA12F0-212D-762F-8B76-BF72C557115B}"/>
+              </a:ext>
+            </a:extLst>
+          </p:cNvPr>
+          <p:cNvCxnSpPr>
+            <a:cxnSpLocks/>
+          </p:cNvCxnSpPr>
+          <p:nvPr/>
+        </p:nvCxnSpPr>
+        <p:spPr>
+          <a:xfrm>
+            <a:off x="10337785" y="267285"/>
+            <a:ext cx="1577992" cy="0"/>
+          </a:xfrm>
+          <a:prstGeom prst="line">
+            <a:avLst/>
+          </a:prstGeom>
+          <a:ln w="34925">
+            <a:solidFill>
+              <a:schemeClr val="tx2"/>
+            </a:solidFill>
+          </a:ln>
+        </p:spPr>
+        <p:style>
+          <a:lnRef idx="1">
+            <a:schemeClr val="accent1"/>
+          </a:lnRef>
+          <a:fillRef idx="0">
+            <a:schemeClr val="accent1"/>
+          </a:fillRef>
+          <a:effectRef idx="0">
+            <a:schemeClr val="accent1"/>
+          </a:effectRef>
+          <a:fontRef idx="minor">
+            <a:schemeClr val="tx1"/>
+          </a:fontRef>
+        </p:style>
+      </p:cxnSp>
+      <p:sp>
+        <p:nvSpPr>
+          <p:cNvPr id="12" name="TextBox 11">
+            <a:extLst>
+              <a:ext uri="{FF2B5EF4-FFF2-40B4-BE49-F238E27FC236}">
+                <a16:creationId xmlns:a16="http://schemas.microsoft.com/office/drawing/2014/main" id="{111EBF63-5AB4-A5D0-F356-B603F4B501C0}"/>
+              </a:ext>
+            </a:extLst>
+          </p:cNvPr>
+          <p:cNvSpPr txBox="1"/>
+          <p:nvPr/>
+        </p:nvSpPr>
+        <p:spPr>
+          <a:xfrm>
+            <a:off x="8802448" y="267286"/>
+            <a:ext cx="1183644" cy="461665"/>
+          </a:xfrm>
+          <a:prstGeom prst="rect">
+            <a:avLst/>
+          </a:prstGeom>
+          <a:noFill/>
+        </p:spPr>
+        <p:txBody>
+          <a:bodyPr wrap="square" rtlCol="0">
+            <a:spAutoFit/>
+          </a:bodyPr>
+          <a:lstStyle/>
+          <a:p>
+            <a:r>
+              <a:rPr lang="en-US" altLang="ko-KR" sz="2400" spc="100" dirty="0">
+                <a:solidFill>
+                  <a:srgbClr val="000000"/>
+                </a:solidFill>
+                <a:latin typeface="나눔스퀘어 Bold" panose="020B0600000101010101" pitchFamily="50" charset="-127"/>
+                <a:ea typeface="나눔스퀘어 Bold" panose="020B0600000101010101" pitchFamily="50" charset="-127"/>
+              </a:rPr>
+              <a:t>p.</a:t>
+            </a:r>
+            <a:r>
+              <a:rPr lang="ko-KR" altLang="en-US" sz="2400" spc="100" dirty="0">
+                <a:solidFill>
+                  <a:srgbClr val="000000"/>
+                </a:solidFill>
+                <a:latin typeface="나눔스퀘어 Bold" panose="020B0600000101010101" pitchFamily="50" charset="-127"/>
+                <a:ea typeface="나눔스퀘어 Bold" panose="020B0600000101010101" pitchFamily="50" charset="-127"/>
+              </a:rPr>
+              <a:t> </a:t>
+            </a:r>
+            <a:r>
+              <a:rPr lang="en-US" altLang="ko-KR" sz="2400" spc="100" dirty="0">
+                <a:solidFill>
+                  <a:srgbClr val="000000"/>
+                </a:solidFill>
+                <a:latin typeface="나눔스퀘어 Bold" panose="020B0600000101010101" pitchFamily="50" charset="-127"/>
+                <a:ea typeface="나눔스퀘어 Bold" panose="020B0600000101010101" pitchFamily="50" charset="-127"/>
+              </a:rPr>
+              <a:t>127</a:t>
+            </a:r>
+            <a:endParaRPr lang="ko-KR" altLang="en-US" sz="2400" spc="100" dirty="0">
+              <a:solidFill>
+                <a:srgbClr val="000000"/>
+              </a:solidFill>
+              <a:latin typeface="나눔스퀘어 Bold" panose="020B0600000101010101" pitchFamily="50" charset="-127"/>
+              <a:ea typeface="나눔스퀘어 Bold" panose="020B0600000101010101" pitchFamily="50" charset="-127"/>
             </a:endParaRPr>
           </a:p>
         </p:txBody>
@@ -4805,13 +4873,13 @@
   <p:clrMapOvr>
     <a:masterClrMapping/>
   </p:clrMapOvr>
-  <mc:AlternateContent xmlns:mc="http://schemas.openxmlformats.org/markup-compatibility/2006">
-    <mc:Choice xmlns:p159="http://schemas.microsoft.com/office/powerpoint/2015/09/main" Requires="p159">
+  <mc:AlternateContent xmlns:mc="http://schemas.openxmlformats.org/markup-compatibility/2006" xmlns:p159="http://schemas.microsoft.com/office/powerpoint/2015/09/main">
+    <mc:Choice Requires="p159">
       <p:transition xmlns:p14="http://schemas.microsoft.com/office/powerpoint/2010/main" spd="slow" p14:dur="2000">
         <p159:morph option="byObject"/>
       </p:transition>
     </mc:Choice>
-    <mc:Fallback>
+    <mc:Fallback xmlns="">
       <p:transition spd="slow">
         <p:fade/>
       </p:transition>
@@ -4837,138 +4905,6 @@
           <a:chExt cx="0" cy="0"/>
         </a:xfrm>
       </p:grpSpPr>
-      <p:cxnSp>
-        <p:nvCxnSpPr>
-          <p:cNvPr id="3" name="직선 연결선 2">
-            <a:extLst>
-              <a:ext uri="{FF2B5EF4-FFF2-40B4-BE49-F238E27FC236}">
-                <a16:creationId xmlns:a16="http://schemas.microsoft.com/office/drawing/2014/main" id="{F55676F0-C433-4456-BB57-3E5832581EF6}"/>
-              </a:ext>
-            </a:extLst>
-          </p:cNvPr>
-          <p:cNvCxnSpPr>
-            <a:cxnSpLocks/>
-          </p:cNvCxnSpPr>
-          <p:nvPr/>
-        </p:nvCxnSpPr>
-        <p:spPr>
-          <a:xfrm>
-            <a:off x="8961120" y="696814"/>
-            <a:ext cx="2954657" cy="0"/>
-          </a:xfrm>
-          <a:prstGeom prst="line">
-            <a:avLst/>
-          </a:prstGeom>
-          <a:ln w="34925">
-            <a:solidFill>
-              <a:schemeClr val="tx2"/>
-            </a:solidFill>
-          </a:ln>
-        </p:spPr>
-        <p:style>
-          <a:lnRef idx="1">
-            <a:schemeClr val="accent1"/>
-          </a:lnRef>
-          <a:fillRef idx="0">
-            <a:schemeClr val="accent1"/>
-          </a:fillRef>
-          <a:effectRef idx="0">
-            <a:schemeClr val="accent1"/>
-          </a:effectRef>
-          <a:fontRef idx="minor">
-            <a:schemeClr val="tx1"/>
-          </a:fontRef>
-        </p:style>
-      </p:cxnSp>
-      <p:sp>
-        <p:nvSpPr>
-          <p:cNvPr id="6" name="TextBox 5">
-            <a:extLst>
-              <a:ext uri="{FF2B5EF4-FFF2-40B4-BE49-F238E27FC236}">
-                <a16:creationId xmlns:a16="http://schemas.microsoft.com/office/drawing/2014/main" id="{C7B00371-8BBF-468F-BAB5-3B58CE59B669}"/>
-              </a:ext>
-            </a:extLst>
-          </p:cNvPr>
-          <p:cNvSpPr txBox="1"/>
-          <p:nvPr/>
-        </p:nvSpPr>
-        <p:spPr>
-          <a:xfrm>
-            <a:off x="8961119" y="310773"/>
-            <a:ext cx="2954657" cy="400110"/>
-          </a:xfrm>
-          <a:prstGeom prst="rect">
-            <a:avLst/>
-          </a:prstGeom>
-          <a:noFill/>
-        </p:spPr>
-        <p:txBody>
-          <a:bodyPr wrap="square" rtlCol="0">
-            <a:spAutoFit/>
-          </a:bodyPr>
-          <a:lstStyle/>
-          <a:p>
-            <a:pPr algn="ctr"/>
-            <a:r>
-              <a:rPr lang="ko-KR" altLang="en-US" sz="2000" dirty="0" err="1">
-                <a:solidFill>
-                  <a:schemeClr val="tx2">
-                    <a:lumMod val="50000"/>
-                  </a:schemeClr>
-                </a:solidFill>
-                <a:latin typeface="나눔스퀘어 ExtraBold" panose="020B0600000101010101" pitchFamily="50" charset="-127"/>
-                <a:ea typeface="나눔스퀘어 ExtraBold" panose="020B0600000101010101" pitchFamily="50" charset="-127"/>
-              </a:rPr>
-              <a:t>캡스톤</a:t>
-            </a:r>
-            <a:r>
-              <a:rPr lang="ko-KR" altLang="en-US" sz="2000" dirty="0">
-                <a:solidFill>
-                  <a:schemeClr val="tx2">
-                    <a:lumMod val="50000"/>
-                  </a:schemeClr>
-                </a:solidFill>
-                <a:latin typeface="나눔스퀘어 ExtraBold" panose="020B0600000101010101" pitchFamily="50" charset="-127"/>
-                <a:ea typeface="나눔스퀘어 ExtraBold" panose="020B0600000101010101" pitchFamily="50" charset="-127"/>
-              </a:rPr>
-              <a:t> 디자인 </a:t>
-            </a:r>
-            <a:r>
-              <a:rPr lang="en-US" altLang="ko-KR" sz="2000" dirty="0">
-                <a:solidFill>
-                  <a:schemeClr val="tx2">
-                    <a:lumMod val="50000"/>
-                  </a:schemeClr>
-                </a:solidFill>
-                <a:latin typeface="나눔스퀘어 ExtraBold" panose="020B0600000101010101" pitchFamily="50" charset="-127"/>
-                <a:ea typeface="나눔스퀘어 ExtraBold" panose="020B0600000101010101" pitchFamily="50" charset="-127"/>
-              </a:rPr>
-              <a:t>7</a:t>
-            </a:r>
-            <a:r>
-              <a:rPr lang="ko-KR" altLang="en-US" sz="2000" dirty="0">
-                <a:solidFill>
-                  <a:schemeClr val="tx2">
-                    <a:lumMod val="50000"/>
-                  </a:schemeClr>
-                </a:solidFill>
-                <a:latin typeface="나눔스퀘어 ExtraBold" panose="020B0600000101010101" pitchFamily="50" charset="-127"/>
-                <a:ea typeface="나눔스퀘어 ExtraBold" panose="020B0600000101010101" pitchFamily="50" charset="-127"/>
-              </a:rPr>
-              <a:t>팀</a:t>
-            </a:r>
-            <a:endParaRPr lang="en-US" altLang="ko-KR" sz="2000" dirty="0">
-              <a:solidFill>
-                <a:schemeClr val="tx2">
-                  <a:lumMod val="50000"/>
-                </a:schemeClr>
-              </a:solidFill>
-              <a:latin typeface="나눔스퀘어 ExtraBold" panose="020B0600000101010101" pitchFamily="50" charset="-127"/>
-              <a:ea typeface="나눔스퀘어 ExtraBold" panose="020B0600000101010101" pitchFamily="50" charset="-127"/>
-            </a:endParaRPr>
-          </a:p>
-        </p:txBody>
-      </p:sp>
       <p:sp>
         <p:nvSpPr>
           <p:cNvPr id="8" name="TextBox 7">
@@ -5033,49 +4969,6 @@
           </a:p>
         </p:txBody>
       </p:sp>
-      <p:cxnSp>
-        <p:nvCxnSpPr>
-          <p:cNvPr id="9" name="직선 연결선 8">
-            <a:extLst>
-              <a:ext uri="{FF2B5EF4-FFF2-40B4-BE49-F238E27FC236}">
-                <a16:creationId xmlns:a16="http://schemas.microsoft.com/office/drawing/2014/main" id="{5140239F-7841-40D4-B023-7486FD09274D}"/>
-              </a:ext>
-            </a:extLst>
-          </p:cNvPr>
-          <p:cNvCxnSpPr>
-            <a:cxnSpLocks/>
-          </p:cNvCxnSpPr>
-          <p:nvPr/>
-        </p:nvCxnSpPr>
-        <p:spPr>
-          <a:xfrm>
-            <a:off x="8961120" y="267285"/>
-            <a:ext cx="2954657" cy="0"/>
-          </a:xfrm>
-          <a:prstGeom prst="line">
-            <a:avLst/>
-          </a:prstGeom>
-          <a:ln w="34925">
-            <a:solidFill>
-              <a:schemeClr val="tx2"/>
-            </a:solidFill>
-          </a:ln>
-        </p:spPr>
-        <p:style>
-          <a:lnRef idx="1">
-            <a:schemeClr val="accent1"/>
-          </a:lnRef>
-          <a:fillRef idx="0">
-            <a:schemeClr val="accent1"/>
-          </a:fillRef>
-          <a:effectRef idx="0">
-            <a:schemeClr val="accent1"/>
-          </a:effectRef>
-          <a:fontRef idx="minor">
-            <a:schemeClr val="tx1"/>
-          </a:fontRef>
-        </p:style>
-      </p:cxnSp>
       <p:sp>
         <p:nvSpPr>
           <p:cNvPr id="17" name="TextBox 16">
@@ -5356,6 +5249,249 @@
           </a:prstGeom>
         </p:spPr>
       </p:pic>
+      <p:cxnSp>
+        <p:nvCxnSpPr>
+          <p:cNvPr id="2" name="직선 연결선 1">
+            <a:extLst>
+              <a:ext uri="{FF2B5EF4-FFF2-40B4-BE49-F238E27FC236}">
+                <a16:creationId xmlns:a16="http://schemas.microsoft.com/office/drawing/2014/main" id="{EECA70FC-2423-9950-5AFF-CB5B5C049ADE}"/>
+              </a:ext>
+            </a:extLst>
+          </p:cNvPr>
+          <p:cNvCxnSpPr>
+            <a:cxnSpLocks/>
+          </p:cNvCxnSpPr>
+          <p:nvPr/>
+        </p:nvCxnSpPr>
+        <p:spPr>
+          <a:xfrm>
+            <a:off x="10337785" y="696814"/>
+            <a:ext cx="1577992" cy="0"/>
+          </a:xfrm>
+          <a:prstGeom prst="line">
+            <a:avLst/>
+          </a:prstGeom>
+          <a:ln w="34925">
+            <a:solidFill>
+              <a:schemeClr val="tx2"/>
+            </a:solidFill>
+          </a:ln>
+        </p:spPr>
+        <p:style>
+          <a:lnRef idx="1">
+            <a:schemeClr val="accent1"/>
+          </a:lnRef>
+          <a:fillRef idx="0">
+            <a:schemeClr val="accent1"/>
+          </a:fillRef>
+          <a:effectRef idx="0">
+            <a:schemeClr val="accent1"/>
+          </a:effectRef>
+          <a:fontRef idx="minor">
+            <a:schemeClr val="tx1"/>
+          </a:fontRef>
+        </p:style>
+      </p:cxnSp>
+      <p:sp>
+        <p:nvSpPr>
+          <p:cNvPr id="4" name="TextBox 3">
+            <a:extLst>
+              <a:ext uri="{FF2B5EF4-FFF2-40B4-BE49-F238E27FC236}">
+                <a16:creationId xmlns:a16="http://schemas.microsoft.com/office/drawing/2014/main" id="{38B41B55-1AE2-FA91-177B-D0B76FC89BDB}"/>
+              </a:ext>
+            </a:extLst>
+          </p:cNvPr>
+          <p:cNvSpPr txBox="1"/>
+          <p:nvPr/>
+        </p:nvSpPr>
+        <p:spPr>
+          <a:xfrm>
+            <a:off x="10337785" y="310773"/>
+            <a:ext cx="1577991" cy="400110"/>
+          </a:xfrm>
+          <a:prstGeom prst="rect">
+            <a:avLst/>
+          </a:prstGeom>
+          <a:noFill/>
+        </p:spPr>
+        <p:txBody>
+          <a:bodyPr wrap="square" rtlCol="0">
+            <a:spAutoFit/>
+          </a:bodyPr>
+          <a:lstStyle/>
+          <a:p>
+            <a:pPr algn="ctr"/>
+            <a:r>
+              <a:rPr lang="ko-KR" altLang="en-US" sz="2000" dirty="0" err="1">
+                <a:solidFill>
+                  <a:schemeClr val="tx2">
+                    <a:lumMod val="50000"/>
+                  </a:schemeClr>
+                </a:solidFill>
+                <a:latin typeface="나눔스퀘어 ExtraBold" panose="020B0600000101010101" pitchFamily="50" charset="-127"/>
+                <a:ea typeface="나눔스퀘어 ExtraBold" panose="020B0600000101010101" pitchFamily="50" charset="-127"/>
+              </a:rPr>
+              <a:t>컴공특</a:t>
+            </a:r>
+            <a:r>
+              <a:rPr lang="ko-KR" altLang="en-US" sz="2000" dirty="0">
+                <a:solidFill>
+                  <a:schemeClr val="tx2">
+                    <a:lumMod val="50000"/>
+                  </a:schemeClr>
+                </a:solidFill>
+                <a:latin typeface="나눔스퀘어 ExtraBold" panose="020B0600000101010101" pitchFamily="50" charset="-127"/>
+                <a:ea typeface="나눔스퀘어 ExtraBold" panose="020B0600000101010101" pitchFamily="50" charset="-127"/>
+              </a:rPr>
+              <a:t> </a:t>
+            </a:r>
+            <a:r>
+              <a:rPr lang="en-US" altLang="ko-KR" sz="2000" dirty="0">
+                <a:solidFill>
+                  <a:schemeClr val="tx2">
+                    <a:lumMod val="50000"/>
+                  </a:schemeClr>
+                </a:solidFill>
+                <a:latin typeface="나눔스퀘어 ExtraBold" panose="020B0600000101010101" pitchFamily="50" charset="-127"/>
+                <a:ea typeface="나눔스퀘어 ExtraBold" panose="020B0600000101010101" pitchFamily="50" charset="-127"/>
+              </a:rPr>
+              <a:t>3</a:t>
+            </a:r>
+            <a:r>
+              <a:rPr lang="ko-KR" altLang="en-US" sz="2000" dirty="0">
+                <a:solidFill>
+                  <a:schemeClr val="tx2">
+                    <a:lumMod val="50000"/>
+                  </a:schemeClr>
+                </a:solidFill>
+                <a:latin typeface="나눔스퀘어 ExtraBold" panose="020B0600000101010101" pitchFamily="50" charset="-127"/>
+                <a:ea typeface="나눔스퀘어 ExtraBold" panose="020B0600000101010101" pitchFamily="50" charset="-127"/>
+              </a:rPr>
+              <a:t>팀</a:t>
+            </a:r>
+            <a:endParaRPr lang="en-US" altLang="ko-KR" sz="2000" dirty="0">
+              <a:solidFill>
+                <a:schemeClr val="tx2">
+                  <a:lumMod val="50000"/>
+                </a:schemeClr>
+              </a:solidFill>
+              <a:latin typeface="나눔스퀘어 ExtraBold" panose="020B0600000101010101" pitchFamily="50" charset="-127"/>
+              <a:ea typeface="나눔스퀘어 ExtraBold" panose="020B0600000101010101" pitchFamily="50" charset="-127"/>
+            </a:endParaRPr>
+          </a:p>
+        </p:txBody>
+      </p:sp>
+      <p:cxnSp>
+        <p:nvCxnSpPr>
+          <p:cNvPr id="5" name="직선 연결선 4">
+            <a:extLst>
+              <a:ext uri="{FF2B5EF4-FFF2-40B4-BE49-F238E27FC236}">
+                <a16:creationId xmlns:a16="http://schemas.microsoft.com/office/drawing/2014/main" id="{C4691018-E7F6-B2D2-2CA3-BCEDA990301D}"/>
+              </a:ext>
+            </a:extLst>
+          </p:cNvPr>
+          <p:cNvCxnSpPr>
+            <a:cxnSpLocks/>
+          </p:cNvCxnSpPr>
+          <p:nvPr/>
+        </p:nvCxnSpPr>
+        <p:spPr>
+          <a:xfrm>
+            <a:off x="10337785" y="267285"/>
+            <a:ext cx="1577992" cy="0"/>
+          </a:xfrm>
+          <a:prstGeom prst="line">
+            <a:avLst/>
+          </a:prstGeom>
+          <a:ln w="34925">
+            <a:solidFill>
+              <a:schemeClr val="tx2"/>
+            </a:solidFill>
+          </a:ln>
+        </p:spPr>
+        <p:style>
+          <a:lnRef idx="1">
+            <a:schemeClr val="accent1"/>
+          </a:lnRef>
+          <a:fillRef idx="0">
+            <a:schemeClr val="accent1"/>
+          </a:fillRef>
+          <a:effectRef idx="0">
+            <a:schemeClr val="accent1"/>
+          </a:effectRef>
+          <a:fontRef idx="minor">
+            <a:schemeClr val="tx1"/>
+          </a:fontRef>
+        </p:style>
+      </p:cxnSp>
+      <p:sp>
+        <p:nvSpPr>
+          <p:cNvPr id="10" name="TextBox 9">
+            <a:extLst>
+              <a:ext uri="{FF2B5EF4-FFF2-40B4-BE49-F238E27FC236}">
+                <a16:creationId xmlns:a16="http://schemas.microsoft.com/office/drawing/2014/main" id="{52D06C59-2AEE-CF37-1A47-AB89A9AEB64B}"/>
+              </a:ext>
+            </a:extLst>
+          </p:cNvPr>
+          <p:cNvSpPr txBox="1"/>
+          <p:nvPr/>
+        </p:nvSpPr>
+        <p:spPr>
+          <a:xfrm>
+            <a:off x="8802448" y="267286"/>
+            <a:ext cx="1183644" cy="461665"/>
+          </a:xfrm>
+          <a:prstGeom prst="rect">
+            <a:avLst/>
+          </a:prstGeom>
+          <a:noFill/>
+        </p:spPr>
+        <p:txBody>
+          <a:bodyPr wrap="square" rtlCol="0">
+            <a:spAutoFit/>
+          </a:bodyPr>
+          <a:lstStyle/>
+          <a:p>
+            <a:r>
+              <a:rPr lang="en-US" altLang="ko-KR" sz="2400" spc="100" dirty="0">
+                <a:solidFill>
+                  <a:srgbClr val="000000"/>
+                </a:solidFill>
+                <a:latin typeface="나눔스퀘어 Bold" panose="020B0600000101010101" pitchFamily="50" charset="-127"/>
+                <a:ea typeface="나눔스퀘어 Bold" panose="020B0600000101010101" pitchFamily="50" charset="-127"/>
+              </a:rPr>
+              <a:t>p.</a:t>
+            </a:r>
+            <a:r>
+              <a:rPr lang="ko-KR" altLang="en-US" sz="2400" spc="100" dirty="0">
+                <a:solidFill>
+                  <a:srgbClr val="000000"/>
+                </a:solidFill>
+                <a:latin typeface="나눔스퀘어 Bold" panose="020B0600000101010101" pitchFamily="50" charset="-127"/>
+                <a:ea typeface="나눔스퀘어 Bold" panose="020B0600000101010101" pitchFamily="50" charset="-127"/>
+              </a:rPr>
+              <a:t> </a:t>
+            </a:r>
+            <a:r>
+              <a:rPr lang="en-US" altLang="ko-KR" sz="2400" spc="100" dirty="0">
+                <a:solidFill>
+                  <a:srgbClr val="000000"/>
+                </a:solidFill>
+                <a:latin typeface="나눔스퀘어 Bold" panose="020B0600000101010101" pitchFamily="50" charset="-127"/>
+                <a:ea typeface="나눔스퀘어 Bold" panose="020B0600000101010101" pitchFamily="50" charset="-127"/>
+              </a:rPr>
+              <a:t>127</a:t>
+            </a:r>
+            <a:endParaRPr lang="ko-KR" altLang="en-US" sz="2400" spc="100" dirty="0">
+              <a:solidFill>
+                <a:srgbClr val="000000"/>
+              </a:solidFill>
+              <a:latin typeface="나눔스퀘어 Bold" panose="020B0600000101010101" pitchFamily="50" charset="-127"/>
+              <a:ea typeface="나눔스퀘어 Bold" panose="020B0600000101010101" pitchFamily="50" charset="-127"/>
+            </a:endParaRPr>
+          </a:p>
+        </p:txBody>
+      </p:sp>
     </p:spTree>
     <p:extLst>
       <p:ext uri="{BB962C8B-B14F-4D97-AF65-F5344CB8AC3E}">
@@ -5366,13 +5502,13 @@
   <p:clrMapOvr>
     <a:masterClrMapping/>
   </p:clrMapOvr>
-  <mc:AlternateContent xmlns:mc="http://schemas.openxmlformats.org/markup-compatibility/2006">
-    <mc:Choice xmlns:p159="http://schemas.microsoft.com/office/powerpoint/2015/09/main" Requires="p159">
+  <mc:AlternateContent xmlns:mc="http://schemas.openxmlformats.org/markup-compatibility/2006" xmlns:p159="http://schemas.microsoft.com/office/powerpoint/2015/09/main">
+    <mc:Choice Requires="p159">
       <p:transition xmlns:p14="http://schemas.microsoft.com/office/powerpoint/2010/main" spd="slow" p14:dur="2000">
         <p159:morph option="byObject"/>
       </p:transition>
     </mc:Choice>
-    <mc:Fallback>
+    <mc:Fallback xmlns="">
       <p:transition spd="slow">
         <p:fade/>
       </p:transition>
@@ -5398,138 +5534,6 @@
           <a:chExt cx="0" cy="0"/>
         </a:xfrm>
       </p:grpSpPr>
-      <p:cxnSp>
-        <p:nvCxnSpPr>
-          <p:cNvPr id="3" name="직선 연결선 2">
-            <a:extLst>
-              <a:ext uri="{FF2B5EF4-FFF2-40B4-BE49-F238E27FC236}">
-                <a16:creationId xmlns:a16="http://schemas.microsoft.com/office/drawing/2014/main" id="{F55676F0-C433-4456-BB57-3E5832581EF6}"/>
-              </a:ext>
-            </a:extLst>
-          </p:cNvPr>
-          <p:cNvCxnSpPr>
-            <a:cxnSpLocks/>
-          </p:cNvCxnSpPr>
-          <p:nvPr/>
-        </p:nvCxnSpPr>
-        <p:spPr>
-          <a:xfrm>
-            <a:off x="8961120" y="696814"/>
-            <a:ext cx="2954657" cy="0"/>
-          </a:xfrm>
-          <a:prstGeom prst="line">
-            <a:avLst/>
-          </a:prstGeom>
-          <a:ln w="34925">
-            <a:solidFill>
-              <a:schemeClr val="tx2"/>
-            </a:solidFill>
-          </a:ln>
-        </p:spPr>
-        <p:style>
-          <a:lnRef idx="1">
-            <a:schemeClr val="accent1"/>
-          </a:lnRef>
-          <a:fillRef idx="0">
-            <a:schemeClr val="accent1"/>
-          </a:fillRef>
-          <a:effectRef idx="0">
-            <a:schemeClr val="accent1"/>
-          </a:effectRef>
-          <a:fontRef idx="minor">
-            <a:schemeClr val="tx1"/>
-          </a:fontRef>
-        </p:style>
-      </p:cxnSp>
-      <p:sp>
-        <p:nvSpPr>
-          <p:cNvPr id="6" name="TextBox 5">
-            <a:extLst>
-              <a:ext uri="{FF2B5EF4-FFF2-40B4-BE49-F238E27FC236}">
-                <a16:creationId xmlns:a16="http://schemas.microsoft.com/office/drawing/2014/main" id="{C7B00371-8BBF-468F-BAB5-3B58CE59B669}"/>
-              </a:ext>
-            </a:extLst>
-          </p:cNvPr>
-          <p:cNvSpPr txBox="1"/>
-          <p:nvPr/>
-        </p:nvSpPr>
-        <p:spPr>
-          <a:xfrm>
-            <a:off x="8961119" y="310773"/>
-            <a:ext cx="2954657" cy="400110"/>
-          </a:xfrm>
-          <a:prstGeom prst="rect">
-            <a:avLst/>
-          </a:prstGeom>
-          <a:noFill/>
-        </p:spPr>
-        <p:txBody>
-          <a:bodyPr wrap="square" rtlCol="0">
-            <a:spAutoFit/>
-          </a:bodyPr>
-          <a:lstStyle/>
-          <a:p>
-            <a:pPr algn="ctr"/>
-            <a:r>
-              <a:rPr lang="ko-KR" altLang="en-US" sz="2000" dirty="0" err="1">
-                <a:solidFill>
-                  <a:schemeClr val="tx2">
-                    <a:lumMod val="50000"/>
-                  </a:schemeClr>
-                </a:solidFill>
-                <a:latin typeface="나눔스퀘어 ExtraBold" panose="020B0600000101010101" pitchFamily="50" charset="-127"/>
-                <a:ea typeface="나눔스퀘어 ExtraBold" panose="020B0600000101010101" pitchFamily="50" charset="-127"/>
-              </a:rPr>
-              <a:t>캡스톤</a:t>
-            </a:r>
-            <a:r>
-              <a:rPr lang="ko-KR" altLang="en-US" sz="2000" dirty="0">
-                <a:solidFill>
-                  <a:schemeClr val="tx2">
-                    <a:lumMod val="50000"/>
-                  </a:schemeClr>
-                </a:solidFill>
-                <a:latin typeface="나눔스퀘어 ExtraBold" panose="020B0600000101010101" pitchFamily="50" charset="-127"/>
-                <a:ea typeface="나눔스퀘어 ExtraBold" panose="020B0600000101010101" pitchFamily="50" charset="-127"/>
-              </a:rPr>
-              <a:t> 디자인 </a:t>
-            </a:r>
-            <a:r>
-              <a:rPr lang="en-US" altLang="ko-KR" sz="2000" dirty="0">
-                <a:solidFill>
-                  <a:schemeClr val="tx2">
-                    <a:lumMod val="50000"/>
-                  </a:schemeClr>
-                </a:solidFill>
-                <a:latin typeface="나눔스퀘어 ExtraBold" panose="020B0600000101010101" pitchFamily="50" charset="-127"/>
-                <a:ea typeface="나눔스퀘어 ExtraBold" panose="020B0600000101010101" pitchFamily="50" charset="-127"/>
-              </a:rPr>
-              <a:t>7</a:t>
-            </a:r>
-            <a:r>
-              <a:rPr lang="ko-KR" altLang="en-US" sz="2000" dirty="0">
-                <a:solidFill>
-                  <a:schemeClr val="tx2">
-                    <a:lumMod val="50000"/>
-                  </a:schemeClr>
-                </a:solidFill>
-                <a:latin typeface="나눔스퀘어 ExtraBold" panose="020B0600000101010101" pitchFamily="50" charset="-127"/>
-                <a:ea typeface="나눔스퀘어 ExtraBold" panose="020B0600000101010101" pitchFamily="50" charset="-127"/>
-              </a:rPr>
-              <a:t>팀</a:t>
-            </a:r>
-            <a:endParaRPr lang="en-US" altLang="ko-KR" sz="2000" dirty="0">
-              <a:solidFill>
-                <a:schemeClr val="tx2">
-                  <a:lumMod val="50000"/>
-                </a:schemeClr>
-              </a:solidFill>
-              <a:latin typeface="나눔스퀘어 ExtraBold" panose="020B0600000101010101" pitchFamily="50" charset="-127"/>
-              <a:ea typeface="나눔스퀘어 ExtraBold" panose="020B0600000101010101" pitchFamily="50" charset="-127"/>
-            </a:endParaRPr>
-          </a:p>
-        </p:txBody>
-      </p:sp>
       <p:sp>
         <p:nvSpPr>
           <p:cNvPr id="8" name="TextBox 7">
@@ -5594,49 +5598,6 @@
           </a:p>
         </p:txBody>
       </p:sp>
-      <p:cxnSp>
-        <p:nvCxnSpPr>
-          <p:cNvPr id="9" name="직선 연결선 8">
-            <a:extLst>
-              <a:ext uri="{FF2B5EF4-FFF2-40B4-BE49-F238E27FC236}">
-                <a16:creationId xmlns:a16="http://schemas.microsoft.com/office/drawing/2014/main" id="{5140239F-7841-40D4-B023-7486FD09274D}"/>
-              </a:ext>
-            </a:extLst>
-          </p:cNvPr>
-          <p:cNvCxnSpPr>
-            <a:cxnSpLocks/>
-          </p:cNvCxnSpPr>
-          <p:nvPr/>
-        </p:nvCxnSpPr>
-        <p:spPr>
-          <a:xfrm>
-            <a:off x="8961120" y="267285"/>
-            <a:ext cx="2954657" cy="0"/>
-          </a:xfrm>
-          <a:prstGeom prst="line">
-            <a:avLst/>
-          </a:prstGeom>
-          <a:ln w="34925">
-            <a:solidFill>
-              <a:schemeClr val="tx2"/>
-            </a:solidFill>
-          </a:ln>
-        </p:spPr>
-        <p:style>
-          <a:lnRef idx="1">
-            <a:schemeClr val="accent1"/>
-          </a:lnRef>
-          <a:fillRef idx="0">
-            <a:schemeClr val="accent1"/>
-          </a:fillRef>
-          <a:effectRef idx="0">
-            <a:schemeClr val="accent1"/>
-          </a:effectRef>
-          <a:fontRef idx="minor">
-            <a:schemeClr val="tx1"/>
-          </a:fontRef>
-        </p:style>
-      </p:cxnSp>
       <p:sp>
         <p:nvSpPr>
           <p:cNvPr id="17" name="TextBox 16">
@@ -5951,6 +5912,249 @@
           </a:prstGeom>
         </p:spPr>
       </p:pic>
+      <p:cxnSp>
+        <p:nvCxnSpPr>
+          <p:cNvPr id="2" name="직선 연결선 1">
+            <a:extLst>
+              <a:ext uri="{FF2B5EF4-FFF2-40B4-BE49-F238E27FC236}">
+                <a16:creationId xmlns:a16="http://schemas.microsoft.com/office/drawing/2014/main" id="{3FBEEB35-068A-3EA3-166B-4985B18A54D4}"/>
+              </a:ext>
+            </a:extLst>
+          </p:cNvPr>
+          <p:cNvCxnSpPr>
+            <a:cxnSpLocks/>
+          </p:cNvCxnSpPr>
+          <p:nvPr/>
+        </p:nvCxnSpPr>
+        <p:spPr>
+          <a:xfrm>
+            <a:off x="10337785" y="696814"/>
+            <a:ext cx="1577992" cy="0"/>
+          </a:xfrm>
+          <a:prstGeom prst="line">
+            <a:avLst/>
+          </a:prstGeom>
+          <a:ln w="34925">
+            <a:solidFill>
+              <a:schemeClr val="tx2"/>
+            </a:solidFill>
+          </a:ln>
+        </p:spPr>
+        <p:style>
+          <a:lnRef idx="1">
+            <a:schemeClr val="accent1"/>
+          </a:lnRef>
+          <a:fillRef idx="0">
+            <a:schemeClr val="accent1"/>
+          </a:fillRef>
+          <a:effectRef idx="0">
+            <a:schemeClr val="accent1"/>
+          </a:effectRef>
+          <a:fontRef idx="minor">
+            <a:schemeClr val="tx1"/>
+          </a:fontRef>
+        </p:style>
+      </p:cxnSp>
+      <p:sp>
+        <p:nvSpPr>
+          <p:cNvPr id="5" name="TextBox 4">
+            <a:extLst>
+              <a:ext uri="{FF2B5EF4-FFF2-40B4-BE49-F238E27FC236}">
+                <a16:creationId xmlns:a16="http://schemas.microsoft.com/office/drawing/2014/main" id="{8F2632BC-E345-EE16-66D6-B217AA6A1B66}"/>
+              </a:ext>
+            </a:extLst>
+          </p:cNvPr>
+          <p:cNvSpPr txBox="1"/>
+          <p:nvPr/>
+        </p:nvSpPr>
+        <p:spPr>
+          <a:xfrm>
+            <a:off x="10337785" y="310773"/>
+            <a:ext cx="1577991" cy="400110"/>
+          </a:xfrm>
+          <a:prstGeom prst="rect">
+            <a:avLst/>
+          </a:prstGeom>
+          <a:noFill/>
+        </p:spPr>
+        <p:txBody>
+          <a:bodyPr wrap="square" rtlCol="0">
+            <a:spAutoFit/>
+          </a:bodyPr>
+          <a:lstStyle/>
+          <a:p>
+            <a:pPr algn="ctr"/>
+            <a:r>
+              <a:rPr lang="ko-KR" altLang="en-US" sz="2000" dirty="0" err="1">
+                <a:solidFill>
+                  <a:schemeClr val="tx2">
+                    <a:lumMod val="50000"/>
+                  </a:schemeClr>
+                </a:solidFill>
+                <a:latin typeface="나눔스퀘어 ExtraBold" panose="020B0600000101010101" pitchFamily="50" charset="-127"/>
+                <a:ea typeface="나눔스퀘어 ExtraBold" panose="020B0600000101010101" pitchFamily="50" charset="-127"/>
+              </a:rPr>
+              <a:t>컴공특</a:t>
+            </a:r>
+            <a:r>
+              <a:rPr lang="ko-KR" altLang="en-US" sz="2000" dirty="0">
+                <a:solidFill>
+                  <a:schemeClr val="tx2">
+                    <a:lumMod val="50000"/>
+                  </a:schemeClr>
+                </a:solidFill>
+                <a:latin typeface="나눔스퀘어 ExtraBold" panose="020B0600000101010101" pitchFamily="50" charset="-127"/>
+                <a:ea typeface="나눔스퀘어 ExtraBold" panose="020B0600000101010101" pitchFamily="50" charset="-127"/>
+              </a:rPr>
+              <a:t> </a:t>
+            </a:r>
+            <a:r>
+              <a:rPr lang="en-US" altLang="ko-KR" sz="2000" dirty="0">
+                <a:solidFill>
+                  <a:schemeClr val="tx2">
+                    <a:lumMod val="50000"/>
+                  </a:schemeClr>
+                </a:solidFill>
+                <a:latin typeface="나눔스퀘어 ExtraBold" panose="020B0600000101010101" pitchFamily="50" charset="-127"/>
+                <a:ea typeface="나눔스퀘어 ExtraBold" panose="020B0600000101010101" pitchFamily="50" charset="-127"/>
+              </a:rPr>
+              <a:t>3</a:t>
+            </a:r>
+            <a:r>
+              <a:rPr lang="ko-KR" altLang="en-US" sz="2000" dirty="0">
+                <a:solidFill>
+                  <a:schemeClr val="tx2">
+                    <a:lumMod val="50000"/>
+                  </a:schemeClr>
+                </a:solidFill>
+                <a:latin typeface="나눔스퀘어 ExtraBold" panose="020B0600000101010101" pitchFamily="50" charset="-127"/>
+                <a:ea typeface="나눔스퀘어 ExtraBold" panose="020B0600000101010101" pitchFamily="50" charset="-127"/>
+              </a:rPr>
+              <a:t>팀</a:t>
+            </a:r>
+            <a:endParaRPr lang="en-US" altLang="ko-KR" sz="2000" dirty="0">
+              <a:solidFill>
+                <a:schemeClr val="tx2">
+                  <a:lumMod val="50000"/>
+                </a:schemeClr>
+              </a:solidFill>
+              <a:latin typeface="나눔스퀘어 ExtraBold" panose="020B0600000101010101" pitchFamily="50" charset="-127"/>
+              <a:ea typeface="나눔스퀘어 ExtraBold" panose="020B0600000101010101" pitchFamily="50" charset="-127"/>
+            </a:endParaRPr>
+          </a:p>
+        </p:txBody>
+      </p:sp>
+      <p:cxnSp>
+        <p:nvCxnSpPr>
+          <p:cNvPr id="7" name="직선 연결선 6">
+            <a:extLst>
+              <a:ext uri="{FF2B5EF4-FFF2-40B4-BE49-F238E27FC236}">
+                <a16:creationId xmlns:a16="http://schemas.microsoft.com/office/drawing/2014/main" id="{5FF7525E-AD5A-9B76-7A3C-A104A8B19E7B}"/>
+              </a:ext>
+            </a:extLst>
+          </p:cNvPr>
+          <p:cNvCxnSpPr>
+            <a:cxnSpLocks/>
+          </p:cNvCxnSpPr>
+          <p:nvPr/>
+        </p:nvCxnSpPr>
+        <p:spPr>
+          <a:xfrm>
+            <a:off x="10337785" y="267285"/>
+            <a:ext cx="1577992" cy="0"/>
+          </a:xfrm>
+          <a:prstGeom prst="line">
+            <a:avLst/>
+          </a:prstGeom>
+          <a:ln w="34925">
+            <a:solidFill>
+              <a:schemeClr val="tx2"/>
+            </a:solidFill>
+          </a:ln>
+        </p:spPr>
+        <p:style>
+          <a:lnRef idx="1">
+            <a:schemeClr val="accent1"/>
+          </a:lnRef>
+          <a:fillRef idx="0">
+            <a:schemeClr val="accent1"/>
+          </a:fillRef>
+          <a:effectRef idx="0">
+            <a:schemeClr val="accent1"/>
+          </a:effectRef>
+          <a:fontRef idx="minor">
+            <a:schemeClr val="tx1"/>
+          </a:fontRef>
+        </p:style>
+      </p:cxnSp>
+      <p:sp>
+        <p:nvSpPr>
+          <p:cNvPr id="12" name="TextBox 11">
+            <a:extLst>
+              <a:ext uri="{FF2B5EF4-FFF2-40B4-BE49-F238E27FC236}">
+                <a16:creationId xmlns:a16="http://schemas.microsoft.com/office/drawing/2014/main" id="{88168B60-C3CC-802A-C827-4CB5D00C4A54}"/>
+              </a:ext>
+            </a:extLst>
+          </p:cNvPr>
+          <p:cNvSpPr txBox="1"/>
+          <p:nvPr/>
+        </p:nvSpPr>
+        <p:spPr>
+          <a:xfrm>
+            <a:off x="8802448" y="267286"/>
+            <a:ext cx="1183644" cy="461665"/>
+          </a:xfrm>
+          <a:prstGeom prst="rect">
+            <a:avLst/>
+          </a:prstGeom>
+          <a:noFill/>
+        </p:spPr>
+        <p:txBody>
+          <a:bodyPr wrap="square" rtlCol="0">
+            <a:spAutoFit/>
+          </a:bodyPr>
+          <a:lstStyle/>
+          <a:p>
+            <a:r>
+              <a:rPr lang="en-US" altLang="ko-KR" sz="2400" spc="100" dirty="0">
+                <a:solidFill>
+                  <a:srgbClr val="000000"/>
+                </a:solidFill>
+                <a:latin typeface="나눔스퀘어 Bold" panose="020B0600000101010101" pitchFamily="50" charset="-127"/>
+                <a:ea typeface="나눔스퀘어 Bold" panose="020B0600000101010101" pitchFamily="50" charset="-127"/>
+              </a:rPr>
+              <a:t>p.</a:t>
+            </a:r>
+            <a:r>
+              <a:rPr lang="ko-KR" altLang="en-US" sz="2400" spc="100" dirty="0">
+                <a:solidFill>
+                  <a:srgbClr val="000000"/>
+                </a:solidFill>
+                <a:latin typeface="나눔스퀘어 Bold" panose="020B0600000101010101" pitchFamily="50" charset="-127"/>
+                <a:ea typeface="나눔스퀘어 Bold" panose="020B0600000101010101" pitchFamily="50" charset="-127"/>
+              </a:rPr>
+              <a:t> </a:t>
+            </a:r>
+            <a:r>
+              <a:rPr lang="en-US" altLang="ko-KR" sz="2400" spc="100" dirty="0">
+                <a:solidFill>
+                  <a:srgbClr val="000000"/>
+                </a:solidFill>
+                <a:latin typeface="나눔스퀘어 Bold" panose="020B0600000101010101" pitchFamily="50" charset="-127"/>
+                <a:ea typeface="나눔스퀘어 Bold" panose="020B0600000101010101" pitchFamily="50" charset="-127"/>
+              </a:rPr>
+              <a:t>127</a:t>
+            </a:r>
+            <a:endParaRPr lang="ko-KR" altLang="en-US" sz="2400" spc="100" dirty="0">
+              <a:solidFill>
+                <a:srgbClr val="000000"/>
+              </a:solidFill>
+              <a:latin typeface="나눔스퀘어 Bold" panose="020B0600000101010101" pitchFamily="50" charset="-127"/>
+              <a:ea typeface="나눔스퀘어 Bold" panose="020B0600000101010101" pitchFamily="50" charset="-127"/>
+            </a:endParaRPr>
+          </a:p>
+        </p:txBody>
+      </p:sp>
     </p:spTree>
     <p:extLst>
       <p:ext uri="{BB962C8B-B14F-4D97-AF65-F5344CB8AC3E}">
@@ -5961,13 +6165,13 @@
   <p:clrMapOvr>
     <a:masterClrMapping/>
   </p:clrMapOvr>
-  <mc:AlternateContent xmlns:mc="http://schemas.openxmlformats.org/markup-compatibility/2006">
-    <mc:Choice xmlns:p159="http://schemas.microsoft.com/office/powerpoint/2015/09/main" Requires="p159">
+  <mc:AlternateContent xmlns:mc="http://schemas.openxmlformats.org/markup-compatibility/2006" xmlns:p159="http://schemas.microsoft.com/office/powerpoint/2015/09/main">
+    <mc:Choice Requires="p159">
       <p:transition xmlns:p14="http://schemas.microsoft.com/office/powerpoint/2010/main" spd="slow" p14:dur="2000">
         <p159:morph option="byObject"/>
       </p:transition>
     </mc:Choice>
-    <mc:Fallback>
+    <mc:Fallback xmlns="">
       <p:transition spd="slow">
         <p:fade/>
       </p:transition>
@@ -5993,138 +6197,6 @@
           <a:chExt cx="0" cy="0"/>
         </a:xfrm>
       </p:grpSpPr>
-      <p:cxnSp>
-        <p:nvCxnSpPr>
-          <p:cNvPr id="3" name="직선 연결선 2">
-            <a:extLst>
-              <a:ext uri="{FF2B5EF4-FFF2-40B4-BE49-F238E27FC236}">
-                <a16:creationId xmlns:a16="http://schemas.microsoft.com/office/drawing/2014/main" id="{F55676F0-C433-4456-BB57-3E5832581EF6}"/>
-              </a:ext>
-            </a:extLst>
-          </p:cNvPr>
-          <p:cNvCxnSpPr>
-            <a:cxnSpLocks/>
-          </p:cNvCxnSpPr>
-          <p:nvPr/>
-        </p:nvCxnSpPr>
-        <p:spPr>
-          <a:xfrm>
-            <a:off x="8961120" y="696814"/>
-            <a:ext cx="2954657" cy="0"/>
-          </a:xfrm>
-          <a:prstGeom prst="line">
-            <a:avLst/>
-          </a:prstGeom>
-          <a:ln w="34925">
-            <a:solidFill>
-              <a:schemeClr val="tx2"/>
-            </a:solidFill>
-          </a:ln>
-        </p:spPr>
-        <p:style>
-          <a:lnRef idx="1">
-            <a:schemeClr val="accent1"/>
-          </a:lnRef>
-          <a:fillRef idx="0">
-            <a:schemeClr val="accent1"/>
-          </a:fillRef>
-          <a:effectRef idx="0">
-            <a:schemeClr val="accent1"/>
-          </a:effectRef>
-          <a:fontRef idx="minor">
-            <a:schemeClr val="tx1"/>
-          </a:fontRef>
-        </p:style>
-      </p:cxnSp>
-      <p:sp>
-        <p:nvSpPr>
-          <p:cNvPr id="6" name="TextBox 5">
-            <a:extLst>
-              <a:ext uri="{FF2B5EF4-FFF2-40B4-BE49-F238E27FC236}">
-                <a16:creationId xmlns:a16="http://schemas.microsoft.com/office/drawing/2014/main" id="{C7B00371-8BBF-468F-BAB5-3B58CE59B669}"/>
-              </a:ext>
-            </a:extLst>
-          </p:cNvPr>
-          <p:cNvSpPr txBox="1"/>
-          <p:nvPr/>
-        </p:nvSpPr>
-        <p:spPr>
-          <a:xfrm>
-            <a:off x="8961119" y="310773"/>
-            <a:ext cx="2954657" cy="400110"/>
-          </a:xfrm>
-          <a:prstGeom prst="rect">
-            <a:avLst/>
-          </a:prstGeom>
-          <a:noFill/>
-        </p:spPr>
-        <p:txBody>
-          <a:bodyPr wrap="square" rtlCol="0">
-            <a:spAutoFit/>
-          </a:bodyPr>
-          <a:lstStyle/>
-          <a:p>
-            <a:pPr algn="ctr"/>
-            <a:r>
-              <a:rPr lang="ko-KR" altLang="en-US" sz="2000" dirty="0" err="1">
-                <a:solidFill>
-                  <a:schemeClr val="tx2">
-                    <a:lumMod val="50000"/>
-                  </a:schemeClr>
-                </a:solidFill>
-                <a:latin typeface="나눔스퀘어 ExtraBold" panose="020B0600000101010101" pitchFamily="50" charset="-127"/>
-                <a:ea typeface="나눔스퀘어 ExtraBold" panose="020B0600000101010101" pitchFamily="50" charset="-127"/>
-              </a:rPr>
-              <a:t>캡스톤</a:t>
-            </a:r>
-            <a:r>
-              <a:rPr lang="ko-KR" altLang="en-US" sz="2000" dirty="0">
-                <a:solidFill>
-                  <a:schemeClr val="tx2">
-                    <a:lumMod val="50000"/>
-                  </a:schemeClr>
-                </a:solidFill>
-                <a:latin typeface="나눔스퀘어 ExtraBold" panose="020B0600000101010101" pitchFamily="50" charset="-127"/>
-                <a:ea typeface="나눔스퀘어 ExtraBold" panose="020B0600000101010101" pitchFamily="50" charset="-127"/>
-              </a:rPr>
-              <a:t> 디자인 </a:t>
-            </a:r>
-            <a:r>
-              <a:rPr lang="en-US" altLang="ko-KR" sz="2000" dirty="0">
-                <a:solidFill>
-                  <a:schemeClr val="tx2">
-                    <a:lumMod val="50000"/>
-                  </a:schemeClr>
-                </a:solidFill>
-                <a:latin typeface="나눔스퀘어 ExtraBold" panose="020B0600000101010101" pitchFamily="50" charset="-127"/>
-                <a:ea typeface="나눔스퀘어 ExtraBold" panose="020B0600000101010101" pitchFamily="50" charset="-127"/>
-              </a:rPr>
-              <a:t>7</a:t>
-            </a:r>
-            <a:r>
-              <a:rPr lang="ko-KR" altLang="en-US" sz="2000" dirty="0">
-                <a:solidFill>
-                  <a:schemeClr val="tx2">
-                    <a:lumMod val="50000"/>
-                  </a:schemeClr>
-                </a:solidFill>
-                <a:latin typeface="나눔스퀘어 ExtraBold" panose="020B0600000101010101" pitchFamily="50" charset="-127"/>
-                <a:ea typeface="나눔스퀘어 ExtraBold" panose="020B0600000101010101" pitchFamily="50" charset="-127"/>
-              </a:rPr>
-              <a:t>팀</a:t>
-            </a:r>
-            <a:endParaRPr lang="en-US" altLang="ko-KR" sz="2000" dirty="0">
-              <a:solidFill>
-                <a:schemeClr val="tx2">
-                  <a:lumMod val="50000"/>
-                </a:schemeClr>
-              </a:solidFill>
-              <a:latin typeface="나눔스퀘어 ExtraBold" panose="020B0600000101010101" pitchFamily="50" charset="-127"/>
-              <a:ea typeface="나눔스퀘어 ExtraBold" panose="020B0600000101010101" pitchFamily="50" charset="-127"/>
-            </a:endParaRPr>
-          </a:p>
-        </p:txBody>
-      </p:sp>
       <p:sp>
         <p:nvSpPr>
           <p:cNvPr id="8" name="TextBox 7">
@@ -6189,49 +6261,6 @@
           </a:p>
         </p:txBody>
       </p:sp>
-      <p:cxnSp>
-        <p:nvCxnSpPr>
-          <p:cNvPr id="9" name="직선 연결선 8">
-            <a:extLst>
-              <a:ext uri="{FF2B5EF4-FFF2-40B4-BE49-F238E27FC236}">
-                <a16:creationId xmlns:a16="http://schemas.microsoft.com/office/drawing/2014/main" id="{5140239F-7841-40D4-B023-7486FD09274D}"/>
-              </a:ext>
-            </a:extLst>
-          </p:cNvPr>
-          <p:cNvCxnSpPr>
-            <a:cxnSpLocks/>
-          </p:cNvCxnSpPr>
-          <p:nvPr/>
-        </p:nvCxnSpPr>
-        <p:spPr>
-          <a:xfrm>
-            <a:off x="8961120" y="267285"/>
-            <a:ext cx="2954657" cy="0"/>
-          </a:xfrm>
-          <a:prstGeom prst="line">
-            <a:avLst/>
-          </a:prstGeom>
-          <a:ln w="34925">
-            <a:solidFill>
-              <a:schemeClr val="tx2"/>
-            </a:solidFill>
-          </a:ln>
-        </p:spPr>
-        <p:style>
-          <a:lnRef idx="1">
-            <a:schemeClr val="accent1"/>
-          </a:lnRef>
-          <a:fillRef idx="0">
-            <a:schemeClr val="accent1"/>
-          </a:fillRef>
-          <a:effectRef idx="0">
-            <a:schemeClr val="accent1"/>
-          </a:effectRef>
-          <a:fontRef idx="minor">
-            <a:schemeClr val="tx1"/>
-          </a:fontRef>
-        </p:style>
-      </p:cxnSp>
       <p:sp>
         <p:nvSpPr>
           <p:cNvPr id="17" name="TextBox 16">
@@ -6556,6 +6585,249 @@
           </a:prstGeom>
         </p:spPr>
       </p:pic>
+      <p:cxnSp>
+        <p:nvCxnSpPr>
+          <p:cNvPr id="2" name="직선 연결선 1">
+            <a:extLst>
+              <a:ext uri="{FF2B5EF4-FFF2-40B4-BE49-F238E27FC236}">
+                <a16:creationId xmlns:a16="http://schemas.microsoft.com/office/drawing/2014/main" id="{8BA91DBE-A4BB-67FD-91BF-8D87B0BD9EB4}"/>
+              </a:ext>
+            </a:extLst>
+          </p:cNvPr>
+          <p:cNvCxnSpPr>
+            <a:cxnSpLocks/>
+          </p:cNvCxnSpPr>
+          <p:nvPr/>
+        </p:nvCxnSpPr>
+        <p:spPr>
+          <a:xfrm>
+            <a:off x="10337785" y="696814"/>
+            <a:ext cx="1577992" cy="0"/>
+          </a:xfrm>
+          <a:prstGeom prst="line">
+            <a:avLst/>
+          </a:prstGeom>
+          <a:ln w="34925">
+            <a:solidFill>
+              <a:schemeClr val="tx2"/>
+            </a:solidFill>
+          </a:ln>
+        </p:spPr>
+        <p:style>
+          <a:lnRef idx="1">
+            <a:schemeClr val="accent1"/>
+          </a:lnRef>
+          <a:fillRef idx="0">
+            <a:schemeClr val="accent1"/>
+          </a:fillRef>
+          <a:effectRef idx="0">
+            <a:schemeClr val="accent1"/>
+          </a:effectRef>
+          <a:fontRef idx="minor">
+            <a:schemeClr val="tx1"/>
+          </a:fontRef>
+        </p:style>
+      </p:cxnSp>
+      <p:sp>
+        <p:nvSpPr>
+          <p:cNvPr id="4" name="TextBox 3">
+            <a:extLst>
+              <a:ext uri="{FF2B5EF4-FFF2-40B4-BE49-F238E27FC236}">
+                <a16:creationId xmlns:a16="http://schemas.microsoft.com/office/drawing/2014/main" id="{2D70060F-121C-0595-77E8-BB6EAC95353A}"/>
+              </a:ext>
+            </a:extLst>
+          </p:cNvPr>
+          <p:cNvSpPr txBox="1"/>
+          <p:nvPr/>
+        </p:nvSpPr>
+        <p:spPr>
+          <a:xfrm>
+            <a:off x="10337785" y="310773"/>
+            <a:ext cx="1577991" cy="400110"/>
+          </a:xfrm>
+          <a:prstGeom prst="rect">
+            <a:avLst/>
+          </a:prstGeom>
+          <a:noFill/>
+        </p:spPr>
+        <p:txBody>
+          <a:bodyPr wrap="square" rtlCol="0">
+            <a:spAutoFit/>
+          </a:bodyPr>
+          <a:lstStyle/>
+          <a:p>
+            <a:pPr algn="ctr"/>
+            <a:r>
+              <a:rPr lang="ko-KR" altLang="en-US" sz="2000" dirty="0" err="1">
+                <a:solidFill>
+                  <a:schemeClr val="tx2">
+                    <a:lumMod val="50000"/>
+                  </a:schemeClr>
+                </a:solidFill>
+                <a:latin typeface="나눔스퀘어 ExtraBold" panose="020B0600000101010101" pitchFamily="50" charset="-127"/>
+                <a:ea typeface="나눔스퀘어 ExtraBold" panose="020B0600000101010101" pitchFamily="50" charset="-127"/>
+              </a:rPr>
+              <a:t>컴공특</a:t>
+            </a:r>
+            <a:r>
+              <a:rPr lang="ko-KR" altLang="en-US" sz="2000" dirty="0">
+                <a:solidFill>
+                  <a:schemeClr val="tx2">
+                    <a:lumMod val="50000"/>
+                  </a:schemeClr>
+                </a:solidFill>
+                <a:latin typeface="나눔스퀘어 ExtraBold" panose="020B0600000101010101" pitchFamily="50" charset="-127"/>
+                <a:ea typeface="나눔스퀘어 ExtraBold" panose="020B0600000101010101" pitchFamily="50" charset="-127"/>
+              </a:rPr>
+              <a:t> </a:t>
+            </a:r>
+            <a:r>
+              <a:rPr lang="en-US" altLang="ko-KR" sz="2000" dirty="0">
+                <a:solidFill>
+                  <a:schemeClr val="tx2">
+                    <a:lumMod val="50000"/>
+                  </a:schemeClr>
+                </a:solidFill>
+                <a:latin typeface="나눔스퀘어 ExtraBold" panose="020B0600000101010101" pitchFamily="50" charset="-127"/>
+                <a:ea typeface="나눔스퀘어 ExtraBold" panose="020B0600000101010101" pitchFamily="50" charset="-127"/>
+              </a:rPr>
+              <a:t>3</a:t>
+            </a:r>
+            <a:r>
+              <a:rPr lang="ko-KR" altLang="en-US" sz="2000" dirty="0">
+                <a:solidFill>
+                  <a:schemeClr val="tx2">
+                    <a:lumMod val="50000"/>
+                  </a:schemeClr>
+                </a:solidFill>
+                <a:latin typeface="나눔스퀘어 ExtraBold" panose="020B0600000101010101" pitchFamily="50" charset="-127"/>
+                <a:ea typeface="나눔스퀘어 ExtraBold" panose="020B0600000101010101" pitchFamily="50" charset="-127"/>
+              </a:rPr>
+              <a:t>팀</a:t>
+            </a:r>
+            <a:endParaRPr lang="en-US" altLang="ko-KR" sz="2000" dirty="0">
+              <a:solidFill>
+                <a:schemeClr val="tx2">
+                  <a:lumMod val="50000"/>
+                </a:schemeClr>
+              </a:solidFill>
+              <a:latin typeface="나눔스퀘어 ExtraBold" panose="020B0600000101010101" pitchFamily="50" charset="-127"/>
+              <a:ea typeface="나눔스퀘어 ExtraBold" panose="020B0600000101010101" pitchFamily="50" charset="-127"/>
+            </a:endParaRPr>
+          </a:p>
+        </p:txBody>
+      </p:sp>
+      <p:cxnSp>
+        <p:nvCxnSpPr>
+          <p:cNvPr id="7" name="직선 연결선 6">
+            <a:extLst>
+              <a:ext uri="{FF2B5EF4-FFF2-40B4-BE49-F238E27FC236}">
+                <a16:creationId xmlns:a16="http://schemas.microsoft.com/office/drawing/2014/main" id="{9D328267-3535-1F08-1298-A7657ECD4D3F}"/>
+              </a:ext>
+            </a:extLst>
+          </p:cNvPr>
+          <p:cNvCxnSpPr>
+            <a:cxnSpLocks/>
+          </p:cNvCxnSpPr>
+          <p:nvPr/>
+        </p:nvCxnSpPr>
+        <p:spPr>
+          <a:xfrm>
+            <a:off x="10337785" y="267285"/>
+            <a:ext cx="1577992" cy="0"/>
+          </a:xfrm>
+          <a:prstGeom prst="line">
+            <a:avLst/>
+          </a:prstGeom>
+          <a:ln w="34925">
+            <a:solidFill>
+              <a:schemeClr val="tx2"/>
+            </a:solidFill>
+          </a:ln>
+        </p:spPr>
+        <p:style>
+          <a:lnRef idx="1">
+            <a:schemeClr val="accent1"/>
+          </a:lnRef>
+          <a:fillRef idx="0">
+            <a:schemeClr val="accent1"/>
+          </a:fillRef>
+          <a:effectRef idx="0">
+            <a:schemeClr val="accent1"/>
+          </a:effectRef>
+          <a:fontRef idx="minor">
+            <a:schemeClr val="tx1"/>
+          </a:fontRef>
+        </p:style>
+      </p:cxnSp>
+      <p:sp>
+        <p:nvSpPr>
+          <p:cNvPr id="10" name="TextBox 9">
+            <a:extLst>
+              <a:ext uri="{FF2B5EF4-FFF2-40B4-BE49-F238E27FC236}">
+                <a16:creationId xmlns:a16="http://schemas.microsoft.com/office/drawing/2014/main" id="{53990EF7-5E7F-BCBB-BC6F-5C18054AC8B2}"/>
+              </a:ext>
+            </a:extLst>
+          </p:cNvPr>
+          <p:cNvSpPr txBox="1"/>
+          <p:nvPr/>
+        </p:nvSpPr>
+        <p:spPr>
+          <a:xfrm>
+            <a:off x="8802448" y="267286"/>
+            <a:ext cx="1183644" cy="461665"/>
+          </a:xfrm>
+          <a:prstGeom prst="rect">
+            <a:avLst/>
+          </a:prstGeom>
+          <a:noFill/>
+        </p:spPr>
+        <p:txBody>
+          <a:bodyPr wrap="square" rtlCol="0">
+            <a:spAutoFit/>
+          </a:bodyPr>
+          <a:lstStyle/>
+          <a:p>
+            <a:r>
+              <a:rPr lang="en-US" altLang="ko-KR" sz="2400" spc="100" dirty="0">
+                <a:solidFill>
+                  <a:srgbClr val="000000"/>
+                </a:solidFill>
+                <a:latin typeface="나눔스퀘어 Bold" panose="020B0600000101010101" pitchFamily="50" charset="-127"/>
+                <a:ea typeface="나눔스퀘어 Bold" panose="020B0600000101010101" pitchFamily="50" charset="-127"/>
+              </a:rPr>
+              <a:t>p.</a:t>
+            </a:r>
+            <a:r>
+              <a:rPr lang="ko-KR" altLang="en-US" sz="2400" spc="100" dirty="0">
+                <a:solidFill>
+                  <a:srgbClr val="000000"/>
+                </a:solidFill>
+                <a:latin typeface="나눔스퀘어 Bold" panose="020B0600000101010101" pitchFamily="50" charset="-127"/>
+                <a:ea typeface="나눔스퀘어 Bold" panose="020B0600000101010101" pitchFamily="50" charset="-127"/>
+              </a:rPr>
+              <a:t> </a:t>
+            </a:r>
+            <a:r>
+              <a:rPr lang="en-US" altLang="ko-KR" sz="2400" spc="100" dirty="0">
+                <a:solidFill>
+                  <a:srgbClr val="000000"/>
+                </a:solidFill>
+                <a:latin typeface="나눔스퀘어 Bold" panose="020B0600000101010101" pitchFamily="50" charset="-127"/>
+                <a:ea typeface="나눔스퀘어 Bold" panose="020B0600000101010101" pitchFamily="50" charset="-127"/>
+              </a:rPr>
+              <a:t>127</a:t>
+            </a:r>
+            <a:endParaRPr lang="ko-KR" altLang="en-US" sz="2400" spc="100" dirty="0">
+              <a:solidFill>
+                <a:srgbClr val="000000"/>
+              </a:solidFill>
+              <a:latin typeface="나눔스퀘어 Bold" panose="020B0600000101010101" pitchFamily="50" charset="-127"/>
+              <a:ea typeface="나눔스퀘어 Bold" panose="020B0600000101010101" pitchFamily="50" charset="-127"/>
+            </a:endParaRPr>
+          </a:p>
+        </p:txBody>
+      </p:sp>
     </p:spTree>
     <p:extLst>
       <p:ext uri="{BB962C8B-B14F-4D97-AF65-F5344CB8AC3E}">
@@ -6566,13 +6838,13 @@
   <p:clrMapOvr>
     <a:masterClrMapping/>
   </p:clrMapOvr>
-  <mc:AlternateContent xmlns:mc="http://schemas.openxmlformats.org/markup-compatibility/2006">
-    <mc:Choice xmlns:p159="http://schemas.microsoft.com/office/powerpoint/2015/09/main" Requires="p159">
+  <mc:AlternateContent xmlns:mc="http://schemas.openxmlformats.org/markup-compatibility/2006" xmlns:p159="http://schemas.microsoft.com/office/powerpoint/2015/09/main">
+    <mc:Choice Requires="p159">
       <p:transition xmlns:p14="http://schemas.microsoft.com/office/powerpoint/2010/main" spd="slow" p14:dur="2000">
         <p159:morph option="byObject"/>
       </p:transition>
     </mc:Choice>
-    <mc:Fallback>
+    <mc:Fallback xmlns="">
       <p:transition spd="slow">
         <p:fade/>
       </p:transition>
@@ -6765,138 +7037,6 @@
           <a:chExt cx="0" cy="0"/>
         </a:xfrm>
       </p:grpSpPr>
-      <p:cxnSp>
-        <p:nvCxnSpPr>
-          <p:cNvPr id="3" name="직선 연결선 2">
-            <a:extLst>
-              <a:ext uri="{FF2B5EF4-FFF2-40B4-BE49-F238E27FC236}">
-                <a16:creationId xmlns:a16="http://schemas.microsoft.com/office/drawing/2014/main" id="{F55676F0-C433-4456-BB57-3E5832581EF6}"/>
-              </a:ext>
-            </a:extLst>
-          </p:cNvPr>
-          <p:cNvCxnSpPr>
-            <a:cxnSpLocks/>
-          </p:cNvCxnSpPr>
-          <p:nvPr/>
-        </p:nvCxnSpPr>
-        <p:spPr>
-          <a:xfrm>
-            <a:off x="8961120" y="696814"/>
-            <a:ext cx="2954657" cy="0"/>
-          </a:xfrm>
-          <a:prstGeom prst="line">
-            <a:avLst/>
-          </a:prstGeom>
-          <a:ln w="34925">
-            <a:solidFill>
-              <a:schemeClr val="tx2"/>
-            </a:solidFill>
-          </a:ln>
-        </p:spPr>
-        <p:style>
-          <a:lnRef idx="1">
-            <a:schemeClr val="accent1"/>
-          </a:lnRef>
-          <a:fillRef idx="0">
-            <a:schemeClr val="accent1"/>
-          </a:fillRef>
-          <a:effectRef idx="0">
-            <a:schemeClr val="accent1"/>
-          </a:effectRef>
-          <a:fontRef idx="minor">
-            <a:schemeClr val="tx1"/>
-          </a:fontRef>
-        </p:style>
-      </p:cxnSp>
-      <p:sp>
-        <p:nvSpPr>
-          <p:cNvPr id="6" name="TextBox 5">
-            <a:extLst>
-              <a:ext uri="{FF2B5EF4-FFF2-40B4-BE49-F238E27FC236}">
-                <a16:creationId xmlns:a16="http://schemas.microsoft.com/office/drawing/2014/main" id="{C7B00371-8BBF-468F-BAB5-3B58CE59B669}"/>
-              </a:ext>
-            </a:extLst>
-          </p:cNvPr>
-          <p:cNvSpPr txBox="1"/>
-          <p:nvPr/>
-        </p:nvSpPr>
-        <p:spPr>
-          <a:xfrm>
-            <a:off x="8961119" y="310773"/>
-            <a:ext cx="2954657" cy="400110"/>
-          </a:xfrm>
-          <a:prstGeom prst="rect">
-            <a:avLst/>
-          </a:prstGeom>
-          <a:noFill/>
-        </p:spPr>
-        <p:txBody>
-          <a:bodyPr wrap="square" rtlCol="0">
-            <a:spAutoFit/>
-          </a:bodyPr>
-          <a:lstStyle/>
-          <a:p>
-            <a:pPr algn="ctr"/>
-            <a:r>
-              <a:rPr lang="ko-KR" altLang="en-US" sz="2000" dirty="0" err="1">
-                <a:solidFill>
-                  <a:schemeClr val="tx2">
-                    <a:lumMod val="50000"/>
-                  </a:schemeClr>
-                </a:solidFill>
-                <a:latin typeface="나눔스퀘어 ExtraBold" panose="020B0600000101010101" pitchFamily="50" charset="-127"/>
-                <a:ea typeface="나눔스퀘어 ExtraBold" panose="020B0600000101010101" pitchFamily="50" charset="-127"/>
-              </a:rPr>
-              <a:t>컴공특</a:t>
-            </a:r>
-            <a:r>
-              <a:rPr lang="ko-KR" altLang="en-US" sz="2000" dirty="0">
-                <a:solidFill>
-                  <a:schemeClr val="tx2">
-                    <a:lumMod val="50000"/>
-                  </a:schemeClr>
-                </a:solidFill>
-                <a:latin typeface="나눔스퀘어 ExtraBold" panose="020B0600000101010101" pitchFamily="50" charset="-127"/>
-                <a:ea typeface="나눔스퀘어 ExtraBold" panose="020B0600000101010101" pitchFamily="50" charset="-127"/>
-              </a:rPr>
-              <a:t> </a:t>
-            </a:r>
-            <a:r>
-              <a:rPr lang="en-US" altLang="ko-KR" sz="2000" dirty="0">
-                <a:solidFill>
-                  <a:schemeClr val="tx2">
-                    <a:lumMod val="50000"/>
-                  </a:schemeClr>
-                </a:solidFill>
-                <a:latin typeface="나눔스퀘어 ExtraBold" panose="020B0600000101010101" pitchFamily="50" charset="-127"/>
-                <a:ea typeface="나눔스퀘어 ExtraBold" panose="020B0600000101010101" pitchFamily="50" charset="-127"/>
-              </a:rPr>
-              <a:t>3</a:t>
-            </a:r>
-            <a:r>
-              <a:rPr lang="ko-KR" altLang="en-US" sz="2000" dirty="0">
-                <a:solidFill>
-                  <a:schemeClr val="tx2">
-                    <a:lumMod val="50000"/>
-                  </a:schemeClr>
-                </a:solidFill>
-                <a:latin typeface="나눔스퀘어 ExtraBold" panose="020B0600000101010101" pitchFamily="50" charset="-127"/>
-                <a:ea typeface="나눔스퀘어 ExtraBold" panose="020B0600000101010101" pitchFamily="50" charset="-127"/>
-              </a:rPr>
-              <a:t>팀</a:t>
-            </a:r>
-            <a:endParaRPr lang="en-US" altLang="ko-KR" sz="2000" dirty="0">
-              <a:solidFill>
-                <a:schemeClr val="tx2">
-                  <a:lumMod val="50000"/>
-                </a:schemeClr>
-              </a:solidFill>
-              <a:latin typeface="나눔스퀘어 ExtraBold" panose="020B0600000101010101" pitchFamily="50" charset="-127"/>
-              <a:ea typeface="나눔스퀘어 ExtraBold" panose="020B0600000101010101" pitchFamily="50" charset="-127"/>
-            </a:endParaRPr>
-          </a:p>
-        </p:txBody>
-      </p:sp>
       <p:sp>
         <p:nvSpPr>
           <p:cNvPr id="8" name="TextBox 7">
@@ -6973,49 +7113,6 @@
           </a:p>
         </p:txBody>
       </p:sp>
-      <p:cxnSp>
-        <p:nvCxnSpPr>
-          <p:cNvPr id="9" name="직선 연결선 8">
-            <a:extLst>
-              <a:ext uri="{FF2B5EF4-FFF2-40B4-BE49-F238E27FC236}">
-                <a16:creationId xmlns:a16="http://schemas.microsoft.com/office/drawing/2014/main" id="{5140239F-7841-40D4-B023-7486FD09274D}"/>
-              </a:ext>
-            </a:extLst>
-          </p:cNvPr>
-          <p:cNvCxnSpPr>
-            <a:cxnSpLocks/>
-          </p:cNvCxnSpPr>
-          <p:nvPr/>
-        </p:nvCxnSpPr>
-        <p:spPr>
-          <a:xfrm>
-            <a:off x="8961120" y="267285"/>
-            <a:ext cx="2954657" cy="0"/>
-          </a:xfrm>
-          <a:prstGeom prst="line">
-            <a:avLst/>
-          </a:prstGeom>
-          <a:ln w="34925">
-            <a:solidFill>
-              <a:schemeClr val="tx2"/>
-            </a:solidFill>
-          </a:ln>
-        </p:spPr>
-        <p:style>
-          <a:lnRef idx="1">
-            <a:schemeClr val="accent1"/>
-          </a:lnRef>
-          <a:fillRef idx="0">
-            <a:schemeClr val="accent1"/>
-          </a:fillRef>
-          <a:effectRef idx="0">
-            <a:schemeClr val="accent1"/>
-          </a:effectRef>
-          <a:fontRef idx="minor">
-            <a:schemeClr val="tx1"/>
-          </a:fontRef>
-        </p:style>
-      </p:cxnSp>
       <p:sp>
         <p:nvSpPr>
           <p:cNvPr id="10" name="사각형: 둥근 모서리 9">
@@ -7287,6 +7384,249 @@
           </a:prstGeom>
         </p:spPr>
       </p:pic>
+      <p:cxnSp>
+        <p:nvCxnSpPr>
+          <p:cNvPr id="2" name="직선 연결선 1">
+            <a:extLst>
+              <a:ext uri="{FF2B5EF4-FFF2-40B4-BE49-F238E27FC236}">
+                <a16:creationId xmlns:a16="http://schemas.microsoft.com/office/drawing/2014/main" id="{1A455035-68AF-A31D-D003-FBA59B5CEF99}"/>
+              </a:ext>
+            </a:extLst>
+          </p:cNvPr>
+          <p:cNvCxnSpPr>
+            <a:cxnSpLocks/>
+          </p:cNvCxnSpPr>
+          <p:nvPr/>
+        </p:nvCxnSpPr>
+        <p:spPr>
+          <a:xfrm>
+            <a:off x="10337785" y="696814"/>
+            <a:ext cx="1577992" cy="0"/>
+          </a:xfrm>
+          <a:prstGeom prst="line">
+            <a:avLst/>
+          </a:prstGeom>
+          <a:ln w="34925">
+            <a:solidFill>
+              <a:schemeClr val="tx2"/>
+            </a:solidFill>
+          </a:ln>
+        </p:spPr>
+        <p:style>
+          <a:lnRef idx="1">
+            <a:schemeClr val="accent1"/>
+          </a:lnRef>
+          <a:fillRef idx="0">
+            <a:schemeClr val="accent1"/>
+          </a:fillRef>
+          <a:effectRef idx="0">
+            <a:schemeClr val="accent1"/>
+          </a:effectRef>
+          <a:fontRef idx="minor">
+            <a:schemeClr val="tx1"/>
+          </a:fontRef>
+        </p:style>
+      </p:cxnSp>
+      <p:sp>
+        <p:nvSpPr>
+          <p:cNvPr id="4" name="TextBox 3">
+            <a:extLst>
+              <a:ext uri="{FF2B5EF4-FFF2-40B4-BE49-F238E27FC236}">
+                <a16:creationId xmlns:a16="http://schemas.microsoft.com/office/drawing/2014/main" id="{FF6896B9-E7DD-EE79-D643-2BBE4DB169A5}"/>
+              </a:ext>
+            </a:extLst>
+          </p:cNvPr>
+          <p:cNvSpPr txBox="1"/>
+          <p:nvPr/>
+        </p:nvSpPr>
+        <p:spPr>
+          <a:xfrm>
+            <a:off x="10337785" y="310773"/>
+            <a:ext cx="1577991" cy="400110"/>
+          </a:xfrm>
+          <a:prstGeom prst="rect">
+            <a:avLst/>
+          </a:prstGeom>
+          <a:noFill/>
+        </p:spPr>
+        <p:txBody>
+          <a:bodyPr wrap="square" rtlCol="0">
+            <a:spAutoFit/>
+          </a:bodyPr>
+          <a:lstStyle/>
+          <a:p>
+            <a:pPr algn="ctr"/>
+            <a:r>
+              <a:rPr lang="ko-KR" altLang="en-US" sz="2000" dirty="0" err="1">
+                <a:solidFill>
+                  <a:schemeClr val="tx2">
+                    <a:lumMod val="50000"/>
+                  </a:schemeClr>
+                </a:solidFill>
+                <a:latin typeface="나눔스퀘어 ExtraBold" panose="020B0600000101010101" pitchFamily="50" charset="-127"/>
+                <a:ea typeface="나눔스퀘어 ExtraBold" panose="020B0600000101010101" pitchFamily="50" charset="-127"/>
+              </a:rPr>
+              <a:t>컴공특</a:t>
+            </a:r>
+            <a:r>
+              <a:rPr lang="ko-KR" altLang="en-US" sz="2000" dirty="0">
+                <a:solidFill>
+                  <a:schemeClr val="tx2">
+                    <a:lumMod val="50000"/>
+                  </a:schemeClr>
+                </a:solidFill>
+                <a:latin typeface="나눔스퀘어 ExtraBold" panose="020B0600000101010101" pitchFamily="50" charset="-127"/>
+                <a:ea typeface="나눔스퀘어 ExtraBold" panose="020B0600000101010101" pitchFamily="50" charset="-127"/>
+              </a:rPr>
+              <a:t> </a:t>
+            </a:r>
+            <a:r>
+              <a:rPr lang="en-US" altLang="ko-KR" sz="2000" dirty="0">
+                <a:solidFill>
+                  <a:schemeClr val="tx2">
+                    <a:lumMod val="50000"/>
+                  </a:schemeClr>
+                </a:solidFill>
+                <a:latin typeface="나눔스퀘어 ExtraBold" panose="020B0600000101010101" pitchFamily="50" charset="-127"/>
+                <a:ea typeface="나눔스퀘어 ExtraBold" panose="020B0600000101010101" pitchFamily="50" charset="-127"/>
+              </a:rPr>
+              <a:t>3</a:t>
+            </a:r>
+            <a:r>
+              <a:rPr lang="ko-KR" altLang="en-US" sz="2000" dirty="0">
+                <a:solidFill>
+                  <a:schemeClr val="tx2">
+                    <a:lumMod val="50000"/>
+                  </a:schemeClr>
+                </a:solidFill>
+                <a:latin typeface="나눔스퀘어 ExtraBold" panose="020B0600000101010101" pitchFamily="50" charset="-127"/>
+                <a:ea typeface="나눔스퀘어 ExtraBold" panose="020B0600000101010101" pitchFamily="50" charset="-127"/>
+              </a:rPr>
+              <a:t>팀</a:t>
+            </a:r>
+            <a:endParaRPr lang="en-US" altLang="ko-KR" sz="2000" dirty="0">
+              <a:solidFill>
+                <a:schemeClr val="tx2">
+                  <a:lumMod val="50000"/>
+                </a:schemeClr>
+              </a:solidFill>
+              <a:latin typeface="나눔스퀘어 ExtraBold" panose="020B0600000101010101" pitchFamily="50" charset="-127"/>
+              <a:ea typeface="나눔스퀘어 ExtraBold" panose="020B0600000101010101" pitchFamily="50" charset="-127"/>
+            </a:endParaRPr>
+          </a:p>
+        </p:txBody>
+      </p:sp>
+      <p:cxnSp>
+        <p:nvCxnSpPr>
+          <p:cNvPr id="7" name="직선 연결선 6">
+            <a:extLst>
+              <a:ext uri="{FF2B5EF4-FFF2-40B4-BE49-F238E27FC236}">
+                <a16:creationId xmlns:a16="http://schemas.microsoft.com/office/drawing/2014/main" id="{B7AB3579-5539-5858-4AD7-82E85097953F}"/>
+              </a:ext>
+            </a:extLst>
+          </p:cNvPr>
+          <p:cNvCxnSpPr>
+            <a:cxnSpLocks/>
+          </p:cNvCxnSpPr>
+          <p:nvPr/>
+        </p:nvCxnSpPr>
+        <p:spPr>
+          <a:xfrm>
+            <a:off x="10337785" y="267285"/>
+            <a:ext cx="1577992" cy="0"/>
+          </a:xfrm>
+          <a:prstGeom prst="line">
+            <a:avLst/>
+          </a:prstGeom>
+          <a:ln w="34925">
+            <a:solidFill>
+              <a:schemeClr val="tx2"/>
+            </a:solidFill>
+          </a:ln>
+        </p:spPr>
+        <p:style>
+          <a:lnRef idx="1">
+            <a:schemeClr val="accent1"/>
+          </a:lnRef>
+          <a:fillRef idx="0">
+            <a:schemeClr val="accent1"/>
+          </a:fillRef>
+          <a:effectRef idx="0">
+            <a:schemeClr val="accent1"/>
+          </a:effectRef>
+          <a:fontRef idx="minor">
+            <a:schemeClr val="tx1"/>
+          </a:fontRef>
+        </p:style>
+      </p:cxnSp>
+      <p:sp>
+        <p:nvSpPr>
+          <p:cNvPr id="11" name="TextBox 10">
+            <a:extLst>
+              <a:ext uri="{FF2B5EF4-FFF2-40B4-BE49-F238E27FC236}">
+                <a16:creationId xmlns:a16="http://schemas.microsoft.com/office/drawing/2014/main" id="{1AB3C226-7C4C-8B57-AE4D-CAC81F75FAEE}"/>
+              </a:ext>
+            </a:extLst>
+          </p:cNvPr>
+          <p:cNvSpPr txBox="1"/>
+          <p:nvPr/>
+        </p:nvSpPr>
+        <p:spPr>
+          <a:xfrm>
+            <a:off x="8802448" y="267286"/>
+            <a:ext cx="1183644" cy="461665"/>
+          </a:xfrm>
+          <a:prstGeom prst="rect">
+            <a:avLst/>
+          </a:prstGeom>
+          <a:noFill/>
+        </p:spPr>
+        <p:txBody>
+          <a:bodyPr wrap="square" rtlCol="0">
+            <a:spAutoFit/>
+          </a:bodyPr>
+          <a:lstStyle/>
+          <a:p>
+            <a:r>
+              <a:rPr lang="en-US" altLang="ko-KR" sz="2400" spc="100" dirty="0">
+                <a:solidFill>
+                  <a:srgbClr val="000000"/>
+                </a:solidFill>
+                <a:latin typeface="나눔스퀘어 Bold" panose="020B0600000101010101" pitchFamily="50" charset="-127"/>
+                <a:ea typeface="나눔스퀘어 Bold" panose="020B0600000101010101" pitchFamily="50" charset="-127"/>
+              </a:rPr>
+              <a:t>p.</a:t>
+            </a:r>
+            <a:r>
+              <a:rPr lang="ko-KR" altLang="en-US" sz="2400" spc="100" dirty="0">
+                <a:solidFill>
+                  <a:srgbClr val="000000"/>
+                </a:solidFill>
+                <a:latin typeface="나눔스퀘어 Bold" panose="020B0600000101010101" pitchFamily="50" charset="-127"/>
+                <a:ea typeface="나눔스퀘어 Bold" panose="020B0600000101010101" pitchFamily="50" charset="-127"/>
+              </a:rPr>
+              <a:t> </a:t>
+            </a:r>
+            <a:r>
+              <a:rPr lang="en-US" altLang="ko-KR" sz="2400" spc="100" dirty="0">
+                <a:solidFill>
+                  <a:srgbClr val="000000"/>
+                </a:solidFill>
+                <a:latin typeface="나눔스퀘어 Bold" panose="020B0600000101010101" pitchFamily="50" charset="-127"/>
+                <a:ea typeface="나눔스퀘어 Bold" panose="020B0600000101010101" pitchFamily="50" charset="-127"/>
+              </a:rPr>
+              <a:t>124</a:t>
+            </a:r>
+            <a:endParaRPr lang="ko-KR" altLang="en-US" sz="2400" spc="100" dirty="0">
+              <a:solidFill>
+                <a:srgbClr val="000000"/>
+              </a:solidFill>
+              <a:latin typeface="나눔스퀘어 Bold" panose="020B0600000101010101" pitchFamily="50" charset="-127"/>
+              <a:ea typeface="나눔스퀘어 Bold" panose="020B0600000101010101" pitchFamily="50" charset="-127"/>
+            </a:endParaRPr>
+          </a:p>
+        </p:txBody>
+      </p:sp>
     </p:spTree>
     <p:extLst>
       <p:ext uri="{BB962C8B-B14F-4D97-AF65-F5344CB8AC3E}">
@@ -7329,138 +7669,6 @@
           <a:chExt cx="0" cy="0"/>
         </a:xfrm>
       </p:grpSpPr>
-      <p:cxnSp>
-        <p:nvCxnSpPr>
-          <p:cNvPr id="3" name="직선 연결선 2">
-            <a:extLst>
-              <a:ext uri="{FF2B5EF4-FFF2-40B4-BE49-F238E27FC236}">
-                <a16:creationId xmlns:a16="http://schemas.microsoft.com/office/drawing/2014/main" id="{F55676F0-C433-4456-BB57-3E5832581EF6}"/>
-              </a:ext>
-            </a:extLst>
-          </p:cNvPr>
-          <p:cNvCxnSpPr>
-            <a:cxnSpLocks/>
-          </p:cNvCxnSpPr>
-          <p:nvPr/>
-        </p:nvCxnSpPr>
-        <p:spPr>
-          <a:xfrm>
-            <a:off x="8961120" y="696814"/>
-            <a:ext cx="2954657" cy="0"/>
-          </a:xfrm>
-          <a:prstGeom prst="line">
-            <a:avLst/>
-          </a:prstGeom>
-          <a:ln w="34925">
-            <a:solidFill>
-              <a:schemeClr val="tx2"/>
-            </a:solidFill>
-          </a:ln>
-        </p:spPr>
-        <p:style>
-          <a:lnRef idx="1">
-            <a:schemeClr val="accent1"/>
-          </a:lnRef>
-          <a:fillRef idx="0">
-            <a:schemeClr val="accent1"/>
-          </a:fillRef>
-          <a:effectRef idx="0">
-            <a:schemeClr val="accent1"/>
-          </a:effectRef>
-          <a:fontRef idx="minor">
-            <a:schemeClr val="tx1"/>
-          </a:fontRef>
-        </p:style>
-      </p:cxnSp>
-      <p:sp>
-        <p:nvSpPr>
-          <p:cNvPr id="6" name="TextBox 5">
-            <a:extLst>
-              <a:ext uri="{FF2B5EF4-FFF2-40B4-BE49-F238E27FC236}">
-                <a16:creationId xmlns:a16="http://schemas.microsoft.com/office/drawing/2014/main" id="{C7B00371-8BBF-468F-BAB5-3B58CE59B669}"/>
-              </a:ext>
-            </a:extLst>
-          </p:cNvPr>
-          <p:cNvSpPr txBox="1"/>
-          <p:nvPr/>
-        </p:nvSpPr>
-        <p:spPr>
-          <a:xfrm>
-            <a:off x="8961119" y="310773"/>
-            <a:ext cx="2954657" cy="400110"/>
-          </a:xfrm>
-          <a:prstGeom prst="rect">
-            <a:avLst/>
-          </a:prstGeom>
-          <a:noFill/>
-        </p:spPr>
-        <p:txBody>
-          <a:bodyPr wrap="square" rtlCol="0">
-            <a:spAutoFit/>
-          </a:bodyPr>
-          <a:lstStyle/>
-          <a:p>
-            <a:pPr algn="ctr"/>
-            <a:r>
-              <a:rPr lang="ko-KR" altLang="en-US" sz="2000" dirty="0" err="1">
-                <a:solidFill>
-                  <a:schemeClr val="tx2">
-                    <a:lumMod val="50000"/>
-                  </a:schemeClr>
-                </a:solidFill>
-                <a:latin typeface="나눔스퀘어 ExtraBold" panose="020B0600000101010101" pitchFamily="50" charset="-127"/>
-                <a:ea typeface="나눔스퀘어 ExtraBold" panose="020B0600000101010101" pitchFamily="50" charset="-127"/>
-              </a:rPr>
-              <a:t>캡스톤</a:t>
-            </a:r>
-            <a:r>
-              <a:rPr lang="ko-KR" altLang="en-US" sz="2000" dirty="0">
-                <a:solidFill>
-                  <a:schemeClr val="tx2">
-                    <a:lumMod val="50000"/>
-                  </a:schemeClr>
-                </a:solidFill>
-                <a:latin typeface="나눔스퀘어 ExtraBold" panose="020B0600000101010101" pitchFamily="50" charset="-127"/>
-                <a:ea typeface="나눔스퀘어 ExtraBold" panose="020B0600000101010101" pitchFamily="50" charset="-127"/>
-              </a:rPr>
-              <a:t> 디자인 </a:t>
-            </a:r>
-            <a:r>
-              <a:rPr lang="en-US" altLang="ko-KR" sz="2000" dirty="0">
-                <a:solidFill>
-                  <a:schemeClr val="tx2">
-                    <a:lumMod val="50000"/>
-                  </a:schemeClr>
-                </a:solidFill>
-                <a:latin typeface="나눔스퀘어 ExtraBold" panose="020B0600000101010101" pitchFamily="50" charset="-127"/>
-                <a:ea typeface="나눔스퀘어 ExtraBold" panose="020B0600000101010101" pitchFamily="50" charset="-127"/>
-              </a:rPr>
-              <a:t>7</a:t>
-            </a:r>
-            <a:r>
-              <a:rPr lang="ko-KR" altLang="en-US" sz="2000" dirty="0">
-                <a:solidFill>
-                  <a:schemeClr val="tx2">
-                    <a:lumMod val="50000"/>
-                  </a:schemeClr>
-                </a:solidFill>
-                <a:latin typeface="나눔스퀘어 ExtraBold" panose="020B0600000101010101" pitchFamily="50" charset="-127"/>
-                <a:ea typeface="나눔스퀘어 ExtraBold" panose="020B0600000101010101" pitchFamily="50" charset="-127"/>
-              </a:rPr>
-              <a:t>팀</a:t>
-            </a:r>
-            <a:endParaRPr lang="en-US" altLang="ko-KR" sz="2000" dirty="0">
-              <a:solidFill>
-                <a:schemeClr val="tx2">
-                  <a:lumMod val="50000"/>
-                </a:schemeClr>
-              </a:solidFill>
-              <a:latin typeface="나눔스퀘어 ExtraBold" panose="020B0600000101010101" pitchFamily="50" charset="-127"/>
-              <a:ea typeface="나눔스퀘어 ExtraBold" panose="020B0600000101010101" pitchFamily="50" charset="-127"/>
-            </a:endParaRPr>
-          </a:p>
-        </p:txBody>
-      </p:sp>
       <p:sp>
         <p:nvSpPr>
           <p:cNvPr id="8" name="TextBox 7">
@@ -7537,49 +7745,6 @@
           </a:p>
         </p:txBody>
       </p:sp>
-      <p:cxnSp>
-        <p:nvCxnSpPr>
-          <p:cNvPr id="9" name="직선 연결선 8">
-            <a:extLst>
-              <a:ext uri="{FF2B5EF4-FFF2-40B4-BE49-F238E27FC236}">
-                <a16:creationId xmlns:a16="http://schemas.microsoft.com/office/drawing/2014/main" id="{5140239F-7841-40D4-B023-7486FD09274D}"/>
-              </a:ext>
-            </a:extLst>
-          </p:cNvPr>
-          <p:cNvCxnSpPr>
-            <a:cxnSpLocks/>
-          </p:cNvCxnSpPr>
-          <p:nvPr/>
-        </p:nvCxnSpPr>
-        <p:spPr>
-          <a:xfrm>
-            <a:off x="8961120" y="267285"/>
-            <a:ext cx="2954657" cy="0"/>
-          </a:xfrm>
-          <a:prstGeom prst="line">
-            <a:avLst/>
-          </a:prstGeom>
-          <a:ln w="34925">
-            <a:solidFill>
-              <a:schemeClr val="tx2"/>
-            </a:solidFill>
-          </a:ln>
-        </p:spPr>
-        <p:style>
-          <a:lnRef idx="1">
-            <a:schemeClr val="accent1"/>
-          </a:lnRef>
-          <a:fillRef idx="0">
-            <a:schemeClr val="accent1"/>
-          </a:fillRef>
-          <a:effectRef idx="0">
-            <a:schemeClr val="accent1"/>
-          </a:effectRef>
-          <a:fontRef idx="minor">
-            <a:schemeClr val="tx1"/>
-          </a:fontRef>
-        </p:style>
-      </p:cxnSp>
       <p:sp>
         <p:nvSpPr>
           <p:cNvPr id="10" name="사각형: 둥근 모서리 9">
@@ -7763,6 +7928,249 @@
           </a:prstGeom>
         </p:spPr>
       </p:pic>
+      <p:cxnSp>
+        <p:nvCxnSpPr>
+          <p:cNvPr id="2" name="직선 연결선 1">
+            <a:extLst>
+              <a:ext uri="{FF2B5EF4-FFF2-40B4-BE49-F238E27FC236}">
+                <a16:creationId xmlns:a16="http://schemas.microsoft.com/office/drawing/2014/main" id="{2B81BA81-509F-D56C-1FC3-037F4A22CFEC}"/>
+              </a:ext>
+            </a:extLst>
+          </p:cNvPr>
+          <p:cNvCxnSpPr>
+            <a:cxnSpLocks/>
+          </p:cNvCxnSpPr>
+          <p:nvPr/>
+        </p:nvCxnSpPr>
+        <p:spPr>
+          <a:xfrm>
+            <a:off x="10337785" y="696814"/>
+            <a:ext cx="1577992" cy="0"/>
+          </a:xfrm>
+          <a:prstGeom prst="line">
+            <a:avLst/>
+          </a:prstGeom>
+          <a:ln w="34925">
+            <a:solidFill>
+              <a:schemeClr val="tx2"/>
+            </a:solidFill>
+          </a:ln>
+        </p:spPr>
+        <p:style>
+          <a:lnRef idx="1">
+            <a:schemeClr val="accent1"/>
+          </a:lnRef>
+          <a:fillRef idx="0">
+            <a:schemeClr val="accent1"/>
+          </a:fillRef>
+          <a:effectRef idx="0">
+            <a:schemeClr val="accent1"/>
+          </a:effectRef>
+          <a:fontRef idx="minor">
+            <a:schemeClr val="tx1"/>
+          </a:fontRef>
+        </p:style>
+      </p:cxnSp>
+      <p:sp>
+        <p:nvSpPr>
+          <p:cNvPr id="5" name="TextBox 4">
+            <a:extLst>
+              <a:ext uri="{FF2B5EF4-FFF2-40B4-BE49-F238E27FC236}">
+                <a16:creationId xmlns:a16="http://schemas.microsoft.com/office/drawing/2014/main" id="{0857447C-89D1-7C2D-03DE-3ECCA40462DC}"/>
+              </a:ext>
+            </a:extLst>
+          </p:cNvPr>
+          <p:cNvSpPr txBox="1"/>
+          <p:nvPr/>
+        </p:nvSpPr>
+        <p:spPr>
+          <a:xfrm>
+            <a:off x="10337785" y="310773"/>
+            <a:ext cx="1577991" cy="400110"/>
+          </a:xfrm>
+          <a:prstGeom prst="rect">
+            <a:avLst/>
+          </a:prstGeom>
+          <a:noFill/>
+        </p:spPr>
+        <p:txBody>
+          <a:bodyPr wrap="square" rtlCol="0">
+            <a:spAutoFit/>
+          </a:bodyPr>
+          <a:lstStyle/>
+          <a:p>
+            <a:pPr algn="ctr"/>
+            <a:r>
+              <a:rPr lang="ko-KR" altLang="en-US" sz="2000" dirty="0" err="1">
+                <a:solidFill>
+                  <a:schemeClr val="tx2">
+                    <a:lumMod val="50000"/>
+                  </a:schemeClr>
+                </a:solidFill>
+                <a:latin typeface="나눔스퀘어 ExtraBold" panose="020B0600000101010101" pitchFamily="50" charset="-127"/>
+                <a:ea typeface="나눔스퀘어 ExtraBold" panose="020B0600000101010101" pitchFamily="50" charset="-127"/>
+              </a:rPr>
+              <a:t>컴공특</a:t>
+            </a:r>
+            <a:r>
+              <a:rPr lang="ko-KR" altLang="en-US" sz="2000" dirty="0">
+                <a:solidFill>
+                  <a:schemeClr val="tx2">
+                    <a:lumMod val="50000"/>
+                  </a:schemeClr>
+                </a:solidFill>
+                <a:latin typeface="나눔스퀘어 ExtraBold" panose="020B0600000101010101" pitchFamily="50" charset="-127"/>
+                <a:ea typeface="나눔스퀘어 ExtraBold" panose="020B0600000101010101" pitchFamily="50" charset="-127"/>
+              </a:rPr>
+              <a:t> </a:t>
+            </a:r>
+            <a:r>
+              <a:rPr lang="en-US" altLang="ko-KR" sz="2000" dirty="0">
+                <a:solidFill>
+                  <a:schemeClr val="tx2">
+                    <a:lumMod val="50000"/>
+                  </a:schemeClr>
+                </a:solidFill>
+                <a:latin typeface="나눔스퀘어 ExtraBold" panose="020B0600000101010101" pitchFamily="50" charset="-127"/>
+                <a:ea typeface="나눔스퀘어 ExtraBold" panose="020B0600000101010101" pitchFamily="50" charset="-127"/>
+              </a:rPr>
+              <a:t>3</a:t>
+            </a:r>
+            <a:r>
+              <a:rPr lang="ko-KR" altLang="en-US" sz="2000" dirty="0">
+                <a:solidFill>
+                  <a:schemeClr val="tx2">
+                    <a:lumMod val="50000"/>
+                  </a:schemeClr>
+                </a:solidFill>
+                <a:latin typeface="나눔스퀘어 ExtraBold" panose="020B0600000101010101" pitchFamily="50" charset="-127"/>
+                <a:ea typeface="나눔스퀘어 ExtraBold" panose="020B0600000101010101" pitchFamily="50" charset="-127"/>
+              </a:rPr>
+              <a:t>팀</a:t>
+            </a:r>
+            <a:endParaRPr lang="en-US" altLang="ko-KR" sz="2000" dirty="0">
+              <a:solidFill>
+                <a:schemeClr val="tx2">
+                  <a:lumMod val="50000"/>
+                </a:schemeClr>
+              </a:solidFill>
+              <a:latin typeface="나눔스퀘어 ExtraBold" panose="020B0600000101010101" pitchFamily="50" charset="-127"/>
+              <a:ea typeface="나눔스퀘어 ExtraBold" panose="020B0600000101010101" pitchFamily="50" charset="-127"/>
+            </a:endParaRPr>
+          </a:p>
+        </p:txBody>
+      </p:sp>
+      <p:cxnSp>
+        <p:nvCxnSpPr>
+          <p:cNvPr id="7" name="직선 연결선 6">
+            <a:extLst>
+              <a:ext uri="{FF2B5EF4-FFF2-40B4-BE49-F238E27FC236}">
+                <a16:creationId xmlns:a16="http://schemas.microsoft.com/office/drawing/2014/main" id="{3713A234-A338-6F1A-DCE6-22E5EA7AC093}"/>
+              </a:ext>
+            </a:extLst>
+          </p:cNvPr>
+          <p:cNvCxnSpPr>
+            <a:cxnSpLocks/>
+          </p:cNvCxnSpPr>
+          <p:nvPr/>
+        </p:nvCxnSpPr>
+        <p:spPr>
+          <a:xfrm>
+            <a:off x="10337785" y="267285"/>
+            <a:ext cx="1577992" cy="0"/>
+          </a:xfrm>
+          <a:prstGeom prst="line">
+            <a:avLst/>
+          </a:prstGeom>
+          <a:ln w="34925">
+            <a:solidFill>
+              <a:schemeClr val="tx2"/>
+            </a:solidFill>
+          </a:ln>
+        </p:spPr>
+        <p:style>
+          <a:lnRef idx="1">
+            <a:schemeClr val="accent1"/>
+          </a:lnRef>
+          <a:fillRef idx="0">
+            <a:schemeClr val="accent1"/>
+          </a:fillRef>
+          <a:effectRef idx="0">
+            <a:schemeClr val="accent1"/>
+          </a:effectRef>
+          <a:fontRef idx="minor">
+            <a:schemeClr val="tx1"/>
+          </a:fontRef>
+        </p:style>
+      </p:cxnSp>
+      <p:sp>
+        <p:nvSpPr>
+          <p:cNvPr id="12" name="TextBox 11">
+            <a:extLst>
+              <a:ext uri="{FF2B5EF4-FFF2-40B4-BE49-F238E27FC236}">
+                <a16:creationId xmlns:a16="http://schemas.microsoft.com/office/drawing/2014/main" id="{C59D929B-12B6-82D0-E66F-48A7760677C1}"/>
+              </a:ext>
+            </a:extLst>
+          </p:cNvPr>
+          <p:cNvSpPr txBox="1"/>
+          <p:nvPr/>
+        </p:nvSpPr>
+        <p:spPr>
+          <a:xfrm>
+            <a:off x="8802448" y="267286"/>
+            <a:ext cx="1183644" cy="461665"/>
+          </a:xfrm>
+          <a:prstGeom prst="rect">
+            <a:avLst/>
+          </a:prstGeom>
+          <a:noFill/>
+        </p:spPr>
+        <p:txBody>
+          <a:bodyPr wrap="square" rtlCol="0">
+            <a:spAutoFit/>
+          </a:bodyPr>
+          <a:lstStyle/>
+          <a:p>
+            <a:r>
+              <a:rPr lang="en-US" altLang="ko-KR" sz="2400" spc="100" dirty="0">
+                <a:solidFill>
+                  <a:srgbClr val="000000"/>
+                </a:solidFill>
+                <a:latin typeface="나눔스퀘어 Bold" panose="020B0600000101010101" pitchFamily="50" charset="-127"/>
+                <a:ea typeface="나눔스퀘어 Bold" panose="020B0600000101010101" pitchFamily="50" charset="-127"/>
+              </a:rPr>
+              <a:t>p.</a:t>
+            </a:r>
+            <a:r>
+              <a:rPr lang="ko-KR" altLang="en-US" sz="2400" spc="100" dirty="0">
+                <a:solidFill>
+                  <a:srgbClr val="000000"/>
+                </a:solidFill>
+                <a:latin typeface="나눔스퀘어 Bold" panose="020B0600000101010101" pitchFamily="50" charset="-127"/>
+                <a:ea typeface="나눔스퀘어 Bold" panose="020B0600000101010101" pitchFamily="50" charset="-127"/>
+              </a:rPr>
+              <a:t> </a:t>
+            </a:r>
+            <a:r>
+              <a:rPr lang="en-US" altLang="ko-KR" sz="2400" spc="100" dirty="0">
+                <a:solidFill>
+                  <a:srgbClr val="000000"/>
+                </a:solidFill>
+                <a:latin typeface="나눔스퀘어 Bold" panose="020B0600000101010101" pitchFamily="50" charset="-127"/>
+                <a:ea typeface="나눔스퀘어 Bold" panose="020B0600000101010101" pitchFamily="50" charset="-127"/>
+              </a:rPr>
+              <a:t>124</a:t>
+            </a:r>
+            <a:endParaRPr lang="ko-KR" altLang="en-US" sz="2400" spc="100" dirty="0">
+              <a:solidFill>
+                <a:srgbClr val="000000"/>
+              </a:solidFill>
+              <a:latin typeface="나눔스퀘어 Bold" panose="020B0600000101010101" pitchFamily="50" charset="-127"/>
+              <a:ea typeface="나눔스퀘어 Bold" panose="020B0600000101010101" pitchFamily="50" charset="-127"/>
+            </a:endParaRPr>
+          </a:p>
+        </p:txBody>
+      </p:sp>
     </p:spTree>
     <p:extLst>
       <p:ext uri="{BB962C8B-B14F-4D97-AF65-F5344CB8AC3E}">
@@ -7773,13 +8181,13 @@
   <p:clrMapOvr>
     <a:masterClrMapping/>
   </p:clrMapOvr>
-  <mc:AlternateContent xmlns:mc="http://schemas.openxmlformats.org/markup-compatibility/2006">
-    <mc:Choice xmlns:p159="http://schemas.microsoft.com/office/powerpoint/2015/09/main" Requires="p159">
+  <mc:AlternateContent xmlns:mc="http://schemas.openxmlformats.org/markup-compatibility/2006" xmlns:p159="http://schemas.microsoft.com/office/powerpoint/2015/09/main">
+    <mc:Choice Requires="p159">
       <p:transition xmlns:p14="http://schemas.microsoft.com/office/powerpoint/2010/main" spd="slow" p14:dur="2000">
         <p159:morph option="byObject"/>
       </p:transition>
     </mc:Choice>
-    <mc:Fallback>
+    <mc:Fallback xmlns="">
       <p:transition spd="slow">
         <p:fade/>
       </p:transition>
@@ -7805,138 +8213,6 @@
           <a:chExt cx="0" cy="0"/>
         </a:xfrm>
       </p:grpSpPr>
-      <p:cxnSp>
-        <p:nvCxnSpPr>
-          <p:cNvPr id="3" name="직선 연결선 2">
-            <a:extLst>
-              <a:ext uri="{FF2B5EF4-FFF2-40B4-BE49-F238E27FC236}">
-                <a16:creationId xmlns:a16="http://schemas.microsoft.com/office/drawing/2014/main" id="{F55676F0-C433-4456-BB57-3E5832581EF6}"/>
-              </a:ext>
-            </a:extLst>
-          </p:cNvPr>
-          <p:cNvCxnSpPr>
-            <a:cxnSpLocks/>
-          </p:cNvCxnSpPr>
-          <p:nvPr/>
-        </p:nvCxnSpPr>
-        <p:spPr>
-          <a:xfrm>
-            <a:off x="8961120" y="696814"/>
-            <a:ext cx="2954657" cy="0"/>
-          </a:xfrm>
-          <a:prstGeom prst="line">
-            <a:avLst/>
-          </a:prstGeom>
-          <a:ln w="34925">
-            <a:solidFill>
-              <a:schemeClr val="tx2"/>
-            </a:solidFill>
-          </a:ln>
-        </p:spPr>
-        <p:style>
-          <a:lnRef idx="1">
-            <a:schemeClr val="accent1"/>
-          </a:lnRef>
-          <a:fillRef idx="0">
-            <a:schemeClr val="accent1"/>
-          </a:fillRef>
-          <a:effectRef idx="0">
-            <a:schemeClr val="accent1"/>
-          </a:effectRef>
-          <a:fontRef idx="minor">
-            <a:schemeClr val="tx1"/>
-          </a:fontRef>
-        </p:style>
-      </p:cxnSp>
-      <p:sp>
-        <p:nvSpPr>
-          <p:cNvPr id="6" name="TextBox 5">
-            <a:extLst>
-              <a:ext uri="{FF2B5EF4-FFF2-40B4-BE49-F238E27FC236}">
-                <a16:creationId xmlns:a16="http://schemas.microsoft.com/office/drawing/2014/main" id="{C7B00371-8BBF-468F-BAB5-3B58CE59B669}"/>
-              </a:ext>
-            </a:extLst>
-          </p:cNvPr>
-          <p:cNvSpPr txBox="1"/>
-          <p:nvPr/>
-        </p:nvSpPr>
-        <p:spPr>
-          <a:xfrm>
-            <a:off x="8961119" y="310773"/>
-            <a:ext cx="2954657" cy="400110"/>
-          </a:xfrm>
-          <a:prstGeom prst="rect">
-            <a:avLst/>
-          </a:prstGeom>
-          <a:noFill/>
-        </p:spPr>
-        <p:txBody>
-          <a:bodyPr wrap="square" rtlCol="0">
-            <a:spAutoFit/>
-          </a:bodyPr>
-          <a:lstStyle/>
-          <a:p>
-            <a:pPr algn="ctr"/>
-            <a:r>
-              <a:rPr lang="ko-KR" altLang="en-US" sz="2000" dirty="0" err="1">
-                <a:solidFill>
-                  <a:schemeClr val="tx2">
-                    <a:lumMod val="50000"/>
-                  </a:schemeClr>
-                </a:solidFill>
-                <a:latin typeface="나눔스퀘어 ExtraBold" panose="020B0600000101010101" pitchFamily="50" charset="-127"/>
-                <a:ea typeface="나눔스퀘어 ExtraBold" panose="020B0600000101010101" pitchFamily="50" charset="-127"/>
-              </a:rPr>
-              <a:t>캡스톤</a:t>
-            </a:r>
-            <a:r>
-              <a:rPr lang="ko-KR" altLang="en-US" sz="2000" dirty="0">
-                <a:solidFill>
-                  <a:schemeClr val="tx2">
-                    <a:lumMod val="50000"/>
-                  </a:schemeClr>
-                </a:solidFill>
-                <a:latin typeface="나눔스퀘어 ExtraBold" panose="020B0600000101010101" pitchFamily="50" charset="-127"/>
-                <a:ea typeface="나눔스퀘어 ExtraBold" panose="020B0600000101010101" pitchFamily="50" charset="-127"/>
-              </a:rPr>
-              <a:t> 디자인 </a:t>
-            </a:r>
-            <a:r>
-              <a:rPr lang="en-US" altLang="ko-KR" sz="2000" dirty="0">
-                <a:solidFill>
-                  <a:schemeClr val="tx2">
-                    <a:lumMod val="50000"/>
-                  </a:schemeClr>
-                </a:solidFill>
-                <a:latin typeface="나눔스퀘어 ExtraBold" panose="020B0600000101010101" pitchFamily="50" charset="-127"/>
-                <a:ea typeface="나눔스퀘어 ExtraBold" panose="020B0600000101010101" pitchFamily="50" charset="-127"/>
-              </a:rPr>
-              <a:t>7</a:t>
-            </a:r>
-            <a:r>
-              <a:rPr lang="ko-KR" altLang="en-US" sz="2000" dirty="0">
-                <a:solidFill>
-                  <a:schemeClr val="tx2">
-                    <a:lumMod val="50000"/>
-                  </a:schemeClr>
-                </a:solidFill>
-                <a:latin typeface="나눔스퀘어 ExtraBold" panose="020B0600000101010101" pitchFamily="50" charset="-127"/>
-                <a:ea typeface="나눔스퀘어 ExtraBold" panose="020B0600000101010101" pitchFamily="50" charset="-127"/>
-              </a:rPr>
-              <a:t>팀</a:t>
-            </a:r>
-            <a:endParaRPr lang="en-US" altLang="ko-KR" sz="2000" dirty="0">
-              <a:solidFill>
-                <a:schemeClr val="tx2">
-                  <a:lumMod val="50000"/>
-                </a:schemeClr>
-              </a:solidFill>
-              <a:latin typeface="나눔스퀘어 ExtraBold" panose="020B0600000101010101" pitchFamily="50" charset="-127"/>
-              <a:ea typeface="나눔스퀘어 ExtraBold" panose="020B0600000101010101" pitchFamily="50" charset="-127"/>
-            </a:endParaRPr>
-          </a:p>
-        </p:txBody>
-      </p:sp>
       <p:sp>
         <p:nvSpPr>
           <p:cNvPr id="8" name="TextBox 7">
@@ -8013,49 +8289,6 @@
           </a:p>
         </p:txBody>
       </p:sp>
-      <p:cxnSp>
-        <p:nvCxnSpPr>
-          <p:cNvPr id="9" name="직선 연결선 8">
-            <a:extLst>
-              <a:ext uri="{FF2B5EF4-FFF2-40B4-BE49-F238E27FC236}">
-                <a16:creationId xmlns:a16="http://schemas.microsoft.com/office/drawing/2014/main" id="{5140239F-7841-40D4-B023-7486FD09274D}"/>
-              </a:ext>
-            </a:extLst>
-          </p:cNvPr>
-          <p:cNvCxnSpPr>
-            <a:cxnSpLocks/>
-          </p:cNvCxnSpPr>
-          <p:nvPr/>
-        </p:nvCxnSpPr>
-        <p:spPr>
-          <a:xfrm>
-            <a:off x="8961120" y="267285"/>
-            <a:ext cx="2954657" cy="0"/>
-          </a:xfrm>
-          <a:prstGeom prst="line">
-            <a:avLst/>
-          </a:prstGeom>
-          <a:ln w="34925">
-            <a:solidFill>
-              <a:schemeClr val="tx2"/>
-            </a:solidFill>
-          </a:ln>
-        </p:spPr>
-        <p:style>
-          <a:lnRef idx="1">
-            <a:schemeClr val="accent1"/>
-          </a:lnRef>
-          <a:fillRef idx="0">
-            <a:schemeClr val="accent1"/>
-          </a:fillRef>
-          <a:effectRef idx="0">
-            <a:schemeClr val="accent1"/>
-          </a:effectRef>
-          <a:fontRef idx="minor">
-            <a:schemeClr val="tx1"/>
-          </a:fontRef>
-        </p:style>
-      </p:cxnSp>
       <p:sp>
         <p:nvSpPr>
           <p:cNvPr id="10" name="사각형: 둥근 모서리 9">
@@ -9001,27 +9234,45 @@
               <a:buChar char="•"/>
             </a:pPr>
             <a:r>
-              <a:rPr lang="ko-KR" altLang="en-US" sz="2000" dirty="0" err="1"/>
+              <a:rPr lang="ko-KR" altLang="en-US" sz="2000" dirty="0" err="1">
+                <a:latin typeface="나눔스퀘어" panose="020B0600000101010101" pitchFamily="50" charset="-127"/>
+                <a:ea typeface="나눔스퀘어" panose="020B0600000101010101" pitchFamily="50" charset="-127"/>
+              </a:rPr>
               <a:t>프로퍼티의</a:t>
             </a:r>
             <a:r>
-              <a:rPr lang="ko-KR" altLang="en-US" sz="2000" dirty="0"/>
+              <a:rPr lang="ko-KR" altLang="en-US" sz="2000" dirty="0">
+                <a:latin typeface="나눔스퀘어" panose="020B0600000101010101" pitchFamily="50" charset="-127"/>
+                <a:ea typeface="나눔스퀘어" panose="020B0600000101010101" pitchFamily="50" charset="-127"/>
+              </a:rPr>
               <a:t> 값이 함수일 경우 </a:t>
             </a:r>
             <a:r>
-              <a:rPr lang="ko-KR" altLang="en-US" sz="2000" b="1" dirty="0" err="1"/>
+              <a:rPr lang="ko-KR" altLang="en-US" sz="2000" b="1" dirty="0" err="1">
+                <a:latin typeface="나눔스퀘어" panose="020B0600000101010101" pitchFamily="50" charset="-127"/>
+                <a:ea typeface="나눔스퀘어" panose="020B0600000101010101" pitchFamily="50" charset="-127"/>
+              </a:rPr>
               <a:t>메서드</a:t>
             </a:r>
             <a:r>
-              <a:rPr lang="ko-KR" altLang="en-US" sz="2000" dirty="0" err="1"/>
+              <a:rPr lang="ko-KR" altLang="en-US" sz="2000" dirty="0" err="1">
+                <a:latin typeface="나눔스퀘어" panose="020B0600000101010101" pitchFamily="50" charset="-127"/>
+                <a:ea typeface="나눔스퀘어" panose="020B0600000101010101" pitchFamily="50" charset="-127"/>
+              </a:rPr>
               <a:t>라고</a:t>
             </a:r>
             <a:r>
-              <a:rPr lang="ko-KR" altLang="en-US" sz="2000" dirty="0"/>
+              <a:rPr lang="ko-KR" altLang="en-US" sz="2000" dirty="0">
+                <a:latin typeface="나눔스퀘어" panose="020B0600000101010101" pitchFamily="50" charset="-127"/>
+                <a:ea typeface="나눔스퀘어" panose="020B0600000101010101" pitchFamily="50" charset="-127"/>
+              </a:rPr>
               <a:t> 부른다</a:t>
             </a:r>
             <a:r>
-              <a:rPr lang="en-US" altLang="ko-KR" sz="2000" dirty="0"/>
+              <a:rPr lang="en-US" altLang="ko-KR" sz="2000" dirty="0">
+                <a:latin typeface="나눔스퀘어" panose="020B0600000101010101" pitchFamily="50" charset="-127"/>
+                <a:ea typeface="나눔스퀘어" panose="020B0600000101010101" pitchFamily="50" charset="-127"/>
+              </a:rPr>
               <a:t>.</a:t>
             </a:r>
           </a:p>
@@ -9030,7 +9281,10 @@
               <a:buFont typeface="Arial" panose="020B0604020202020204" pitchFamily="34" charset="0"/>
               <a:buChar char="•"/>
             </a:pPr>
-            <a:endParaRPr lang="en-US" altLang="ko-KR" sz="2000" dirty="0"/>
+            <a:endParaRPr lang="en-US" altLang="ko-KR" sz="2000" dirty="0">
+              <a:latin typeface="나눔스퀘어" panose="020B0600000101010101" pitchFamily="50" charset="-127"/>
+              <a:ea typeface="나눔스퀘어" panose="020B0600000101010101" pitchFamily="50" charset="-127"/>
+            </a:endParaRPr>
           </a:p>
           <a:p>
             <a:pPr marL="285750" indent="-285750">
@@ -9038,19 +9292,31 @@
               <a:buChar char="•"/>
             </a:pPr>
             <a:r>
-              <a:rPr lang="ko-KR" altLang="en-US" sz="2000" dirty="0" err="1"/>
+              <a:rPr lang="ko-KR" altLang="en-US" sz="2000" dirty="0" err="1">
+                <a:latin typeface="나눔스퀘어" panose="020B0600000101010101" pitchFamily="50" charset="-127"/>
+                <a:ea typeface="나눔스퀘어" panose="020B0600000101010101" pitchFamily="50" charset="-127"/>
+              </a:rPr>
               <a:t>프로퍼티</a:t>
             </a:r>
             <a:r>
-              <a:rPr lang="en-US" altLang="ko-KR" sz="2000" dirty="0"/>
+              <a:rPr lang="en-US" altLang="ko-KR" sz="2000" dirty="0">
+                <a:latin typeface="나눔스퀘어" panose="020B0600000101010101" pitchFamily="50" charset="-127"/>
+                <a:ea typeface="나눔스퀘어" panose="020B0600000101010101" pitchFamily="50" charset="-127"/>
+              </a:rPr>
               <a:t>:</a:t>
             </a:r>
             <a:r>
-              <a:rPr lang="ko-KR" altLang="en-US" sz="2000" dirty="0"/>
+              <a:rPr lang="ko-KR" altLang="en-US" sz="2000" dirty="0">
+                <a:latin typeface="나눔스퀘어" panose="020B0600000101010101" pitchFamily="50" charset="-127"/>
+                <a:ea typeface="나눔스퀘어" panose="020B0600000101010101" pitchFamily="50" charset="-127"/>
+              </a:rPr>
               <a:t> 객체의 상태를 나타내는 값</a:t>
             </a:r>
             <a:r>
-              <a:rPr lang="en-US" altLang="ko-KR" sz="2000" dirty="0"/>
+              <a:rPr lang="en-US" altLang="ko-KR" sz="2000" dirty="0">
+                <a:latin typeface="나눔스퀘어" panose="020B0600000101010101" pitchFamily="50" charset="-127"/>
+                <a:ea typeface="나눔스퀘어" panose="020B0600000101010101" pitchFamily="50" charset="-127"/>
+              </a:rPr>
               <a:t>(data)</a:t>
             </a:r>
           </a:p>
@@ -9060,46 +9326,322 @@
               <a:buChar char="•"/>
             </a:pPr>
             <a:r>
-              <a:rPr lang="ko-KR" altLang="en-US" sz="2000" dirty="0"/>
+              <a:rPr lang="ko-KR" altLang="en-US" sz="2000" dirty="0">
+                <a:latin typeface="나눔스퀘어" panose="020B0600000101010101" pitchFamily="50" charset="-127"/>
+                <a:ea typeface="나눔스퀘어" panose="020B0600000101010101" pitchFamily="50" charset="-127"/>
+              </a:rPr>
               <a:t>메서드</a:t>
             </a:r>
             <a:r>
-              <a:rPr lang="en-US" altLang="ko-KR" sz="2000" dirty="0"/>
+              <a:rPr lang="en-US" altLang="ko-KR" sz="2000" dirty="0">
+                <a:latin typeface="나눔스퀘어" panose="020B0600000101010101" pitchFamily="50" charset="-127"/>
+                <a:ea typeface="나눔스퀘어" panose="020B0600000101010101" pitchFamily="50" charset="-127"/>
+              </a:rPr>
               <a:t>:</a:t>
             </a:r>
             <a:r>
-              <a:rPr lang="ko-KR" altLang="en-US" sz="2000" dirty="0"/>
+              <a:rPr lang="ko-KR" altLang="en-US" sz="2000" dirty="0">
+                <a:latin typeface="나눔스퀘어" panose="020B0600000101010101" pitchFamily="50" charset="-127"/>
+                <a:ea typeface="나눔스퀘어" panose="020B0600000101010101" pitchFamily="50" charset="-127"/>
+              </a:rPr>
               <a:t> </a:t>
             </a:r>
             <a:r>
-              <a:rPr lang="ko-KR" altLang="en-US" sz="2000" dirty="0" err="1"/>
+              <a:rPr lang="ko-KR" altLang="en-US" sz="2000" dirty="0" err="1">
+                <a:latin typeface="나눔스퀘어" panose="020B0600000101010101" pitchFamily="50" charset="-127"/>
+                <a:ea typeface="나눔스퀘어" panose="020B0600000101010101" pitchFamily="50" charset="-127"/>
+              </a:rPr>
               <a:t>프로퍼티</a:t>
             </a:r>
             <a:r>
-              <a:rPr lang="en-US" altLang="ko-KR" sz="2000" dirty="0"/>
+              <a:rPr lang="en-US" altLang="ko-KR" sz="2000" dirty="0">
+                <a:latin typeface="나눔스퀘어" panose="020B0600000101010101" pitchFamily="50" charset="-127"/>
+                <a:ea typeface="나눔스퀘어" panose="020B0600000101010101" pitchFamily="50" charset="-127"/>
+              </a:rPr>
               <a:t>(</a:t>
             </a:r>
             <a:r>
-              <a:rPr lang="ko-KR" altLang="en-US" sz="2000" dirty="0"/>
+              <a:rPr lang="ko-KR" altLang="en-US" sz="2000" dirty="0">
+                <a:latin typeface="나눔스퀘어" panose="020B0600000101010101" pitchFamily="50" charset="-127"/>
+                <a:ea typeface="나눔스퀘어" panose="020B0600000101010101" pitchFamily="50" charset="-127"/>
+              </a:rPr>
               <a:t>상태 데이터</a:t>
             </a:r>
             <a:r>
-              <a:rPr lang="en-US" altLang="ko-KR" sz="2000" dirty="0"/>
+              <a:rPr lang="en-US" altLang="ko-KR" sz="2000" dirty="0">
+                <a:latin typeface="나눔스퀘어" panose="020B0600000101010101" pitchFamily="50" charset="-127"/>
+                <a:ea typeface="나눔스퀘어" panose="020B0600000101010101" pitchFamily="50" charset="-127"/>
+              </a:rPr>
               <a:t>)</a:t>
             </a:r>
             <a:r>
-              <a:rPr lang="ko-KR" altLang="en-US" sz="2000" dirty="0" err="1"/>
+              <a:rPr lang="ko-KR" altLang="en-US" sz="2000" dirty="0" err="1">
+                <a:latin typeface="나눔스퀘어" panose="020B0600000101010101" pitchFamily="50" charset="-127"/>
+                <a:ea typeface="나눔스퀘어" panose="020B0600000101010101" pitchFamily="50" charset="-127"/>
+              </a:rPr>
               <a:t>를</a:t>
             </a:r>
             <a:r>
-              <a:rPr lang="ko-KR" altLang="en-US" sz="2000" dirty="0"/>
+              <a:rPr lang="ko-KR" altLang="en-US" sz="2000" dirty="0">
+                <a:latin typeface="나눔스퀘어" panose="020B0600000101010101" pitchFamily="50" charset="-127"/>
+                <a:ea typeface="나눔스퀘어" panose="020B0600000101010101" pitchFamily="50" charset="-127"/>
+              </a:rPr>
               <a:t> 참조할 수 있는 동작</a:t>
             </a:r>
             <a:r>
-              <a:rPr lang="en-US" altLang="ko-KR" sz="2000" dirty="0"/>
-              <a:t>(behavior</a:t>
-            </a:r>
-            <a:endParaRPr lang="en-KR" sz="2000" dirty="0"/>
+              <a:rPr lang="en-US" altLang="ko-KR" sz="2000" dirty="0">
+                <a:latin typeface="나눔스퀘어" panose="020B0600000101010101" pitchFamily="50" charset="-127"/>
+                <a:ea typeface="나눔스퀘어" panose="020B0600000101010101" pitchFamily="50" charset="-127"/>
+              </a:rPr>
+              <a:t>(behavior)</a:t>
+            </a:r>
+            <a:endParaRPr lang="en-KR" sz="2000" dirty="0">
+              <a:latin typeface="나눔스퀘어" panose="020B0600000101010101" pitchFamily="50" charset="-127"/>
+              <a:ea typeface="나눔스퀘어" panose="020B0600000101010101" pitchFamily="50" charset="-127"/>
+            </a:endParaRPr>
+          </a:p>
+        </p:txBody>
+      </p:sp>
+      <p:cxnSp>
+        <p:nvCxnSpPr>
+          <p:cNvPr id="2" name="직선 연결선 1">
+            <a:extLst>
+              <a:ext uri="{FF2B5EF4-FFF2-40B4-BE49-F238E27FC236}">
+                <a16:creationId xmlns:a16="http://schemas.microsoft.com/office/drawing/2014/main" id="{267A7CDC-CDC0-DB14-7312-56519D4985EB}"/>
+              </a:ext>
+            </a:extLst>
+          </p:cNvPr>
+          <p:cNvCxnSpPr>
+            <a:cxnSpLocks/>
+          </p:cNvCxnSpPr>
+          <p:nvPr/>
+        </p:nvCxnSpPr>
+        <p:spPr>
+          <a:xfrm>
+            <a:off x="10337785" y="696814"/>
+            <a:ext cx="1577992" cy="0"/>
+          </a:xfrm>
+          <a:prstGeom prst="line">
+            <a:avLst/>
+          </a:prstGeom>
+          <a:ln w="34925">
+            <a:solidFill>
+              <a:schemeClr val="tx2"/>
+            </a:solidFill>
+          </a:ln>
+        </p:spPr>
+        <p:style>
+          <a:lnRef idx="1">
+            <a:schemeClr val="accent1"/>
+          </a:lnRef>
+          <a:fillRef idx="0">
+            <a:schemeClr val="accent1"/>
+          </a:fillRef>
+          <a:effectRef idx="0">
+            <a:schemeClr val="accent1"/>
+          </a:effectRef>
+          <a:fontRef idx="minor">
+            <a:schemeClr val="tx1"/>
+          </a:fontRef>
+        </p:style>
+      </p:cxnSp>
+      <p:sp>
+        <p:nvSpPr>
+          <p:cNvPr id="4" name="TextBox 3">
+            <a:extLst>
+              <a:ext uri="{FF2B5EF4-FFF2-40B4-BE49-F238E27FC236}">
+                <a16:creationId xmlns:a16="http://schemas.microsoft.com/office/drawing/2014/main" id="{63B76C38-D636-047D-70E9-B214B5338CDE}"/>
+              </a:ext>
+            </a:extLst>
+          </p:cNvPr>
+          <p:cNvSpPr txBox="1"/>
+          <p:nvPr/>
+        </p:nvSpPr>
+        <p:spPr>
+          <a:xfrm>
+            <a:off x="10337785" y="310773"/>
+            <a:ext cx="1577991" cy="400110"/>
+          </a:xfrm>
+          <a:prstGeom prst="rect">
+            <a:avLst/>
+          </a:prstGeom>
+          <a:noFill/>
+        </p:spPr>
+        <p:txBody>
+          <a:bodyPr wrap="square" rtlCol="0">
+            <a:spAutoFit/>
+          </a:bodyPr>
+          <a:lstStyle/>
+          <a:p>
+            <a:pPr algn="ctr"/>
+            <a:r>
+              <a:rPr lang="ko-KR" altLang="en-US" sz="2000" dirty="0" err="1">
+                <a:solidFill>
+                  <a:schemeClr val="tx2">
+                    <a:lumMod val="50000"/>
+                  </a:schemeClr>
+                </a:solidFill>
+                <a:latin typeface="나눔스퀘어 ExtraBold" panose="020B0600000101010101" pitchFamily="50" charset="-127"/>
+                <a:ea typeface="나눔스퀘어 ExtraBold" panose="020B0600000101010101" pitchFamily="50" charset="-127"/>
+              </a:rPr>
+              <a:t>컴공특</a:t>
+            </a:r>
+            <a:r>
+              <a:rPr lang="ko-KR" altLang="en-US" sz="2000" dirty="0">
+                <a:solidFill>
+                  <a:schemeClr val="tx2">
+                    <a:lumMod val="50000"/>
+                  </a:schemeClr>
+                </a:solidFill>
+                <a:latin typeface="나눔스퀘어 ExtraBold" panose="020B0600000101010101" pitchFamily="50" charset="-127"/>
+                <a:ea typeface="나눔스퀘어 ExtraBold" panose="020B0600000101010101" pitchFamily="50" charset="-127"/>
+              </a:rPr>
+              <a:t> </a:t>
+            </a:r>
+            <a:r>
+              <a:rPr lang="en-US" altLang="ko-KR" sz="2000" dirty="0">
+                <a:solidFill>
+                  <a:schemeClr val="tx2">
+                    <a:lumMod val="50000"/>
+                  </a:schemeClr>
+                </a:solidFill>
+                <a:latin typeface="나눔스퀘어 ExtraBold" panose="020B0600000101010101" pitchFamily="50" charset="-127"/>
+                <a:ea typeface="나눔스퀘어 ExtraBold" panose="020B0600000101010101" pitchFamily="50" charset="-127"/>
+              </a:rPr>
+              <a:t>3</a:t>
+            </a:r>
+            <a:r>
+              <a:rPr lang="ko-KR" altLang="en-US" sz="2000" dirty="0">
+                <a:solidFill>
+                  <a:schemeClr val="tx2">
+                    <a:lumMod val="50000"/>
+                  </a:schemeClr>
+                </a:solidFill>
+                <a:latin typeface="나눔스퀘어 ExtraBold" panose="020B0600000101010101" pitchFamily="50" charset="-127"/>
+                <a:ea typeface="나눔스퀘어 ExtraBold" panose="020B0600000101010101" pitchFamily="50" charset="-127"/>
+              </a:rPr>
+              <a:t>팀</a:t>
+            </a:r>
+            <a:endParaRPr lang="en-US" altLang="ko-KR" sz="2000" dirty="0">
+              <a:solidFill>
+                <a:schemeClr val="tx2">
+                  <a:lumMod val="50000"/>
+                </a:schemeClr>
+              </a:solidFill>
+              <a:latin typeface="나눔스퀘어 ExtraBold" panose="020B0600000101010101" pitchFamily="50" charset="-127"/>
+              <a:ea typeface="나눔스퀘어 ExtraBold" panose="020B0600000101010101" pitchFamily="50" charset="-127"/>
+            </a:endParaRPr>
+          </a:p>
+        </p:txBody>
+      </p:sp>
+      <p:cxnSp>
+        <p:nvCxnSpPr>
+          <p:cNvPr id="7" name="직선 연결선 6">
+            <a:extLst>
+              <a:ext uri="{FF2B5EF4-FFF2-40B4-BE49-F238E27FC236}">
+                <a16:creationId xmlns:a16="http://schemas.microsoft.com/office/drawing/2014/main" id="{F9797DD7-72C6-1E4A-9486-5EFE4E59B8AD}"/>
+              </a:ext>
+            </a:extLst>
+          </p:cNvPr>
+          <p:cNvCxnSpPr>
+            <a:cxnSpLocks/>
+          </p:cNvCxnSpPr>
+          <p:nvPr/>
+        </p:nvCxnSpPr>
+        <p:spPr>
+          <a:xfrm>
+            <a:off x="10337785" y="267285"/>
+            <a:ext cx="1577992" cy="0"/>
+          </a:xfrm>
+          <a:prstGeom prst="line">
+            <a:avLst/>
+          </a:prstGeom>
+          <a:ln w="34925">
+            <a:solidFill>
+              <a:schemeClr val="tx2"/>
+            </a:solidFill>
+          </a:ln>
+        </p:spPr>
+        <p:style>
+          <a:lnRef idx="1">
+            <a:schemeClr val="accent1"/>
+          </a:lnRef>
+          <a:fillRef idx="0">
+            <a:schemeClr val="accent1"/>
+          </a:fillRef>
+          <a:effectRef idx="0">
+            <a:schemeClr val="accent1"/>
+          </a:effectRef>
+          <a:fontRef idx="minor">
+            <a:schemeClr val="tx1"/>
+          </a:fontRef>
+        </p:style>
+      </p:cxnSp>
+      <p:sp>
+        <p:nvSpPr>
+          <p:cNvPr id="11" name="TextBox 10">
+            <a:extLst>
+              <a:ext uri="{FF2B5EF4-FFF2-40B4-BE49-F238E27FC236}">
+                <a16:creationId xmlns:a16="http://schemas.microsoft.com/office/drawing/2014/main" id="{44C8A34D-C680-B6D7-94F3-2E13DB7C11D0}"/>
+              </a:ext>
+            </a:extLst>
+          </p:cNvPr>
+          <p:cNvSpPr txBox="1"/>
+          <p:nvPr/>
+        </p:nvSpPr>
+        <p:spPr>
+          <a:xfrm>
+            <a:off x="8802448" y="267286"/>
+            <a:ext cx="1183644" cy="461665"/>
+          </a:xfrm>
+          <a:prstGeom prst="rect">
+            <a:avLst/>
+          </a:prstGeom>
+          <a:noFill/>
+        </p:spPr>
+        <p:txBody>
+          <a:bodyPr wrap="square" rtlCol="0">
+            <a:spAutoFit/>
+          </a:bodyPr>
+          <a:lstStyle/>
+          <a:p>
+            <a:r>
+              <a:rPr lang="en-US" altLang="ko-KR" sz="2400" spc="100" dirty="0">
+                <a:solidFill>
+                  <a:srgbClr val="000000"/>
+                </a:solidFill>
+                <a:latin typeface="나눔스퀘어 Bold" panose="020B0600000101010101" pitchFamily="50" charset="-127"/>
+                <a:ea typeface="나눔스퀘어 Bold" panose="020B0600000101010101" pitchFamily="50" charset="-127"/>
+              </a:rPr>
+              <a:t>p.</a:t>
+            </a:r>
+            <a:r>
+              <a:rPr lang="ko-KR" altLang="en-US" sz="2400" spc="100" dirty="0">
+                <a:solidFill>
+                  <a:srgbClr val="000000"/>
+                </a:solidFill>
+                <a:latin typeface="나눔스퀘어 Bold" panose="020B0600000101010101" pitchFamily="50" charset="-127"/>
+                <a:ea typeface="나눔스퀘어 Bold" panose="020B0600000101010101" pitchFamily="50" charset="-127"/>
+              </a:rPr>
+              <a:t> </a:t>
+            </a:r>
+            <a:r>
+              <a:rPr lang="en-US" altLang="ko-KR" sz="2400" spc="100" dirty="0">
+                <a:solidFill>
+                  <a:srgbClr val="000000"/>
+                </a:solidFill>
+                <a:latin typeface="나눔스퀘어 Bold" panose="020B0600000101010101" pitchFamily="50" charset="-127"/>
+                <a:ea typeface="나눔스퀘어 Bold" panose="020B0600000101010101" pitchFamily="50" charset="-127"/>
+              </a:rPr>
+              <a:t>124</a:t>
+            </a:r>
+            <a:endParaRPr lang="ko-KR" altLang="en-US" sz="2400" spc="100" dirty="0">
+              <a:solidFill>
+                <a:srgbClr val="000000"/>
+              </a:solidFill>
+              <a:latin typeface="나눔스퀘어 Bold" panose="020B0600000101010101" pitchFamily="50" charset="-127"/>
+              <a:ea typeface="나눔스퀘어 Bold" panose="020B0600000101010101" pitchFamily="50" charset="-127"/>
+            </a:endParaRPr>
           </a:p>
         </p:txBody>
       </p:sp>
@@ -9113,13 +9655,13 @@
   <p:clrMapOvr>
     <a:masterClrMapping/>
   </p:clrMapOvr>
-  <mc:AlternateContent xmlns:mc="http://schemas.openxmlformats.org/markup-compatibility/2006">
-    <mc:Choice xmlns:p159="http://schemas.microsoft.com/office/powerpoint/2015/09/main" Requires="p159">
+  <mc:AlternateContent xmlns:mc="http://schemas.openxmlformats.org/markup-compatibility/2006" xmlns:p159="http://schemas.microsoft.com/office/powerpoint/2015/09/main">
+    <mc:Choice Requires="p159">
       <p:transition xmlns:p14="http://schemas.microsoft.com/office/powerpoint/2010/main" spd="slow" p14:dur="2000">
         <p159:morph option="byObject"/>
       </p:transition>
     </mc:Choice>
-    <mc:Fallback>
+    <mc:Fallback xmlns="">
       <p:transition spd="slow">
         <p:fade/>
       </p:transition>
@@ -9145,55 +9687,12 @@
           <a:chExt cx="0" cy="0"/>
         </a:xfrm>
       </p:grpSpPr>
-      <p:cxnSp>
-        <p:nvCxnSpPr>
-          <p:cNvPr id="3" name="직선 연결선 2">
-            <a:extLst>
-              <a:ext uri="{FF2B5EF4-FFF2-40B4-BE49-F238E27FC236}">
-                <a16:creationId xmlns:a16="http://schemas.microsoft.com/office/drawing/2014/main" id="{F55676F0-C433-4456-BB57-3E5832581EF6}"/>
-              </a:ext>
-            </a:extLst>
-          </p:cNvPr>
-          <p:cNvCxnSpPr>
-            <a:cxnSpLocks/>
-          </p:cNvCxnSpPr>
-          <p:nvPr/>
-        </p:nvCxnSpPr>
-        <p:spPr>
-          <a:xfrm>
-            <a:off x="8961120" y="696814"/>
-            <a:ext cx="2954657" cy="0"/>
-          </a:xfrm>
-          <a:prstGeom prst="line">
-            <a:avLst/>
-          </a:prstGeom>
-          <a:ln w="34925">
-            <a:solidFill>
-              <a:schemeClr val="tx2"/>
-            </a:solidFill>
-          </a:ln>
-        </p:spPr>
-        <p:style>
-          <a:lnRef idx="1">
-            <a:schemeClr val="accent1"/>
-          </a:lnRef>
-          <a:fillRef idx="0">
-            <a:schemeClr val="accent1"/>
-          </a:fillRef>
-          <a:effectRef idx="0">
-            <a:schemeClr val="accent1"/>
-          </a:effectRef>
-          <a:fontRef idx="minor">
-            <a:schemeClr val="tx1"/>
-          </a:fontRef>
-        </p:style>
-      </p:cxnSp>
-      <p:sp>
-        <p:nvSpPr>
-          <p:cNvPr id="6" name="TextBox 5">
-            <a:extLst>
-              <a:ext uri="{FF2B5EF4-FFF2-40B4-BE49-F238E27FC236}">
-                <a16:creationId xmlns:a16="http://schemas.microsoft.com/office/drawing/2014/main" id="{C7B00371-8BBF-468F-BAB5-3B58CE59B669}"/>
+      <p:sp>
+        <p:nvSpPr>
+          <p:cNvPr id="8" name="TextBox 7">
+            <a:extLst>
+              <a:ext uri="{FF2B5EF4-FFF2-40B4-BE49-F238E27FC236}">
+                <a16:creationId xmlns:a16="http://schemas.microsoft.com/office/drawing/2014/main" id="{5D0C9A45-A32B-45BB-B4DB-89BAF7E41E6D}"/>
               </a:ext>
             </a:extLst>
           </p:cNvPr>
@@ -9202,8 +9701,8 @@
         </p:nvSpPr>
         <p:spPr>
           <a:xfrm>
-            <a:off x="8961119" y="310773"/>
-            <a:ext cx="2954657" cy="400110"/>
+            <a:off x="276223" y="310773"/>
+            <a:ext cx="5683706" cy="553998"/>
           </a:xfrm>
           <a:prstGeom prst="rect">
             <a:avLst/>
@@ -9216,9 +9715,8 @@
           </a:bodyPr>
           <a:lstStyle/>
           <a:p>
-            <a:pPr algn="ctr"/>
-            <a:r>
-              <a:rPr lang="ko-KR" altLang="en-US" sz="2000" dirty="0" err="1">
+            <a:r>
+              <a:rPr lang="en-US" altLang="ko-KR" sz="3000" spc="100" dirty="0">
                 <a:solidFill>
                   <a:schemeClr val="tx2">
                     <a:lumMod val="50000"/>
@@ -9227,10 +9725,10 @@
                 <a:latin typeface="나눔스퀘어 ExtraBold" panose="020B0600000101010101" pitchFamily="50" charset="-127"/>
                 <a:ea typeface="나눔스퀘어 ExtraBold" panose="020B0600000101010101" pitchFamily="50" charset="-127"/>
               </a:rPr>
-              <a:t>캡스톤</a:t>
-            </a:r>
-            <a:r>
-              <a:rPr lang="ko-KR" altLang="en-US" sz="2000" dirty="0">
+              <a:t>2. </a:t>
+            </a:r>
+            <a:r>
+              <a:rPr lang="ko-KR" altLang="en-US" sz="3000" spc="100" dirty="0">
                 <a:solidFill>
                   <a:schemeClr val="tx2">
                     <a:lumMod val="50000"/>
@@ -9239,10 +9737,10 @@
                 <a:latin typeface="나눔스퀘어 ExtraBold" panose="020B0600000101010101" pitchFamily="50" charset="-127"/>
                 <a:ea typeface="나눔스퀘어 ExtraBold" panose="020B0600000101010101" pitchFamily="50" charset="-127"/>
               </a:rPr>
-              <a:t> 디자인 </a:t>
-            </a:r>
-            <a:r>
-              <a:rPr lang="en-US" altLang="ko-KR" sz="2000" dirty="0">
+              <a:t>객체 </a:t>
+            </a:r>
+            <a:r>
+              <a:rPr lang="ko-KR" altLang="en-US" sz="3000" spc="100" dirty="0" err="1">
                 <a:solidFill>
                   <a:schemeClr val="tx2">
                     <a:lumMod val="50000"/>
@@ -9251,10 +9749,10 @@
                 <a:latin typeface="나눔스퀘어 ExtraBold" panose="020B0600000101010101" pitchFamily="50" charset="-127"/>
                 <a:ea typeface="나눔스퀘어 ExtraBold" panose="020B0600000101010101" pitchFamily="50" charset="-127"/>
               </a:rPr>
-              <a:t>7</a:t>
-            </a:r>
-            <a:r>
-              <a:rPr lang="ko-KR" altLang="en-US" sz="2000" dirty="0">
+              <a:t>리터럴에</a:t>
+            </a:r>
+            <a:r>
+              <a:rPr lang="ko-KR" altLang="en-US" sz="3000" spc="100" dirty="0">
                 <a:solidFill>
                   <a:schemeClr val="tx2">
                     <a:lumMod val="50000"/>
@@ -9263,142 +9761,11 @@
                 <a:latin typeface="나눔스퀘어 ExtraBold" panose="020B0600000101010101" pitchFamily="50" charset="-127"/>
                 <a:ea typeface="나눔스퀘어 ExtraBold" panose="020B0600000101010101" pitchFamily="50" charset="-127"/>
               </a:rPr>
-              <a:t>팀</a:t>
-            </a:r>
-            <a:endParaRPr lang="en-US" altLang="ko-KR" sz="2000" dirty="0">
-              <a:solidFill>
-                <a:schemeClr val="tx2">
-                  <a:lumMod val="50000"/>
-                </a:schemeClr>
-              </a:solidFill>
-              <a:latin typeface="나눔스퀘어 ExtraBold" panose="020B0600000101010101" pitchFamily="50" charset="-127"/>
-              <a:ea typeface="나눔스퀘어 ExtraBold" panose="020B0600000101010101" pitchFamily="50" charset="-127"/>
-            </a:endParaRPr>
-          </a:p>
-        </p:txBody>
-      </p:sp>
-      <p:sp>
-        <p:nvSpPr>
-          <p:cNvPr id="8" name="TextBox 7">
-            <a:extLst>
-              <a:ext uri="{FF2B5EF4-FFF2-40B4-BE49-F238E27FC236}">
-                <a16:creationId xmlns:a16="http://schemas.microsoft.com/office/drawing/2014/main" id="{5D0C9A45-A32B-45BB-B4DB-89BAF7E41E6D}"/>
-              </a:ext>
-            </a:extLst>
-          </p:cNvPr>
-          <p:cNvSpPr txBox="1"/>
-          <p:nvPr/>
-        </p:nvSpPr>
-        <p:spPr>
-          <a:xfrm>
-            <a:off x="276223" y="310773"/>
-            <a:ext cx="5683706" cy="553998"/>
-          </a:xfrm>
-          <a:prstGeom prst="rect">
-            <a:avLst/>
-          </a:prstGeom>
-          <a:noFill/>
-        </p:spPr>
-        <p:txBody>
-          <a:bodyPr wrap="square" rtlCol="0">
-            <a:spAutoFit/>
-          </a:bodyPr>
-          <a:lstStyle/>
-          <a:p>
-            <a:r>
-              <a:rPr lang="en-US" altLang="ko-KR" sz="3000" spc="100" dirty="0">
-                <a:solidFill>
-                  <a:schemeClr val="tx2">
-                    <a:lumMod val="50000"/>
-                  </a:schemeClr>
-                </a:solidFill>
-                <a:latin typeface="나눔스퀘어 ExtraBold" panose="020B0600000101010101" pitchFamily="50" charset="-127"/>
-                <a:ea typeface="나눔스퀘어 ExtraBold" panose="020B0600000101010101" pitchFamily="50" charset="-127"/>
-              </a:rPr>
-              <a:t>1. </a:t>
-            </a:r>
-            <a:r>
-              <a:rPr lang="ko-KR" altLang="en-US" sz="3000" spc="100" dirty="0">
-                <a:solidFill>
-                  <a:schemeClr val="tx2">
-                    <a:lumMod val="50000"/>
-                  </a:schemeClr>
-                </a:solidFill>
-                <a:latin typeface="나눔스퀘어 ExtraBold" panose="020B0600000101010101" pitchFamily="50" charset="-127"/>
-                <a:ea typeface="나눔스퀘어 ExtraBold" panose="020B0600000101010101" pitchFamily="50" charset="-127"/>
-              </a:rPr>
-              <a:t>객체 </a:t>
-            </a:r>
-            <a:r>
-              <a:rPr lang="ko-KR" altLang="en-US" sz="3000" spc="100" dirty="0" err="1">
-                <a:solidFill>
-                  <a:schemeClr val="tx2">
-                    <a:lumMod val="50000"/>
-                  </a:schemeClr>
-                </a:solidFill>
-                <a:latin typeface="나눔스퀘어 ExtraBold" panose="020B0600000101010101" pitchFamily="50" charset="-127"/>
-                <a:ea typeface="나눔스퀘어 ExtraBold" panose="020B0600000101010101" pitchFamily="50" charset="-127"/>
-              </a:rPr>
-              <a:t>리터럴에</a:t>
-            </a:r>
-            <a:r>
-              <a:rPr lang="ko-KR" altLang="en-US" sz="3000" spc="100" dirty="0">
-                <a:solidFill>
-                  <a:schemeClr val="tx2">
-                    <a:lumMod val="50000"/>
-                  </a:schemeClr>
-                </a:solidFill>
-                <a:latin typeface="나눔스퀘어 ExtraBold" panose="020B0600000101010101" pitchFamily="50" charset="-127"/>
-                <a:ea typeface="나눔스퀘어 ExtraBold" panose="020B0600000101010101" pitchFamily="50" charset="-127"/>
-              </a:rPr>
               <a:t> 의한 객체 생성</a:t>
             </a:r>
           </a:p>
         </p:txBody>
       </p:sp>
-      <p:cxnSp>
-        <p:nvCxnSpPr>
-          <p:cNvPr id="9" name="직선 연결선 8">
-            <a:extLst>
-              <a:ext uri="{FF2B5EF4-FFF2-40B4-BE49-F238E27FC236}">
-                <a16:creationId xmlns:a16="http://schemas.microsoft.com/office/drawing/2014/main" id="{5140239F-7841-40D4-B023-7486FD09274D}"/>
-              </a:ext>
-            </a:extLst>
-          </p:cNvPr>
-          <p:cNvCxnSpPr>
-            <a:cxnSpLocks/>
-          </p:cNvCxnSpPr>
-          <p:nvPr/>
-        </p:nvCxnSpPr>
-        <p:spPr>
-          <a:xfrm>
-            <a:off x="8961120" y="267285"/>
-            <a:ext cx="2954657" cy="0"/>
-          </a:xfrm>
-          <a:prstGeom prst="line">
-            <a:avLst/>
-          </a:prstGeom>
-          <a:ln w="34925">
-            <a:solidFill>
-              <a:schemeClr val="tx2"/>
-            </a:solidFill>
-          </a:ln>
-        </p:spPr>
-        <p:style>
-          <a:lnRef idx="1">
-            <a:schemeClr val="accent1"/>
-          </a:lnRef>
-          <a:fillRef idx="0">
-            <a:schemeClr val="accent1"/>
-          </a:fillRef>
-          <a:effectRef idx="0">
-            <a:schemeClr val="accent1"/>
-          </a:effectRef>
-          <a:fontRef idx="minor">
-            <a:schemeClr val="tx1"/>
-          </a:fontRef>
-        </p:style>
-      </p:cxnSp>
       <p:sp>
         <p:nvSpPr>
           <p:cNvPr id="10" name="사각형: 둥근 모서리 9">
@@ -9740,6 +10107,249 @@
           </a:fontRef>
         </p:style>
       </p:cxnSp>
+      <p:cxnSp>
+        <p:nvCxnSpPr>
+          <p:cNvPr id="2" name="직선 연결선 1">
+            <a:extLst>
+              <a:ext uri="{FF2B5EF4-FFF2-40B4-BE49-F238E27FC236}">
+                <a16:creationId xmlns:a16="http://schemas.microsoft.com/office/drawing/2014/main" id="{B514F9D2-7402-5376-D3C6-B61A23EA9B80}"/>
+              </a:ext>
+            </a:extLst>
+          </p:cNvPr>
+          <p:cNvCxnSpPr>
+            <a:cxnSpLocks/>
+          </p:cNvCxnSpPr>
+          <p:nvPr/>
+        </p:nvCxnSpPr>
+        <p:spPr>
+          <a:xfrm>
+            <a:off x="10337785" y="696814"/>
+            <a:ext cx="1577992" cy="0"/>
+          </a:xfrm>
+          <a:prstGeom prst="line">
+            <a:avLst/>
+          </a:prstGeom>
+          <a:ln w="34925">
+            <a:solidFill>
+              <a:schemeClr val="tx2"/>
+            </a:solidFill>
+          </a:ln>
+        </p:spPr>
+        <p:style>
+          <a:lnRef idx="1">
+            <a:schemeClr val="accent1"/>
+          </a:lnRef>
+          <a:fillRef idx="0">
+            <a:schemeClr val="accent1"/>
+          </a:fillRef>
+          <a:effectRef idx="0">
+            <a:schemeClr val="accent1"/>
+          </a:effectRef>
+          <a:fontRef idx="minor">
+            <a:schemeClr val="tx1"/>
+          </a:fontRef>
+        </p:style>
+      </p:cxnSp>
+      <p:sp>
+        <p:nvSpPr>
+          <p:cNvPr id="4" name="TextBox 3">
+            <a:extLst>
+              <a:ext uri="{FF2B5EF4-FFF2-40B4-BE49-F238E27FC236}">
+                <a16:creationId xmlns:a16="http://schemas.microsoft.com/office/drawing/2014/main" id="{C942C19C-CE59-0576-9ADF-16A0DF81A1D6}"/>
+              </a:ext>
+            </a:extLst>
+          </p:cNvPr>
+          <p:cNvSpPr txBox="1"/>
+          <p:nvPr/>
+        </p:nvSpPr>
+        <p:spPr>
+          <a:xfrm>
+            <a:off x="10337785" y="310773"/>
+            <a:ext cx="1577991" cy="400110"/>
+          </a:xfrm>
+          <a:prstGeom prst="rect">
+            <a:avLst/>
+          </a:prstGeom>
+          <a:noFill/>
+        </p:spPr>
+        <p:txBody>
+          <a:bodyPr wrap="square" rtlCol="0">
+            <a:spAutoFit/>
+          </a:bodyPr>
+          <a:lstStyle/>
+          <a:p>
+            <a:pPr algn="ctr"/>
+            <a:r>
+              <a:rPr lang="ko-KR" altLang="en-US" sz="2000" dirty="0" err="1">
+                <a:solidFill>
+                  <a:schemeClr val="tx2">
+                    <a:lumMod val="50000"/>
+                  </a:schemeClr>
+                </a:solidFill>
+                <a:latin typeface="나눔스퀘어 ExtraBold" panose="020B0600000101010101" pitchFamily="50" charset="-127"/>
+                <a:ea typeface="나눔스퀘어 ExtraBold" panose="020B0600000101010101" pitchFamily="50" charset="-127"/>
+              </a:rPr>
+              <a:t>컴공특</a:t>
+            </a:r>
+            <a:r>
+              <a:rPr lang="ko-KR" altLang="en-US" sz="2000" dirty="0">
+                <a:solidFill>
+                  <a:schemeClr val="tx2">
+                    <a:lumMod val="50000"/>
+                  </a:schemeClr>
+                </a:solidFill>
+                <a:latin typeface="나눔스퀘어 ExtraBold" panose="020B0600000101010101" pitchFamily="50" charset="-127"/>
+                <a:ea typeface="나눔스퀘어 ExtraBold" panose="020B0600000101010101" pitchFamily="50" charset="-127"/>
+              </a:rPr>
+              <a:t> </a:t>
+            </a:r>
+            <a:r>
+              <a:rPr lang="en-US" altLang="ko-KR" sz="2000" dirty="0">
+                <a:solidFill>
+                  <a:schemeClr val="tx2">
+                    <a:lumMod val="50000"/>
+                  </a:schemeClr>
+                </a:solidFill>
+                <a:latin typeface="나눔스퀘어 ExtraBold" panose="020B0600000101010101" pitchFamily="50" charset="-127"/>
+                <a:ea typeface="나눔스퀘어 ExtraBold" panose="020B0600000101010101" pitchFamily="50" charset="-127"/>
+              </a:rPr>
+              <a:t>3</a:t>
+            </a:r>
+            <a:r>
+              <a:rPr lang="ko-KR" altLang="en-US" sz="2000" dirty="0">
+                <a:solidFill>
+                  <a:schemeClr val="tx2">
+                    <a:lumMod val="50000"/>
+                  </a:schemeClr>
+                </a:solidFill>
+                <a:latin typeface="나눔스퀘어 ExtraBold" panose="020B0600000101010101" pitchFamily="50" charset="-127"/>
+                <a:ea typeface="나눔스퀘어 ExtraBold" panose="020B0600000101010101" pitchFamily="50" charset="-127"/>
+              </a:rPr>
+              <a:t>팀</a:t>
+            </a:r>
+            <a:endParaRPr lang="en-US" altLang="ko-KR" sz="2000" dirty="0">
+              <a:solidFill>
+                <a:schemeClr val="tx2">
+                  <a:lumMod val="50000"/>
+                </a:schemeClr>
+              </a:solidFill>
+              <a:latin typeface="나눔스퀘어 ExtraBold" panose="020B0600000101010101" pitchFamily="50" charset="-127"/>
+              <a:ea typeface="나눔스퀘어 ExtraBold" panose="020B0600000101010101" pitchFamily="50" charset="-127"/>
+            </a:endParaRPr>
+          </a:p>
+        </p:txBody>
+      </p:sp>
+      <p:cxnSp>
+        <p:nvCxnSpPr>
+          <p:cNvPr id="7" name="직선 연결선 6">
+            <a:extLst>
+              <a:ext uri="{FF2B5EF4-FFF2-40B4-BE49-F238E27FC236}">
+                <a16:creationId xmlns:a16="http://schemas.microsoft.com/office/drawing/2014/main" id="{EE750C20-3CE4-562D-B607-32A00622EAA3}"/>
+              </a:ext>
+            </a:extLst>
+          </p:cNvPr>
+          <p:cNvCxnSpPr>
+            <a:cxnSpLocks/>
+          </p:cNvCxnSpPr>
+          <p:nvPr/>
+        </p:nvCxnSpPr>
+        <p:spPr>
+          <a:xfrm>
+            <a:off x="10337785" y="267285"/>
+            <a:ext cx="1577992" cy="0"/>
+          </a:xfrm>
+          <a:prstGeom prst="line">
+            <a:avLst/>
+          </a:prstGeom>
+          <a:ln w="34925">
+            <a:solidFill>
+              <a:schemeClr val="tx2"/>
+            </a:solidFill>
+          </a:ln>
+        </p:spPr>
+        <p:style>
+          <a:lnRef idx="1">
+            <a:schemeClr val="accent1"/>
+          </a:lnRef>
+          <a:fillRef idx="0">
+            <a:schemeClr val="accent1"/>
+          </a:fillRef>
+          <a:effectRef idx="0">
+            <a:schemeClr val="accent1"/>
+          </a:effectRef>
+          <a:fontRef idx="minor">
+            <a:schemeClr val="tx1"/>
+          </a:fontRef>
+        </p:style>
+      </p:cxnSp>
+      <p:sp>
+        <p:nvSpPr>
+          <p:cNvPr id="11" name="TextBox 10">
+            <a:extLst>
+              <a:ext uri="{FF2B5EF4-FFF2-40B4-BE49-F238E27FC236}">
+                <a16:creationId xmlns:a16="http://schemas.microsoft.com/office/drawing/2014/main" id="{57939077-26C7-DA2A-91B1-E1940CE00C42}"/>
+              </a:ext>
+            </a:extLst>
+          </p:cNvPr>
+          <p:cNvSpPr txBox="1"/>
+          <p:nvPr/>
+        </p:nvSpPr>
+        <p:spPr>
+          <a:xfrm>
+            <a:off x="8802448" y="267286"/>
+            <a:ext cx="1183644" cy="461665"/>
+          </a:xfrm>
+          <a:prstGeom prst="rect">
+            <a:avLst/>
+          </a:prstGeom>
+          <a:noFill/>
+        </p:spPr>
+        <p:txBody>
+          <a:bodyPr wrap="square" rtlCol="0">
+            <a:spAutoFit/>
+          </a:bodyPr>
+          <a:lstStyle/>
+          <a:p>
+            <a:r>
+              <a:rPr lang="en-US" altLang="ko-KR" sz="2400" spc="100" dirty="0">
+                <a:solidFill>
+                  <a:srgbClr val="000000"/>
+                </a:solidFill>
+                <a:latin typeface="나눔스퀘어 Bold" panose="020B0600000101010101" pitchFamily="50" charset="-127"/>
+                <a:ea typeface="나눔스퀘어 Bold" panose="020B0600000101010101" pitchFamily="50" charset="-127"/>
+              </a:rPr>
+              <a:t>p.</a:t>
+            </a:r>
+            <a:r>
+              <a:rPr lang="ko-KR" altLang="en-US" sz="2400" spc="100" dirty="0">
+                <a:solidFill>
+                  <a:srgbClr val="000000"/>
+                </a:solidFill>
+                <a:latin typeface="나눔스퀘어 Bold" panose="020B0600000101010101" pitchFamily="50" charset="-127"/>
+                <a:ea typeface="나눔스퀘어 Bold" panose="020B0600000101010101" pitchFamily="50" charset="-127"/>
+              </a:rPr>
+              <a:t> </a:t>
+            </a:r>
+            <a:r>
+              <a:rPr lang="en-US" altLang="ko-KR" sz="2400" spc="100" dirty="0">
+                <a:solidFill>
+                  <a:srgbClr val="000000"/>
+                </a:solidFill>
+                <a:latin typeface="나눔스퀘어 Bold" panose="020B0600000101010101" pitchFamily="50" charset="-127"/>
+                <a:ea typeface="나눔스퀘어 Bold" panose="020B0600000101010101" pitchFamily="50" charset="-127"/>
+              </a:rPr>
+              <a:t>125</a:t>
+            </a:r>
+            <a:endParaRPr lang="ko-KR" altLang="en-US" sz="2400" spc="100" dirty="0">
+              <a:solidFill>
+                <a:srgbClr val="000000"/>
+              </a:solidFill>
+              <a:latin typeface="나눔스퀘어 Bold" panose="020B0600000101010101" pitchFamily="50" charset="-127"/>
+              <a:ea typeface="나눔스퀘어 Bold" panose="020B0600000101010101" pitchFamily="50" charset="-127"/>
+            </a:endParaRPr>
+          </a:p>
+        </p:txBody>
+      </p:sp>
     </p:spTree>
     <p:extLst>
       <p:ext uri="{BB962C8B-B14F-4D97-AF65-F5344CB8AC3E}">
@@ -9750,13 +10360,13 @@
   <p:clrMapOvr>
     <a:masterClrMapping/>
   </p:clrMapOvr>
-  <mc:AlternateContent xmlns:mc="http://schemas.openxmlformats.org/markup-compatibility/2006">
-    <mc:Choice xmlns:p159="http://schemas.microsoft.com/office/powerpoint/2015/09/main" Requires="p159">
+  <mc:AlternateContent xmlns:mc="http://schemas.openxmlformats.org/markup-compatibility/2006" xmlns:p159="http://schemas.microsoft.com/office/powerpoint/2015/09/main">
+    <mc:Choice Requires="p159">
       <p:transition xmlns:p14="http://schemas.microsoft.com/office/powerpoint/2010/main" spd="slow" p14:dur="2000">
         <p159:morph option="byObject"/>
       </p:transition>
     </mc:Choice>
-    <mc:Fallback>
+    <mc:Fallback xmlns="">
       <p:transition spd="slow">
         <p:fade/>
       </p:transition>
@@ -9782,55 +10392,12 @@
           <a:chExt cx="0" cy="0"/>
         </a:xfrm>
       </p:grpSpPr>
-      <p:cxnSp>
-        <p:nvCxnSpPr>
-          <p:cNvPr id="3" name="직선 연결선 2">
-            <a:extLst>
-              <a:ext uri="{FF2B5EF4-FFF2-40B4-BE49-F238E27FC236}">
-                <a16:creationId xmlns:a16="http://schemas.microsoft.com/office/drawing/2014/main" id="{F55676F0-C433-4456-BB57-3E5832581EF6}"/>
-              </a:ext>
-            </a:extLst>
-          </p:cNvPr>
-          <p:cNvCxnSpPr>
-            <a:cxnSpLocks/>
-          </p:cNvCxnSpPr>
-          <p:nvPr/>
-        </p:nvCxnSpPr>
-        <p:spPr>
-          <a:xfrm>
-            <a:off x="8961120" y="696814"/>
-            <a:ext cx="2954657" cy="0"/>
-          </a:xfrm>
-          <a:prstGeom prst="line">
-            <a:avLst/>
-          </a:prstGeom>
-          <a:ln w="34925">
-            <a:solidFill>
-              <a:schemeClr val="tx2"/>
-            </a:solidFill>
-          </a:ln>
-        </p:spPr>
-        <p:style>
-          <a:lnRef idx="1">
-            <a:schemeClr val="accent1"/>
-          </a:lnRef>
-          <a:fillRef idx="0">
-            <a:schemeClr val="accent1"/>
-          </a:fillRef>
-          <a:effectRef idx="0">
-            <a:schemeClr val="accent1"/>
-          </a:effectRef>
-          <a:fontRef idx="minor">
-            <a:schemeClr val="tx1"/>
-          </a:fontRef>
-        </p:style>
-      </p:cxnSp>
-      <p:sp>
-        <p:nvSpPr>
-          <p:cNvPr id="6" name="TextBox 5">
-            <a:extLst>
-              <a:ext uri="{FF2B5EF4-FFF2-40B4-BE49-F238E27FC236}">
-                <a16:creationId xmlns:a16="http://schemas.microsoft.com/office/drawing/2014/main" id="{C7B00371-8BBF-468F-BAB5-3B58CE59B669}"/>
+      <p:sp>
+        <p:nvSpPr>
+          <p:cNvPr id="8" name="TextBox 7">
+            <a:extLst>
+              <a:ext uri="{FF2B5EF4-FFF2-40B4-BE49-F238E27FC236}">
+                <a16:creationId xmlns:a16="http://schemas.microsoft.com/office/drawing/2014/main" id="{5D0C9A45-A32B-45BB-B4DB-89BAF7E41E6D}"/>
               </a:ext>
             </a:extLst>
           </p:cNvPr>
@@ -9839,8 +10406,8 @@
         </p:nvSpPr>
         <p:spPr>
           <a:xfrm>
-            <a:off x="8961119" y="310773"/>
-            <a:ext cx="2954657" cy="400110"/>
+            <a:off x="276223" y="310773"/>
+            <a:ext cx="5683706" cy="553998"/>
           </a:xfrm>
           <a:prstGeom prst="rect">
             <a:avLst/>
@@ -9853,9 +10420,8 @@
           </a:bodyPr>
           <a:lstStyle/>
           <a:p>
-            <a:pPr algn="ctr"/>
-            <a:r>
-              <a:rPr lang="ko-KR" altLang="en-US" sz="2000" dirty="0" err="1">
+            <a:r>
+              <a:rPr lang="en-US" altLang="ko-KR" sz="3000" spc="100" dirty="0">
                 <a:solidFill>
                   <a:schemeClr val="tx2">
                     <a:lumMod val="50000"/>
@@ -9864,10 +10430,10 @@
                 <a:latin typeface="나눔스퀘어 ExtraBold" panose="020B0600000101010101" pitchFamily="50" charset="-127"/>
                 <a:ea typeface="나눔스퀘어 ExtraBold" panose="020B0600000101010101" pitchFamily="50" charset="-127"/>
               </a:rPr>
-              <a:t>캡스톤</a:t>
-            </a:r>
-            <a:r>
-              <a:rPr lang="ko-KR" altLang="en-US" sz="2000" dirty="0">
+              <a:t>2. </a:t>
+            </a:r>
+            <a:r>
+              <a:rPr lang="ko-KR" altLang="en-US" sz="3000" spc="100" dirty="0">
                 <a:solidFill>
                   <a:schemeClr val="tx2">
                     <a:lumMod val="50000"/>
@@ -9876,10 +10442,10 @@
                 <a:latin typeface="나눔스퀘어 ExtraBold" panose="020B0600000101010101" pitchFamily="50" charset="-127"/>
                 <a:ea typeface="나눔스퀘어 ExtraBold" panose="020B0600000101010101" pitchFamily="50" charset="-127"/>
               </a:rPr>
-              <a:t> 디자인 </a:t>
-            </a:r>
-            <a:r>
-              <a:rPr lang="en-US" altLang="ko-KR" sz="2000" dirty="0">
+              <a:t>객체 </a:t>
+            </a:r>
+            <a:r>
+              <a:rPr lang="ko-KR" altLang="en-US" sz="3000" spc="100" dirty="0" err="1">
                 <a:solidFill>
                   <a:schemeClr val="tx2">
                     <a:lumMod val="50000"/>
@@ -9888,10 +10454,10 @@
                 <a:latin typeface="나눔스퀘어 ExtraBold" panose="020B0600000101010101" pitchFamily="50" charset="-127"/>
                 <a:ea typeface="나눔스퀘어 ExtraBold" panose="020B0600000101010101" pitchFamily="50" charset="-127"/>
               </a:rPr>
-              <a:t>7</a:t>
-            </a:r>
-            <a:r>
-              <a:rPr lang="ko-KR" altLang="en-US" sz="2000" dirty="0">
+              <a:t>리터럴에</a:t>
+            </a:r>
+            <a:r>
+              <a:rPr lang="ko-KR" altLang="en-US" sz="3000" spc="100" dirty="0">
                 <a:solidFill>
                   <a:schemeClr val="tx2">
                     <a:lumMod val="50000"/>
@@ -9900,142 +10466,11 @@
                 <a:latin typeface="나눔스퀘어 ExtraBold" panose="020B0600000101010101" pitchFamily="50" charset="-127"/>
                 <a:ea typeface="나눔스퀘어 ExtraBold" panose="020B0600000101010101" pitchFamily="50" charset="-127"/>
               </a:rPr>
-              <a:t>팀</a:t>
-            </a:r>
-            <a:endParaRPr lang="en-US" altLang="ko-KR" sz="2000" dirty="0">
-              <a:solidFill>
-                <a:schemeClr val="tx2">
-                  <a:lumMod val="50000"/>
-                </a:schemeClr>
-              </a:solidFill>
-              <a:latin typeface="나눔스퀘어 ExtraBold" panose="020B0600000101010101" pitchFamily="50" charset="-127"/>
-              <a:ea typeface="나눔스퀘어 ExtraBold" panose="020B0600000101010101" pitchFamily="50" charset="-127"/>
-            </a:endParaRPr>
-          </a:p>
-        </p:txBody>
-      </p:sp>
-      <p:sp>
-        <p:nvSpPr>
-          <p:cNvPr id="8" name="TextBox 7">
-            <a:extLst>
-              <a:ext uri="{FF2B5EF4-FFF2-40B4-BE49-F238E27FC236}">
-                <a16:creationId xmlns:a16="http://schemas.microsoft.com/office/drawing/2014/main" id="{5D0C9A45-A32B-45BB-B4DB-89BAF7E41E6D}"/>
-              </a:ext>
-            </a:extLst>
-          </p:cNvPr>
-          <p:cNvSpPr txBox="1"/>
-          <p:nvPr/>
-        </p:nvSpPr>
-        <p:spPr>
-          <a:xfrm>
-            <a:off x="276223" y="310773"/>
-            <a:ext cx="5683706" cy="553998"/>
-          </a:xfrm>
-          <a:prstGeom prst="rect">
-            <a:avLst/>
-          </a:prstGeom>
-          <a:noFill/>
-        </p:spPr>
-        <p:txBody>
-          <a:bodyPr wrap="square" rtlCol="0">
-            <a:spAutoFit/>
-          </a:bodyPr>
-          <a:lstStyle/>
-          <a:p>
-            <a:r>
-              <a:rPr lang="en-US" altLang="ko-KR" sz="3000" spc="100" dirty="0">
-                <a:solidFill>
-                  <a:schemeClr val="tx2">
-                    <a:lumMod val="50000"/>
-                  </a:schemeClr>
-                </a:solidFill>
-                <a:latin typeface="나눔스퀘어 ExtraBold" panose="020B0600000101010101" pitchFamily="50" charset="-127"/>
-                <a:ea typeface="나눔스퀘어 ExtraBold" panose="020B0600000101010101" pitchFamily="50" charset="-127"/>
-              </a:rPr>
-              <a:t>2. </a:t>
-            </a:r>
-            <a:r>
-              <a:rPr lang="ko-KR" altLang="en-US" sz="3000" spc="100" dirty="0">
-                <a:solidFill>
-                  <a:schemeClr val="tx2">
-                    <a:lumMod val="50000"/>
-                  </a:schemeClr>
-                </a:solidFill>
-                <a:latin typeface="나눔스퀘어 ExtraBold" panose="020B0600000101010101" pitchFamily="50" charset="-127"/>
-                <a:ea typeface="나눔스퀘어 ExtraBold" panose="020B0600000101010101" pitchFamily="50" charset="-127"/>
-              </a:rPr>
-              <a:t>객체 </a:t>
-            </a:r>
-            <a:r>
-              <a:rPr lang="ko-KR" altLang="en-US" sz="3000" spc="100" dirty="0" err="1">
-                <a:solidFill>
-                  <a:schemeClr val="tx2">
-                    <a:lumMod val="50000"/>
-                  </a:schemeClr>
-                </a:solidFill>
-                <a:latin typeface="나눔스퀘어 ExtraBold" panose="020B0600000101010101" pitchFamily="50" charset="-127"/>
-                <a:ea typeface="나눔스퀘어 ExtraBold" panose="020B0600000101010101" pitchFamily="50" charset="-127"/>
-              </a:rPr>
-              <a:t>리터럴에</a:t>
-            </a:r>
-            <a:r>
-              <a:rPr lang="ko-KR" altLang="en-US" sz="3000" spc="100" dirty="0">
-                <a:solidFill>
-                  <a:schemeClr val="tx2">
-                    <a:lumMod val="50000"/>
-                  </a:schemeClr>
-                </a:solidFill>
-                <a:latin typeface="나눔스퀘어 ExtraBold" panose="020B0600000101010101" pitchFamily="50" charset="-127"/>
-                <a:ea typeface="나눔스퀘어 ExtraBold" panose="020B0600000101010101" pitchFamily="50" charset="-127"/>
-              </a:rPr>
               <a:t> 의한 객체 생성</a:t>
             </a:r>
           </a:p>
         </p:txBody>
       </p:sp>
-      <p:cxnSp>
-        <p:nvCxnSpPr>
-          <p:cNvPr id="9" name="직선 연결선 8">
-            <a:extLst>
-              <a:ext uri="{FF2B5EF4-FFF2-40B4-BE49-F238E27FC236}">
-                <a16:creationId xmlns:a16="http://schemas.microsoft.com/office/drawing/2014/main" id="{5140239F-7841-40D4-B023-7486FD09274D}"/>
-              </a:ext>
-            </a:extLst>
-          </p:cNvPr>
-          <p:cNvCxnSpPr>
-            <a:cxnSpLocks/>
-          </p:cNvCxnSpPr>
-          <p:nvPr/>
-        </p:nvCxnSpPr>
-        <p:spPr>
-          <a:xfrm>
-            <a:off x="8961120" y="267285"/>
-            <a:ext cx="2954657" cy="0"/>
-          </a:xfrm>
-          <a:prstGeom prst="line">
-            <a:avLst/>
-          </a:prstGeom>
-          <a:ln w="34925">
-            <a:solidFill>
-              <a:schemeClr val="tx2"/>
-            </a:solidFill>
-          </a:ln>
-        </p:spPr>
-        <p:style>
-          <a:lnRef idx="1">
-            <a:schemeClr val="accent1"/>
-          </a:lnRef>
-          <a:fillRef idx="0">
-            <a:schemeClr val="accent1"/>
-          </a:fillRef>
-          <a:effectRef idx="0">
-            <a:schemeClr val="accent1"/>
-          </a:effectRef>
-          <a:fontRef idx="minor">
-            <a:schemeClr val="tx1"/>
-          </a:fontRef>
-        </p:style>
-      </p:cxnSp>
       <p:sp>
         <p:nvSpPr>
           <p:cNvPr id="17" name="TextBox 16">
@@ -10158,20 +10593,7 @@
                 <a:latin typeface="나눔스퀘어 ExtraBold" panose="020B0600000101010101" pitchFamily="50" charset="-127"/>
                 <a:ea typeface="나눔스퀘어 ExtraBold" panose="020B0600000101010101" pitchFamily="50" charset="-127"/>
               </a:rPr>
-              <a:t>자바스크립트는 </a:t>
-            </a:r>
-            <a:r>
-              <a:rPr lang="ko-KR" altLang="en-US" sz="2000" spc="100" dirty="0" err="1">
-                <a:solidFill>
-                  <a:schemeClr val="tx1">
-                    <a:lumMod val="75000"/>
-                    <a:lumOff val="25000"/>
-                  </a:schemeClr>
-                </a:solidFill>
-                <a:latin typeface="나눔스퀘어 ExtraBold" panose="020B0600000101010101" pitchFamily="50" charset="-127"/>
-                <a:ea typeface="나눔스퀘어 ExtraBold" panose="020B0600000101010101" pitchFamily="50" charset="-127"/>
-              </a:rPr>
-              <a:t>멀터</a:t>
+              <a:t>자바스크립트는 멀티</a:t>
             </a:r>
             <a:r>
               <a:rPr lang="en-US" altLang="ko-KR" sz="2000" spc="100" dirty="0">
@@ -10361,7 +10783,7 @@
               <a:t>	</a:t>
             </a:r>
             <a:r>
-              <a:rPr lang="ko-KR" altLang="en-US" sz="2000" spc="100" dirty="0" err="1">
+              <a:rPr lang="ko-KR" altLang="en-US" sz="2000" spc="100" dirty="0">
                 <a:solidFill>
                   <a:schemeClr val="tx1">
                     <a:lumMod val="75000"/>
@@ -10371,20 +10793,7 @@
                 <a:latin typeface="나눔스퀘어 ExtraBold" panose="020B0600000101010101" pitchFamily="50" charset="-127"/>
                 <a:ea typeface="나눔스퀘어 ExtraBold" panose="020B0600000101010101" pitchFamily="50" charset="-127"/>
               </a:rPr>
-              <a:t>프로터타입</a:t>
-            </a:r>
-            <a:r>
-              <a:rPr lang="ko-KR" altLang="en-US" sz="2000" spc="100" dirty="0">
-                <a:solidFill>
-                  <a:schemeClr val="tx1">
-                    <a:lumMod val="75000"/>
-                    <a:lumOff val="25000"/>
-                  </a:schemeClr>
-                </a:solidFill>
-                <a:latin typeface="나눔스퀘어 ExtraBold" panose="020B0600000101010101" pitchFamily="50" charset="-127"/>
-                <a:ea typeface="나눔스퀘어 ExtraBold" panose="020B0600000101010101" pitchFamily="50" charset="-127"/>
-              </a:rPr>
-              <a:t> 기반</a:t>
+              <a:t>프로토타입 기반</a:t>
             </a:r>
             <a:r>
               <a:rPr lang="en-US" altLang="ko-KR" sz="2000" spc="100" dirty="0">
@@ -10556,6 +10965,249 @@
           </a:prstGeom>
         </p:spPr>
       </p:pic>
+      <p:cxnSp>
+        <p:nvCxnSpPr>
+          <p:cNvPr id="2" name="직선 연결선 1">
+            <a:extLst>
+              <a:ext uri="{FF2B5EF4-FFF2-40B4-BE49-F238E27FC236}">
+                <a16:creationId xmlns:a16="http://schemas.microsoft.com/office/drawing/2014/main" id="{B61DB1FE-D8C7-1603-1AB6-C76AB594CBCA}"/>
+              </a:ext>
+            </a:extLst>
+          </p:cNvPr>
+          <p:cNvCxnSpPr>
+            <a:cxnSpLocks/>
+          </p:cNvCxnSpPr>
+          <p:nvPr/>
+        </p:nvCxnSpPr>
+        <p:spPr>
+          <a:xfrm>
+            <a:off x="10337785" y="696814"/>
+            <a:ext cx="1577992" cy="0"/>
+          </a:xfrm>
+          <a:prstGeom prst="line">
+            <a:avLst/>
+          </a:prstGeom>
+          <a:ln w="34925">
+            <a:solidFill>
+              <a:schemeClr val="tx2"/>
+            </a:solidFill>
+          </a:ln>
+        </p:spPr>
+        <p:style>
+          <a:lnRef idx="1">
+            <a:schemeClr val="accent1"/>
+          </a:lnRef>
+          <a:fillRef idx="0">
+            <a:schemeClr val="accent1"/>
+          </a:fillRef>
+          <a:effectRef idx="0">
+            <a:schemeClr val="accent1"/>
+          </a:effectRef>
+          <a:fontRef idx="minor">
+            <a:schemeClr val="tx1"/>
+          </a:fontRef>
+        </p:style>
+      </p:cxnSp>
+      <p:sp>
+        <p:nvSpPr>
+          <p:cNvPr id="4" name="TextBox 3">
+            <a:extLst>
+              <a:ext uri="{FF2B5EF4-FFF2-40B4-BE49-F238E27FC236}">
+                <a16:creationId xmlns:a16="http://schemas.microsoft.com/office/drawing/2014/main" id="{8CEE8B11-7C54-15EC-151D-1636542A9546}"/>
+              </a:ext>
+            </a:extLst>
+          </p:cNvPr>
+          <p:cNvSpPr txBox="1"/>
+          <p:nvPr/>
+        </p:nvSpPr>
+        <p:spPr>
+          <a:xfrm>
+            <a:off x="10337785" y="310773"/>
+            <a:ext cx="1577991" cy="400110"/>
+          </a:xfrm>
+          <a:prstGeom prst="rect">
+            <a:avLst/>
+          </a:prstGeom>
+          <a:noFill/>
+        </p:spPr>
+        <p:txBody>
+          <a:bodyPr wrap="square" rtlCol="0">
+            <a:spAutoFit/>
+          </a:bodyPr>
+          <a:lstStyle/>
+          <a:p>
+            <a:pPr algn="ctr"/>
+            <a:r>
+              <a:rPr lang="ko-KR" altLang="en-US" sz="2000" dirty="0" err="1">
+                <a:solidFill>
+                  <a:schemeClr val="tx2">
+                    <a:lumMod val="50000"/>
+                  </a:schemeClr>
+                </a:solidFill>
+                <a:latin typeface="나눔스퀘어 ExtraBold" panose="020B0600000101010101" pitchFamily="50" charset="-127"/>
+                <a:ea typeface="나눔스퀘어 ExtraBold" panose="020B0600000101010101" pitchFamily="50" charset="-127"/>
+              </a:rPr>
+              <a:t>컴공특</a:t>
+            </a:r>
+            <a:r>
+              <a:rPr lang="ko-KR" altLang="en-US" sz="2000" dirty="0">
+                <a:solidFill>
+                  <a:schemeClr val="tx2">
+                    <a:lumMod val="50000"/>
+                  </a:schemeClr>
+                </a:solidFill>
+                <a:latin typeface="나눔스퀘어 ExtraBold" panose="020B0600000101010101" pitchFamily="50" charset="-127"/>
+                <a:ea typeface="나눔스퀘어 ExtraBold" panose="020B0600000101010101" pitchFamily="50" charset="-127"/>
+              </a:rPr>
+              <a:t> </a:t>
+            </a:r>
+            <a:r>
+              <a:rPr lang="en-US" altLang="ko-KR" sz="2000" dirty="0">
+                <a:solidFill>
+                  <a:schemeClr val="tx2">
+                    <a:lumMod val="50000"/>
+                  </a:schemeClr>
+                </a:solidFill>
+                <a:latin typeface="나눔스퀘어 ExtraBold" panose="020B0600000101010101" pitchFamily="50" charset="-127"/>
+                <a:ea typeface="나눔스퀘어 ExtraBold" panose="020B0600000101010101" pitchFamily="50" charset="-127"/>
+              </a:rPr>
+              <a:t>3</a:t>
+            </a:r>
+            <a:r>
+              <a:rPr lang="ko-KR" altLang="en-US" sz="2000" dirty="0">
+                <a:solidFill>
+                  <a:schemeClr val="tx2">
+                    <a:lumMod val="50000"/>
+                  </a:schemeClr>
+                </a:solidFill>
+                <a:latin typeface="나눔스퀘어 ExtraBold" panose="020B0600000101010101" pitchFamily="50" charset="-127"/>
+                <a:ea typeface="나눔스퀘어 ExtraBold" panose="020B0600000101010101" pitchFamily="50" charset="-127"/>
+              </a:rPr>
+              <a:t>팀</a:t>
+            </a:r>
+            <a:endParaRPr lang="en-US" altLang="ko-KR" sz="2000" dirty="0">
+              <a:solidFill>
+                <a:schemeClr val="tx2">
+                  <a:lumMod val="50000"/>
+                </a:schemeClr>
+              </a:solidFill>
+              <a:latin typeface="나눔스퀘어 ExtraBold" panose="020B0600000101010101" pitchFamily="50" charset="-127"/>
+              <a:ea typeface="나눔스퀘어 ExtraBold" panose="020B0600000101010101" pitchFamily="50" charset="-127"/>
+            </a:endParaRPr>
+          </a:p>
+        </p:txBody>
+      </p:sp>
+      <p:cxnSp>
+        <p:nvCxnSpPr>
+          <p:cNvPr id="5" name="직선 연결선 4">
+            <a:extLst>
+              <a:ext uri="{FF2B5EF4-FFF2-40B4-BE49-F238E27FC236}">
+                <a16:creationId xmlns:a16="http://schemas.microsoft.com/office/drawing/2014/main" id="{3B2C45C7-7EB6-81FE-8259-BC417B811407}"/>
+              </a:ext>
+            </a:extLst>
+          </p:cNvPr>
+          <p:cNvCxnSpPr>
+            <a:cxnSpLocks/>
+          </p:cNvCxnSpPr>
+          <p:nvPr/>
+        </p:nvCxnSpPr>
+        <p:spPr>
+          <a:xfrm>
+            <a:off x="10337785" y="267285"/>
+            <a:ext cx="1577992" cy="0"/>
+          </a:xfrm>
+          <a:prstGeom prst="line">
+            <a:avLst/>
+          </a:prstGeom>
+          <a:ln w="34925">
+            <a:solidFill>
+              <a:schemeClr val="tx2"/>
+            </a:solidFill>
+          </a:ln>
+        </p:spPr>
+        <p:style>
+          <a:lnRef idx="1">
+            <a:schemeClr val="accent1"/>
+          </a:lnRef>
+          <a:fillRef idx="0">
+            <a:schemeClr val="accent1"/>
+          </a:fillRef>
+          <a:effectRef idx="0">
+            <a:schemeClr val="accent1"/>
+          </a:effectRef>
+          <a:fontRef idx="minor">
+            <a:schemeClr val="tx1"/>
+          </a:fontRef>
+        </p:style>
+      </p:cxnSp>
+      <p:sp>
+        <p:nvSpPr>
+          <p:cNvPr id="7" name="TextBox 6">
+            <a:extLst>
+              <a:ext uri="{FF2B5EF4-FFF2-40B4-BE49-F238E27FC236}">
+                <a16:creationId xmlns:a16="http://schemas.microsoft.com/office/drawing/2014/main" id="{5F681991-D51F-EDB4-1D14-317D4C2F08E8}"/>
+              </a:ext>
+            </a:extLst>
+          </p:cNvPr>
+          <p:cNvSpPr txBox="1"/>
+          <p:nvPr/>
+        </p:nvSpPr>
+        <p:spPr>
+          <a:xfrm>
+            <a:off x="8802448" y="267286"/>
+            <a:ext cx="1183644" cy="461665"/>
+          </a:xfrm>
+          <a:prstGeom prst="rect">
+            <a:avLst/>
+          </a:prstGeom>
+          <a:noFill/>
+        </p:spPr>
+        <p:txBody>
+          <a:bodyPr wrap="square" rtlCol="0">
+            <a:spAutoFit/>
+          </a:bodyPr>
+          <a:lstStyle/>
+          <a:p>
+            <a:r>
+              <a:rPr lang="en-US" altLang="ko-KR" sz="2400" spc="100" dirty="0">
+                <a:solidFill>
+                  <a:srgbClr val="000000"/>
+                </a:solidFill>
+                <a:latin typeface="나눔스퀘어 Bold" panose="020B0600000101010101" pitchFamily="50" charset="-127"/>
+                <a:ea typeface="나눔스퀘어 Bold" panose="020B0600000101010101" pitchFamily="50" charset="-127"/>
+              </a:rPr>
+              <a:t>p.</a:t>
+            </a:r>
+            <a:r>
+              <a:rPr lang="ko-KR" altLang="en-US" sz="2400" spc="100" dirty="0">
+                <a:solidFill>
+                  <a:srgbClr val="000000"/>
+                </a:solidFill>
+                <a:latin typeface="나눔스퀘어 Bold" panose="020B0600000101010101" pitchFamily="50" charset="-127"/>
+                <a:ea typeface="나눔스퀘어 Bold" panose="020B0600000101010101" pitchFamily="50" charset="-127"/>
+              </a:rPr>
+              <a:t> </a:t>
+            </a:r>
+            <a:r>
+              <a:rPr lang="en-US" altLang="ko-KR" sz="2400" spc="100" dirty="0">
+                <a:solidFill>
+                  <a:srgbClr val="000000"/>
+                </a:solidFill>
+                <a:latin typeface="나눔스퀘어 Bold" panose="020B0600000101010101" pitchFamily="50" charset="-127"/>
+                <a:ea typeface="나눔스퀘어 Bold" panose="020B0600000101010101" pitchFamily="50" charset="-127"/>
+              </a:rPr>
+              <a:t>125</a:t>
+            </a:r>
+            <a:endParaRPr lang="ko-KR" altLang="en-US" sz="2400" spc="100" dirty="0">
+              <a:solidFill>
+                <a:srgbClr val="000000"/>
+              </a:solidFill>
+              <a:latin typeface="나눔스퀘어 Bold" panose="020B0600000101010101" pitchFamily="50" charset="-127"/>
+              <a:ea typeface="나눔스퀘어 Bold" panose="020B0600000101010101" pitchFamily="50" charset="-127"/>
+            </a:endParaRPr>
+          </a:p>
+        </p:txBody>
+      </p:sp>
     </p:spTree>
     <p:extLst>
       <p:ext uri="{BB962C8B-B14F-4D97-AF65-F5344CB8AC3E}">
@@ -10566,13 +11218,13 @@
   <p:clrMapOvr>
     <a:masterClrMapping/>
   </p:clrMapOvr>
-  <mc:AlternateContent xmlns:mc="http://schemas.openxmlformats.org/markup-compatibility/2006">
-    <mc:Choice xmlns:p159="http://schemas.microsoft.com/office/powerpoint/2015/09/main" Requires="p159">
+  <mc:AlternateContent xmlns:mc="http://schemas.openxmlformats.org/markup-compatibility/2006" xmlns:p159="http://schemas.microsoft.com/office/powerpoint/2015/09/main">
+    <mc:Choice Requires="p159">
       <p:transition xmlns:p14="http://schemas.microsoft.com/office/powerpoint/2010/main" spd="slow" p14:dur="2000">
         <p159:morph option="byObject"/>
       </p:transition>
     </mc:Choice>
-    <mc:Fallback>
+    <mc:Fallback xmlns="">
       <p:transition spd="slow">
         <p:fade/>
       </p:transition>
@@ -10598,12 +11250,915 @@
           <a:chExt cx="0" cy="0"/>
         </a:xfrm>
       </p:grpSpPr>
+      <p:sp>
+        <p:nvSpPr>
+          <p:cNvPr id="8" name="TextBox 7">
+            <a:extLst>
+              <a:ext uri="{FF2B5EF4-FFF2-40B4-BE49-F238E27FC236}">
+                <a16:creationId xmlns:a16="http://schemas.microsoft.com/office/drawing/2014/main" id="{5D0C9A45-A32B-45BB-B4DB-89BAF7E41E6D}"/>
+              </a:ext>
+            </a:extLst>
+          </p:cNvPr>
+          <p:cNvSpPr txBox="1"/>
+          <p:nvPr/>
+        </p:nvSpPr>
+        <p:spPr>
+          <a:xfrm>
+            <a:off x="276223" y="310773"/>
+            <a:ext cx="5683706" cy="553998"/>
+          </a:xfrm>
+          <a:prstGeom prst="rect">
+            <a:avLst/>
+          </a:prstGeom>
+          <a:noFill/>
+        </p:spPr>
+        <p:txBody>
+          <a:bodyPr wrap="square" rtlCol="0">
+            <a:spAutoFit/>
+          </a:bodyPr>
+          <a:lstStyle/>
+          <a:p>
+            <a:r>
+              <a:rPr lang="en-US" altLang="ko-KR" sz="3000" spc="100" dirty="0">
+                <a:solidFill>
+                  <a:schemeClr val="tx2">
+                    <a:lumMod val="50000"/>
+                  </a:schemeClr>
+                </a:solidFill>
+                <a:latin typeface="나눔스퀘어 ExtraBold" panose="020B0600000101010101" pitchFamily="50" charset="-127"/>
+                <a:ea typeface="나눔스퀘어 ExtraBold" panose="020B0600000101010101" pitchFamily="50" charset="-127"/>
+              </a:rPr>
+              <a:t>2. </a:t>
+            </a:r>
+            <a:r>
+              <a:rPr lang="ko-KR" altLang="en-US" sz="3000" spc="100" dirty="0">
+                <a:solidFill>
+                  <a:schemeClr val="tx2">
+                    <a:lumMod val="50000"/>
+                  </a:schemeClr>
+                </a:solidFill>
+                <a:latin typeface="나눔스퀘어 ExtraBold" panose="020B0600000101010101" pitchFamily="50" charset="-127"/>
+                <a:ea typeface="나눔스퀘어 ExtraBold" panose="020B0600000101010101" pitchFamily="50" charset="-127"/>
+              </a:rPr>
+              <a:t>객체 </a:t>
+            </a:r>
+            <a:r>
+              <a:rPr lang="ko-KR" altLang="en-US" sz="3000" spc="100" dirty="0" err="1">
+                <a:solidFill>
+                  <a:schemeClr val="tx2">
+                    <a:lumMod val="50000"/>
+                  </a:schemeClr>
+                </a:solidFill>
+                <a:latin typeface="나눔스퀘어 ExtraBold" panose="020B0600000101010101" pitchFamily="50" charset="-127"/>
+                <a:ea typeface="나눔스퀘어 ExtraBold" panose="020B0600000101010101" pitchFamily="50" charset="-127"/>
+              </a:rPr>
+              <a:t>리터럴에</a:t>
+            </a:r>
+            <a:r>
+              <a:rPr lang="ko-KR" altLang="en-US" sz="3000" spc="100" dirty="0">
+                <a:solidFill>
+                  <a:schemeClr val="tx2">
+                    <a:lumMod val="50000"/>
+                  </a:schemeClr>
+                </a:solidFill>
+                <a:latin typeface="나눔스퀘어 ExtraBold" panose="020B0600000101010101" pitchFamily="50" charset="-127"/>
+                <a:ea typeface="나눔스퀘어 ExtraBold" panose="020B0600000101010101" pitchFamily="50" charset="-127"/>
+              </a:rPr>
+              <a:t> 의한 객체 생성</a:t>
+            </a:r>
+          </a:p>
+        </p:txBody>
+      </p:sp>
+      <p:sp>
+        <p:nvSpPr>
+          <p:cNvPr id="14" name="TextBox 13">
+            <a:extLst>
+              <a:ext uri="{FF2B5EF4-FFF2-40B4-BE49-F238E27FC236}">
+                <a16:creationId xmlns:a16="http://schemas.microsoft.com/office/drawing/2014/main" id="{FDB51A8E-5079-2946-810C-CBE885B1064A}"/>
+              </a:ext>
+            </a:extLst>
+          </p:cNvPr>
+          <p:cNvSpPr txBox="1"/>
+          <p:nvPr/>
+        </p:nvSpPr>
+        <p:spPr>
+          <a:xfrm>
+            <a:off x="1028737" y="1322164"/>
+            <a:ext cx="10030560" cy="4832092"/>
+          </a:xfrm>
+          <a:prstGeom prst="rect">
+            <a:avLst/>
+          </a:prstGeom>
+          <a:noFill/>
+        </p:spPr>
+        <p:txBody>
+          <a:bodyPr wrap="square" rtlCol="0">
+            <a:spAutoFit/>
+          </a:bodyPr>
+          <a:lstStyle/>
+          <a:p>
+            <a:pPr marL="342900" indent="-342900">
+              <a:buFont typeface="Arial" panose="020B0604020202020204" pitchFamily="34" charset="0"/>
+              <a:buChar char="•"/>
+            </a:pPr>
+            <a:r>
+              <a:rPr lang="ko-KR" altLang="en-US" sz="2000" spc="100" dirty="0">
+                <a:solidFill>
+                  <a:schemeClr val="tx1">
+                    <a:lumMod val="75000"/>
+                    <a:lumOff val="25000"/>
+                  </a:schemeClr>
+                </a:solidFill>
+                <a:latin typeface="나눔스퀘어 ExtraBold" panose="020B0600000101010101" pitchFamily="50" charset="-127"/>
+                <a:ea typeface="나눔스퀘어 ExtraBold" panose="020B0600000101010101" pitchFamily="50" charset="-127"/>
+              </a:rPr>
+              <a:t>자바스크립트는 클래스 개념이 없고 별도의 다양한 객체 생성 방법이 존재하다</a:t>
+            </a:r>
+            <a:r>
+              <a:rPr lang="en-US" altLang="ko-KR" sz="2000" spc="100" dirty="0">
+                <a:solidFill>
+                  <a:schemeClr val="tx1">
+                    <a:lumMod val="75000"/>
+                    <a:lumOff val="25000"/>
+                  </a:schemeClr>
+                </a:solidFill>
+                <a:latin typeface="나눔스퀘어 ExtraBold" panose="020B0600000101010101" pitchFamily="50" charset="-127"/>
+                <a:ea typeface="나눔스퀘어 ExtraBold" panose="020B0600000101010101" pitchFamily="50" charset="-127"/>
+              </a:rPr>
+              <a:t>.</a:t>
+            </a:r>
+          </a:p>
+          <a:p>
+            <a:endParaRPr lang="en-US" altLang="ko-KR" sz="2000" spc="100" dirty="0">
+              <a:solidFill>
+                <a:schemeClr val="tx1">
+                  <a:lumMod val="75000"/>
+                  <a:lumOff val="25000"/>
+                </a:schemeClr>
+              </a:solidFill>
+              <a:latin typeface="나눔스퀘어 ExtraBold" panose="020B0600000101010101" pitchFamily="50" charset="-127"/>
+              <a:ea typeface="나눔스퀘어 ExtraBold" panose="020B0600000101010101" pitchFamily="50" charset="-127"/>
+            </a:endParaRPr>
+          </a:p>
+          <a:p>
+            <a:pPr lvl="1"/>
+            <a:r>
+              <a:rPr lang="en-US" altLang="ko-KR" sz="2000" spc="100" dirty="0">
+                <a:solidFill>
+                  <a:schemeClr val="tx1">
+                    <a:lumMod val="75000"/>
+                    <a:lumOff val="25000"/>
+                  </a:schemeClr>
+                </a:solidFill>
+                <a:latin typeface="나눔스퀘어 ExtraBold" panose="020B0600000101010101" pitchFamily="50" charset="-127"/>
+                <a:ea typeface="나눔스퀘어 ExtraBold" panose="020B0600000101010101" pitchFamily="50" charset="-127"/>
+              </a:rPr>
+              <a:t>-&gt;</a:t>
+            </a:r>
+            <a:r>
+              <a:rPr lang="ko-KR" altLang="en-US" sz="2000" spc="100" dirty="0">
+                <a:solidFill>
+                  <a:schemeClr val="tx1">
+                    <a:lumMod val="75000"/>
+                    <a:lumOff val="25000"/>
+                  </a:schemeClr>
+                </a:solidFill>
+                <a:latin typeface="나눔스퀘어 ExtraBold" panose="020B0600000101010101" pitchFamily="50" charset="-127"/>
+                <a:ea typeface="나눔스퀘어 ExtraBold" panose="020B0600000101010101" pitchFamily="50" charset="-127"/>
+              </a:rPr>
+              <a:t> 객체 </a:t>
+            </a:r>
+            <a:r>
+              <a:rPr lang="ko-KR" altLang="en-US" sz="2000" spc="100" dirty="0" err="1">
+                <a:solidFill>
+                  <a:schemeClr val="tx1">
+                    <a:lumMod val="75000"/>
+                    <a:lumOff val="25000"/>
+                  </a:schemeClr>
+                </a:solidFill>
+                <a:latin typeface="나눔스퀘어 ExtraBold" panose="020B0600000101010101" pitchFamily="50" charset="-127"/>
+                <a:ea typeface="나눔스퀘어 ExtraBold" panose="020B0600000101010101" pitchFamily="50" charset="-127"/>
+              </a:rPr>
+              <a:t>리터럴</a:t>
+            </a:r>
+            <a:endParaRPr lang="en-US" altLang="ko-KR" sz="2000" spc="100" dirty="0">
+              <a:solidFill>
+                <a:schemeClr val="tx1">
+                  <a:lumMod val="75000"/>
+                  <a:lumOff val="25000"/>
+                </a:schemeClr>
+              </a:solidFill>
+              <a:latin typeface="나눔스퀘어 ExtraBold" panose="020B0600000101010101" pitchFamily="50" charset="-127"/>
+              <a:ea typeface="나눔스퀘어 ExtraBold" panose="020B0600000101010101" pitchFamily="50" charset="-127"/>
+            </a:endParaRPr>
+          </a:p>
+          <a:p>
+            <a:pPr lvl="1"/>
+            <a:r>
+              <a:rPr lang="en-US" altLang="ko-KR" sz="2000" spc="100" dirty="0">
+                <a:solidFill>
+                  <a:schemeClr val="tx1">
+                    <a:lumMod val="75000"/>
+                    <a:lumOff val="25000"/>
+                  </a:schemeClr>
+                </a:solidFill>
+                <a:latin typeface="나눔스퀘어 ExtraBold" panose="020B0600000101010101" pitchFamily="50" charset="-127"/>
+                <a:ea typeface="나눔스퀘어 ExtraBold" panose="020B0600000101010101" pitchFamily="50" charset="-127"/>
+              </a:rPr>
+              <a:t>	</a:t>
+            </a:r>
+            <a:r>
+              <a:rPr lang="ko-KR" altLang="en-US" sz="1600" i="1" u="sng" spc="100" dirty="0">
+                <a:solidFill>
+                  <a:srgbClr val="302D2E"/>
+                </a:solidFill>
+                <a:latin typeface="나눔스퀘어 ExtraBold" panose="020B0600000101010101" pitchFamily="50" charset="-127"/>
+                <a:ea typeface="나눔스퀘어 ExtraBold" panose="020B0600000101010101" pitchFamily="50" charset="-127"/>
+              </a:rPr>
+              <a:t>중괄호 안에 </a:t>
+            </a:r>
+            <a:r>
+              <a:rPr lang="ko-KR" altLang="en-US" sz="1600" i="1" u="sng" spc="100" dirty="0" err="1">
+                <a:solidFill>
+                  <a:srgbClr val="302D2E"/>
+                </a:solidFill>
+                <a:latin typeface="나눔스퀘어 ExtraBold" panose="020B0600000101010101" pitchFamily="50" charset="-127"/>
+                <a:ea typeface="나눔스퀘어 ExtraBold" panose="020B0600000101010101" pitchFamily="50" charset="-127"/>
+              </a:rPr>
+              <a:t>프로퍼티를</a:t>
+            </a:r>
+            <a:r>
+              <a:rPr lang="ko-KR" altLang="en-US" sz="1600" i="1" u="sng" spc="100" dirty="0">
+                <a:solidFill>
+                  <a:srgbClr val="302D2E"/>
+                </a:solidFill>
+                <a:latin typeface="나눔스퀘어 ExtraBold" panose="020B0600000101010101" pitchFamily="50" charset="-127"/>
+                <a:ea typeface="나눔스퀘어 ExtraBold" panose="020B0600000101010101" pitchFamily="50" charset="-127"/>
+              </a:rPr>
+              <a:t> 정의하여 객체를 생성한다</a:t>
+            </a:r>
+            <a:r>
+              <a:rPr lang="en-US" altLang="ko-KR" sz="1600" i="1" u="sng" spc="100" dirty="0">
+                <a:solidFill>
+                  <a:srgbClr val="302D2E"/>
+                </a:solidFill>
+                <a:latin typeface="나눔스퀘어 ExtraBold" panose="020B0600000101010101" pitchFamily="50" charset="-127"/>
+                <a:ea typeface="나눔스퀘어 ExtraBold" panose="020B0600000101010101" pitchFamily="50" charset="-127"/>
+              </a:rPr>
+              <a:t>.</a:t>
+            </a:r>
+          </a:p>
+          <a:p>
+            <a:pPr lvl="1"/>
+            <a:endParaRPr lang="en-US" altLang="ko-KR" sz="1600" i="1" u="sng" spc="100" dirty="0">
+              <a:solidFill>
+                <a:srgbClr val="302D2E"/>
+              </a:solidFill>
+              <a:latin typeface="나눔스퀘어 ExtraBold" panose="020B0600000101010101" pitchFamily="50" charset="-127"/>
+              <a:ea typeface="나눔스퀘어 ExtraBold" panose="020B0600000101010101" pitchFamily="50" charset="-127"/>
+            </a:endParaRPr>
+          </a:p>
+          <a:p>
+            <a:pPr lvl="1"/>
+            <a:r>
+              <a:rPr lang="en-US" altLang="ko-KR" sz="2000" spc="100" dirty="0">
+                <a:solidFill>
+                  <a:schemeClr val="tx1">
+                    <a:lumMod val="75000"/>
+                    <a:lumOff val="25000"/>
+                  </a:schemeClr>
+                </a:solidFill>
+                <a:latin typeface="나눔스퀘어 ExtraBold" panose="020B0600000101010101" pitchFamily="50" charset="-127"/>
+                <a:ea typeface="나눔스퀘어 ExtraBold" panose="020B0600000101010101" pitchFamily="50" charset="-127"/>
+              </a:rPr>
+              <a:t>-&gt;</a:t>
+            </a:r>
+            <a:r>
+              <a:rPr lang="ko-KR" altLang="en-US" sz="2000" spc="100" dirty="0">
+                <a:solidFill>
+                  <a:schemeClr val="tx1">
+                    <a:lumMod val="75000"/>
+                    <a:lumOff val="25000"/>
+                  </a:schemeClr>
+                </a:solidFill>
+                <a:latin typeface="나눔스퀘어 ExtraBold" panose="020B0600000101010101" pitchFamily="50" charset="-127"/>
+                <a:ea typeface="나눔스퀘어 ExtraBold" panose="020B0600000101010101" pitchFamily="50" charset="-127"/>
+              </a:rPr>
+              <a:t> </a:t>
+            </a:r>
+            <a:r>
+              <a:rPr lang="en-US" altLang="ko-KR" sz="2000" spc="100" dirty="0">
+                <a:solidFill>
+                  <a:schemeClr val="tx1">
+                    <a:lumMod val="75000"/>
+                    <a:lumOff val="25000"/>
+                  </a:schemeClr>
+                </a:solidFill>
+                <a:latin typeface="나눔스퀘어 ExtraBold" panose="020B0600000101010101" pitchFamily="50" charset="-127"/>
+                <a:ea typeface="나눔스퀘어 ExtraBold" panose="020B0600000101010101" pitchFamily="50" charset="-127"/>
+              </a:rPr>
+              <a:t>Object</a:t>
+            </a:r>
+            <a:r>
+              <a:rPr lang="ko-KR" altLang="en-US" sz="2000" spc="100" dirty="0">
+                <a:solidFill>
+                  <a:schemeClr val="tx1">
+                    <a:lumMod val="75000"/>
+                    <a:lumOff val="25000"/>
+                  </a:schemeClr>
+                </a:solidFill>
+                <a:latin typeface="나눔스퀘어 ExtraBold" panose="020B0600000101010101" pitchFamily="50" charset="-127"/>
+                <a:ea typeface="나눔스퀘어 ExtraBold" panose="020B0600000101010101" pitchFamily="50" charset="-127"/>
+              </a:rPr>
+              <a:t> </a:t>
+            </a:r>
+            <a:r>
+              <a:rPr lang="ko-KR" altLang="en-US" sz="2000" spc="100" dirty="0" err="1">
+                <a:solidFill>
+                  <a:schemeClr val="tx1">
+                    <a:lumMod val="75000"/>
+                    <a:lumOff val="25000"/>
+                  </a:schemeClr>
+                </a:solidFill>
+                <a:latin typeface="나눔스퀘어 ExtraBold" panose="020B0600000101010101" pitchFamily="50" charset="-127"/>
+                <a:ea typeface="나눔스퀘어 ExtraBold" panose="020B0600000101010101" pitchFamily="50" charset="-127"/>
+              </a:rPr>
+              <a:t>생성자</a:t>
+            </a:r>
+            <a:r>
+              <a:rPr lang="ko-KR" altLang="en-US" sz="2000" spc="100" dirty="0">
+                <a:solidFill>
+                  <a:schemeClr val="tx1">
+                    <a:lumMod val="75000"/>
+                    <a:lumOff val="25000"/>
+                  </a:schemeClr>
+                </a:solidFill>
+                <a:latin typeface="나눔스퀘어 ExtraBold" panose="020B0600000101010101" pitchFamily="50" charset="-127"/>
+                <a:ea typeface="나눔스퀘어 ExtraBold" panose="020B0600000101010101" pitchFamily="50" charset="-127"/>
+              </a:rPr>
+              <a:t> 함수</a:t>
+            </a:r>
+            <a:endParaRPr lang="en-US" altLang="ko-KR" sz="2000" spc="100" dirty="0">
+              <a:solidFill>
+                <a:schemeClr val="tx1">
+                  <a:lumMod val="75000"/>
+                  <a:lumOff val="25000"/>
+                </a:schemeClr>
+              </a:solidFill>
+              <a:latin typeface="나눔스퀘어 ExtraBold" panose="020B0600000101010101" pitchFamily="50" charset="-127"/>
+              <a:ea typeface="나눔스퀘어 ExtraBold" panose="020B0600000101010101" pitchFamily="50" charset="-127"/>
+            </a:endParaRPr>
+          </a:p>
+          <a:p>
+            <a:pPr lvl="1"/>
+            <a:r>
+              <a:rPr lang="en-US" altLang="ko-KR" sz="2000" spc="100" dirty="0">
+                <a:solidFill>
+                  <a:schemeClr val="tx1">
+                    <a:lumMod val="75000"/>
+                    <a:lumOff val="25000"/>
+                  </a:schemeClr>
+                </a:solidFill>
+                <a:latin typeface="나눔스퀘어 ExtraBold" panose="020B0600000101010101" pitchFamily="50" charset="-127"/>
+                <a:ea typeface="나눔스퀘어 ExtraBold" panose="020B0600000101010101" pitchFamily="50" charset="-127"/>
+              </a:rPr>
+              <a:t>	</a:t>
+            </a:r>
+            <a:r>
+              <a:rPr lang="en-US" altLang="ko-KR" sz="1600" i="1" u="sng" spc="100" dirty="0">
+                <a:solidFill>
+                  <a:schemeClr val="tx1">
+                    <a:lumMod val="75000"/>
+                    <a:lumOff val="25000"/>
+                  </a:schemeClr>
+                </a:solidFill>
+                <a:latin typeface="나눔스퀘어 ExtraBold" panose="020B0600000101010101" pitchFamily="50" charset="-127"/>
+                <a:ea typeface="나눔스퀘어 ExtraBold" panose="020B0600000101010101" pitchFamily="50" charset="-127"/>
+              </a:rPr>
+              <a:t>new Object()</a:t>
+            </a:r>
+            <a:r>
+              <a:rPr lang="ko-KR" altLang="en-US" sz="1600" i="1" u="sng" spc="100" dirty="0">
+                <a:solidFill>
+                  <a:schemeClr val="tx1">
+                    <a:lumMod val="75000"/>
+                    <a:lumOff val="25000"/>
+                  </a:schemeClr>
+                </a:solidFill>
+                <a:latin typeface="나눔스퀘어 ExtraBold" panose="020B0600000101010101" pitchFamily="50" charset="-127"/>
+                <a:ea typeface="나눔스퀘어 ExtraBold" panose="020B0600000101010101" pitchFamily="50" charset="-127"/>
+              </a:rPr>
+              <a:t>를 호출하면 </a:t>
+            </a:r>
+            <a:r>
+              <a:rPr lang="ko-KR" altLang="en-US" sz="1600" i="1" u="sng" spc="100" dirty="0" err="1">
+                <a:solidFill>
+                  <a:schemeClr val="tx1">
+                    <a:lumMod val="75000"/>
+                    <a:lumOff val="25000"/>
+                  </a:schemeClr>
+                </a:solidFill>
+                <a:latin typeface="나눔스퀘어 ExtraBold" panose="020B0600000101010101" pitchFamily="50" charset="-127"/>
+                <a:ea typeface="나눔스퀘어 ExtraBold" panose="020B0600000101010101" pitchFamily="50" charset="-127"/>
+              </a:rPr>
+              <a:t>비어있는</a:t>
+            </a:r>
+            <a:r>
+              <a:rPr lang="ko-KR" altLang="en-US" sz="1600" i="1" u="sng" spc="100" dirty="0">
+                <a:solidFill>
+                  <a:schemeClr val="tx1">
+                    <a:lumMod val="75000"/>
+                    <a:lumOff val="25000"/>
+                  </a:schemeClr>
+                </a:solidFill>
+                <a:latin typeface="나눔스퀘어 ExtraBold" panose="020B0600000101010101" pitchFamily="50" charset="-127"/>
+                <a:ea typeface="나눔스퀘어 ExtraBold" panose="020B0600000101010101" pitchFamily="50" charset="-127"/>
+              </a:rPr>
+              <a:t> 객체를 생성한다</a:t>
+            </a:r>
+            <a:r>
+              <a:rPr lang="en-US" altLang="ko-KR" sz="1600" i="1" u="sng" spc="100" dirty="0">
+                <a:solidFill>
+                  <a:schemeClr val="tx1">
+                    <a:lumMod val="75000"/>
+                    <a:lumOff val="25000"/>
+                  </a:schemeClr>
+                </a:solidFill>
+                <a:latin typeface="나눔스퀘어 ExtraBold" panose="020B0600000101010101" pitchFamily="50" charset="-127"/>
+                <a:ea typeface="나눔스퀘어 ExtraBold" panose="020B0600000101010101" pitchFamily="50" charset="-127"/>
+              </a:rPr>
+              <a:t>.</a:t>
+            </a:r>
+          </a:p>
+          <a:p>
+            <a:pPr lvl="1"/>
+            <a:endParaRPr lang="en-US" altLang="ko-KR" sz="1600" i="1" u="sng" spc="100" dirty="0">
+              <a:solidFill>
+                <a:schemeClr val="tx1">
+                  <a:lumMod val="75000"/>
+                  <a:lumOff val="25000"/>
+                </a:schemeClr>
+              </a:solidFill>
+              <a:latin typeface="나눔스퀘어 ExtraBold" panose="020B0600000101010101" pitchFamily="50" charset="-127"/>
+              <a:ea typeface="나눔스퀘어 ExtraBold" panose="020B0600000101010101" pitchFamily="50" charset="-127"/>
+            </a:endParaRPr>
+          </a:p>
+          <a:p>
+            <a:pPr lvl="1"/>
+            <a:r>
+              <a:rPr lang="en-US" altLang="ko-KR" sz="2000" spc="100" dirty="0">
+                <a:solidFill>
+                  <a:schemeClr val="tx1">
+                    <a:lumMod val="75000"/>
+                    <a:lumOff val="25000"/>
+                  </a:schemeClr>
+                </a:solidFill>
+                <a:latin typeface="나눔스퀘어 ExtraBold" panose="020B0600000101010101" pitchFamily="50" charset="-127"/>
+                <a:ea typeface="나눔스퀘어 ExtraBold" panose="020B0600000101010101" pitchFamily="50" charset="-127"/>
+              </a:rPr>
+              <a:t>-&gt;</a:t>
+            </a:r>
+            <a:r>
+              <a:rPr lang="ko-KR" altLang="en-US" sz="2000" spc="100" dirty="0">
+                <a:solidFill>
+                  <a:schemeClr val="tx1">
+                    <a:lumMod val="75000"/>
+                    <a:lumOff val="25000"/>
+                  </a:schemeClr>
+                </a:solidFill>
+                <a:latin typeface="나눔스퀘어 ExtraBold" panose="020B0600000101010101" pitchFamily="50" charset="-127"/>
+                <a:ea typeface="나눔스퀘어 ExtraBold" panose="020B0600000101010101" pitchFamily="50" charset="-127"/>
+              </a:rPr>
+              <a:t> </a:t>
+            </a:r>
+            <a:r>
+              <a:rPr lang="ko-KR" altLang="en-US" sz="2000" spc="100" dirty="0" err="1">
+                <a:solidFill>
+                  <a:schemeClr val="tx1">
+                    <a:lumMod val="75000"/>
+                    <a:lumOff val="25000"/>
+                  </a:schemeClr>
+                </a:solidFill>
+                <a:latin typeface="나눔스퀘어 ExtraBold" panose="020B0600000101010101" pitchFamily="50" charset="-127"/>
+                <a:ea typeface="나눔스퀘어 ExtraBold" panose="020B0600000101010101" pitchFamily="50" charset="-127"/>
+              </a:rPr>
+              <a:t>생성자</a:t>
+            </a:r>
+            <a:r>
+              <a:rPr lang="ko-KR" altLang="en-US" sz="2000" spc="100" dirty="0">
+                <a:solidFill>
+                  <a:schemeClr val="tx1">
+                    <a:lumMod val="75000"/>
+                    <a:lumOff val="25000"/>
+                  </a:schemeClr>
+                </a:solidFill>
+                <a:latin typeface="나눔스퀘어 ExtraBold" panose="020B0600000101010101" pitchFamily="50" charset="-127"/>
+                <a:ea typeface="나눔스퀘어 ExtraBold" panose="020B0600000101010101" pitchFamily="50" charset="-127"/>
+              </a:rPr>
+              <a:t> 함수</a:t>
+            </a:r>
+            <a:endParaRPr lang="en-US" altLang="ko-KR" sz="2000" spc="100" dirty="0">
+              <a:solidFill>
+                <a:schemeClr val="tx1">
+                  <a:lumMod val="75000"/>
+                  <a:lumOff val="25000"/>
+                </a:schemeClr>
+              </a:solidFill>
+              <a:latin typeface="나눔스퀘어 ExtraBold" panose="020B0600000101010101" pitchFamily="50" charset="-127"/>
+              <a:ea typeface="나눔스퀘어 ExtraBold" panose="020B0600000101010101" pitchFamily="50" charset="-127"/>
+            </a:endParaRPr>
+          </a:p>
+          <a:p>
+            <a:pPr lvl="1"/>
+            <a:r>
+              <a:rPr lang="en-US" altLang="ko-KR" sz="2000" spc="100" dirty="0">
+                <a:solidFill>
+                  <a:schemeClr val="tx1">
+                    <a:lumMod val="75000"/>
+                    <a:lumOff val="25000"/>
+                  </a:schemeClr>
+                </a:solidFill>
+                <a:latin typeface="나눔스퀘어 ExtraBold" panose="020B0600000101010101" pitchFamily="50" charset="-127"/>
+                <a:ea typeface="나눔스퀘어 ExtraBold" panose="020B0600000101010101" pitchFamily="50" charset="-127"/>
+              </a:rPr>
+              <a:t>	</a:t>
+            </a:r>
+            <a:r>
+              <a:rPr lang="ko-KR" altLang="en-US" sz="1600" i="1" u="sng" spc="100" dirty="0">
+                <a:solidFill>
+                  <a:schemeClr val="tx1">
+                    <a:lumMod val="75000"/>
+                    <a:lumOff val="25000"/>
+                  </a:schemeClr>
+                </a:solidFill>
+                <a:latin typeface="나눔스퀘어 ExtraBold" panose="020B0600000101010101" pitchFamily="50" charset="-127"/>
+                <a:ea typeface="나눔스퀘어 ExtraBold" panose="020B0600000101010101" pitchFamily="50" charset="-127"/>
+              </a:rPr>
+              <a:t>기존 함수에 </a:t>
+            </a:r>
+            <a:r>
+              <a:rPr lang="en-US" altLang="ko-KR" sz="1600" i="1" u="sng" spc="100" dirty="0">
+                <a:solidFill>
+                  <a:schemeClr val="tx1">
+                    <a:lumMod val="75000"/>
+                    <a:lumOff val="25000"/>
+                  </a:schemeClr>
+                </a:solidFill>
+                <a:latin typeface="나눔스퀘어 ExtraBold" panose="020B0600000101010101" pitchFamily="50" charset="-127"/>
+                <a:ea typeface="나눔스퀘어 ExtraBold" panose="020B0600000101010101" pitchFamily="50" charset="-127"/>
+              </a:rPr>
+              <a:t>new </a:t>
+            </a:r>
+            <a:r>
+              <a:rPr lang="ko-KR" altLang="en-US" sz="1600" i="1" u="sng" spc="100" dirty="0">
+                <a:solidFill>
+                  <a:schemeClr val="tx1">
+                    <a:lumMod val="75000"/>
+                    <a:lumOff val="25000"/>
+                  </a:schemeClr>
+                </a:solidFill>
+                <a:latin typeface="나눔스퀘어 ExtraBold" panose="020B0600000101010101" pitchFamily="50" charset="-127"/>
+                <a:ea typeface="나눔스퀘어 ExtraBold" panose="020B0600000101010101" pitchFamily="50" charset="-127"/>
+              </a:rPr>
+              <a:t>연산자를 붙여서 호출하면</a:t>
+            </a:r>
+            <a:r>
+              <a:rPr lang="en-US" altLang="ko-KR" sz="1600" i="1" u="sng" spc="100" dirty="0">
+                <a:solidFill>
+                  <a:schemeClr val="tx1">
+                    <a:lumMod val="75000"/>
+                    <a:lumOff val="25000"/>
+                  </a:schemeClr>
+                </a:solidFill>
+                <a:latin typeface="나눔스퀘어 ExtraBold" panose="020B0600000101010101" pitchFamily="50" charset="-127"/>
+                <a:ea typeface="나눔스퀘어 ExtraBold" panose="020B0600000101010101" pitchFamily="50" charset="-127"/>
+              </a:rPr>
+              <a:t>,</a:t>
+            </a:r>
+            <a:r>
+              <a:rPr lang="ko-KR" altLang="en-US" sz="1600" i="1" u="sng" spc="100" dirty="0">
+                <a:solidFill>
+                  <a:schemeClr val="tx1">
+                    <a:lumMod val="75000"/>
+                    <a:lumOff val="25000"/>
+                  </a:schemeClr>
+                </a:solidFill>
+                <a:latin typeface="나눔스퀘어 ExtraBold" panose="020B0600000101010101" pitchFamily="50" charset="-127"/>
+                <a:ea typeface="나눔스퀘어 ExtraBold" panose="020B0600000101010101" pitchFamily="50" charset="-127"/>
+              </a:rPr>
+              <a:t> 해당 함수는 </a:t>
+            </a:r>
+            <a:r>
+              <a:rPr lang="ko-KR" altLang="en-US" sz="1600" i="1" u="sng" spc="100" dirty="0" err="1">
+                <a:solidFill>
+                  <a:schemeClr val="tx1">
+                    <a:lumMod val="75000"/>
+                    <a:lumOff val="25000"/>
+                  </a:schemeClr>
+                </a:solidFill>
+                <a:latin typeface="나눔스퀘어 ExtraBold" panose="020B0600000101010101" pitchFamily="50" charset="-127"/>
+                <a:ea typeface="나눔스퀘어 ExtraBold" panose="020B0600000101010101" pitchFamily="50" charset="-127"/>
+              </a:rPr>
+              <a:t>생성자</a:t>
+            </a:r>
+            <a:r>
+              <a:rPr lang="ko-KR" altLang="en-US" sz="1600" i="1" u="sng" spc="100" dirty="0">
+                <a:solidFill>
+                  <a:schemeClr val="tx1">
+                    <a:lumMod val="75000"/>
+                    <a:lumOff val="25000"/>
+                  </a:schemeClr>
+                </a:solidFill>
+                <a:latin typeface="나눔스퀘어 ExtraBold" panose="020B0600000101010101" pitchFamily="50" charset="-127"/>
+                <a:ea typeface="나눔스퀘어 ExtraBold" panose="020B0600000101010101" pitchFamily="50" charset="-127"/>
+              </a:rPr>
+              <a:t> 함수로 동작한다</a:t>
+            </a:r>
+            <a:r>
+              <a:rPr lang="en-US" altLang="ko-KR" sz="1600" i="1" u="sng" spc="100" dirty="0">
+                <a:solidFill>
+                  <a:schemeClr val="tx1">
+                    <a:lumMod val="75000"/>
+                    <a:lumOff val="25000"/>
+                  </a:schemeClr>
+                </a:solidFill>
+                <a:latin typeface="나눔스퀘어 ExtraBold" panose="020B0600000101010101" pitchFamily="50" charset="-127"/>
+                <a:ea typeface="나눔스퀘어 ExtraBold" panose="020B0600000101010101" pitchFamily="50" charset="-127"/>
+              </a:rPr>
+              <a:t>.</a:t>
+            </a:r>
+          </a:p>
+          <a:p>
+            <a:pPr lvl="1"/>
+            <a:endParaRPr lang="en-US" altLang="ko-KR" sz="2000" u="sng" spc="100" dirty="0">
+              <a:solidFill>
+                <a:schemeClr val="tx1">
+                  <a:lumMod val="75000"/>
+                  <a:lumOff val="25000"/>
+                </a:schemeClr>
+              </a:solidFill>
+              <a:latin typeface="나눔스퀘어 ExtraBold" panose="020B0600000101010101" pitchFamily="50" charset="-127"/>
+              <a:ea typeface="나눔스퀘어 ExtraBold" panose="020B0600000101010101" pitchFamily="50" charset="-127"/>
+            </a:endParaRPr>
+          </a:p>
+          <a:p>
+            <a:pPr lvl="1"/>
+            <a:r>
+              <a:rPr lang="en-US" altLang="ko-KR" sz="2000" spc="100" dirty="0">
+                <a:solidFill>
+                  <a:schemeClr val="tx1">
+                    <a:lumMod val="75000"/>
+                    <a:lumOff val="25000"/>
+                  </a:schemeClr>
+                </a:solidFill>
+                <a:latin typeface="나눔스퀘어 ExtraBold" panose="020B0600000101010101" pitchFamily="50" charset="-127"/>
+                <a:ea typeface="나눔스퀘어 ExtraBold" panose="020B0600000101010101" pitchFamily="50" charset="-127"/>
+              </a:rPr>
+              <a:t>-&gt;</a:t>
+            </a:r>
+            <a:r>
+              <a:rPr lang="ko-KR" altLang="en-US" sz="2000" spc="100" dirty="0">
+                <a:solidFill>
+                  <a:schemeClr val="tx1">
+                    <a:lumMod val="75000"/>
+                    <a:lumOff val="25000"/>
+                  </a:schemeClr>
+                </a:solidFill>
+                <a:latin typeface="나눔스퀘어 ExtraBold" panose="020B0600000101010101" pitchFamily="50" charset="-127"/>
+                <a:ea typeface="나눔스퀘어 ExtraBold" panose="020B0600000101010101" pitchFamily="50" charset="-127"/>
+              </a:rPr>
+              <a:t> </a:t>
+            </a:r>
+            <a:r>
+              <a:rPr lang="en-US" altLang="ko-KR" sz="2000" spc="100" dirty="0" err="1">
+                <a:solidFill>
+                  <a:schemeClr val="tx1">
+                    <a:lumMod val="75000"/>
+                    <a:lumOff val="25000"/>
+                  </a:schemeClr>
+                </a:solidFill>
+                <a:latin typeface="나눔스퀘어 ExtraBold" panose="020B0600000101010101" pitchFamily="50" charset="-127"/>
+                <a:ea typeface="나눔스퀘어 ExtraBold" panose="020B0600000101010101" pitchFamily="50" charset="-127"/>
+              </a:rPr>
+              <a:t>Object.create</a:t>
+            </a:r>
+            <a:r>
+              <a:rPr lang="ko-KR" altLang="en-US" sz="2000" spc="100" dirty="0">
+                <a:solidFill>
+                  <a:schemeClr val="tx1">
+                    <a:lumMod val="75000"/>
+                    <a:lumOff val="25000"/>
+                  </a:schemeClr>
+                </a:solidFill>
+                <a:latin typeface="나눔스퀘어 ExtraBold" panose="020B0600000101010101" pitchFamily="50" charset="-127"/>
+                <a:ea typeface="나눔스퀘어 ExtraBold" panose="020B0600000101010101" pitchFamily="50" charset="-127"/>
+              </a:rPr>
+              <a:t> 메서드</a:t>
+            </a:r>
+            <a:endParaRPr lang="en-US" altLang="ko-KR" sz="2000" spc="100" dirty="0">
+              <a:solidFill>
+                <a:schemeClr val="tx1">
+                  <a:lumMod val="75000"/>
+                  <a:lumOff val="25000"/>
+                </a:schemeClr>
+              </a:solidFill>
+              <a:latin typeface="나눔스퀘어 ExtraBold" panose="020B0600000101010101" pitchFamily="50" charset="-127"/>
+              <a:ea typeface="나눔스퀘어 ExtraBold" panose="020B0600000101010101" pitchFamily="50" charset="-127"/>
+            </a:endParaRPr>
+          </a:p>
+          <a:p>
+            <a:pPr lvl="1"/>
+            <a:r>
+              <a:rPr lang="en-US" altLang="ko-KR" sz="1600" i="1" spc="100" dirty="0">
+                <a:solidFill>
+                  <a:schemeClr val="tx1">
+                    <a:lumMod val="75000"/>
+                    <a:lumOff val="25000"/>
+                  </a:schemeClr>
+                </a:solidFill>
+                <a:latin typeface="나눔스퀘어 ExtraBold" panose="020B0600000101010101" pitchFamily="50" charset="-127"/>
+                <a:ea typeface="나눔스퀘어 ExtraBold" panose="020B0600000101010101" pitchFamily="50" charset="-127"/>
+              </a:rPr>
+              <a:t>	</a:t>
+            </a:r>
+            <a:r>
+              <a:rPr lang="ko-KR" altLang="en-US" sz="1600" i="1" u="sng" spc="100" dirty="0">
+                <a:solidFill>
+                  <a:schemeClr val="tx1">
+                    <a:lumMod val="75000"/>
+                    <a:lumOff val="25000"/>
+                  </a:schemeClr>
+                </a:solidFill>
+                <a:latin typeface="나눔스퀘어 ExtraBold" panose="020B0600000101010101" pitchFamily="50" charset="-127"/>
+                <a:ea typeface="나눔스퀘어 ExtraBold" panose="020B0600000101010101" pitchFamily="50" charset="-127"/>
+              </a:rPr>
+              <a:t>지정된 </a:t>
+            </a:r>
+            <a:r>
+              <a:rPr lang="ko-KR" altLang="en-US" sz="1600" i="1" u="sng" spc="100" dirty="0" err="1">
+                <a:solidFill>
+                  <a:schemeClr val="tx1">
+                    <a:lumMod val="75000"/>
+                    <a:lumOff val="25000"/>
+                  </a:schemeClr>
+                </a:solidFill>
+                <a:latin typeface="나눔스퀘어 ExtraBold" panose="020B0600000101010101" pitchFamily="50" charset="-127"/>
+                <a:ea typeface="나눔스퀘어 ExtraBold" panose="020B0600000101010101" pitchFamily="50" charset="-127"/>
+              </a:rPr>
+              <a:t>프로토타입</a:t>
+            </a:r>
+            <a:r>
+              <a:rPr lang="ko-KR" altLang="en-US" sz="1600" i="1" u="sng" spc="100" dirty="0">
+                <a:solidFill>
+                  <a:schemeClr val="tx1">
+                    <a:lumMod val="75000"/>
+                    <a:lumOff val="25000"/>
+                  </a:schemeClr>
+                </a:solidFill>
+                <a:latin typeface="나눔스퀘어 ExtraBold" panose="020B0600000101010101" pitchFamily="50" charset="-127"/>
+                <a:ea typeface="나눔스퀘어 ExtraBold" panose="020B0600000101010101" pitchFamily="50" charset="-127"/>
+              </a:rPr>
+              <a:t> 객체와 </a:t>
+            </a:r>
+            <a:r>
+              <a:rPr lang="ko-KR" altLang="en-US" sz="1600" i="1" u="sng" spc="100" dirty="0" err="1">
+                <a:solidFill>
+                  <a:schemeClr val="tx1">
+                    <a:lumMod val="75000"/>
+                    <a:lumOff val="25000"/>
+                  </a:schemeClr>
+                </a:solidFill>
+                <a:latin typeface="나눔스퀘어 ExtraBold" panose="020B0600000101010101" pitchFamily="50" charset="-127"/>
+                <a:ea typeface="나눔스퀘어 ExtraBold" panose="020B0600000101010101" pitchFamily="50" charset="-127"/>
+              </a:rPr>
+              <a:t>프로퍼티를</a:t>
+            </a:r>
+            <a:r>
+              <a:rPr lang="ko-KR" altLang="en-US" sz="1600" i="1" u="sng" spc="100" dirty="0">
+                <a:solidFill>
+                  <a:schemeClr val="tx1">
+                    <a:lumMod val="75000"/>
+                    <a:lumOff val="25000"/>
+                  </a:schemeClr>
+                </a:solidFill>
+                <a:latin typeface="나눔스퀘어 ExtraBold" panose="020B0600000101010101" pitchFamily="50" charset="-127"/>
+                <a:ea typeface="나눔스퀘어 ExtraBold" panose="020B0600000101010101" pitchFamily="50" charset="-127"/>
+              </a:rPr>
+              <a:t> 가지고 새로운 객체를 생성한다</a:t>
+            </a:r>
+            <a:r>
+              <a:rPr lang="en-US" altLang="ko-KR" sz="1600" i="1" u="sng" spc="100" dirty="0">
+                <a:solidFill>
+                  <a:schemeClr val="tx1">
+                    <a:lumMod val="75000"/>
+                    <a:lumOff val="25000"/>
+                  </a:schemeClr>
+                </a:solidFill>
+                <a:latin typeface="나눔스퀘어 ExtraBold" panose="020B0600000101010101" pitchFamily="50" charset="-127"/>
+                <a:ea typeface="나눔스퀘어 ExtraBold" panose="020B0600000101010101" pitchFamily="50" charset="-127"/>
+              </a:rPr>
+              <a:t>.</a:t>
+            </a:r>
+          </a:p>
+          <a:p>
+            <a:pPr lvl="1"/>
+            <a:endParaRPr lang="en-US" altLang="ko-KR" sz="2000" spc="100" dirty="0">
+              <a:solidFill>
+                <a:schemeClr val="tx1">
+                  <a:lumMod val="75000"/>
+                  <a:lumOff val="25000"/>
+                </a:schemeClr>
+              </a:solidFill>
+              <a:latin typeface="나눔스퀘어 ExtraBold" panose="020B0600000101010101" pitchFamily="50" charset="-127"/>
+              <a:ea typeface="나눔스퀘어 ExtraBold" panose="020B0600000101010101" pitchFamily="50" charset="-127"/>
+            </a:endParaRPr>
+          </a:p>
+          <a:p>
+            <a:pPr lvl="1"/>
+            <a:r>
+              <a:rPr lang="en-US" altLang="ko-KR" sz="2000" spc="100" dirty="0">
+                <a:solidFill>
+                  <a:schemeClr val="tx1">
+                    <a:lumMod val="75000"/>
+                    <a:lumOff val="25000"/>
+                  </a:schemeClr>
+                </a:solidFill>
+                <a:latin typeface="나눔스퀘어 ExtraBold" panose="020B0600000101010101" pitchFamily="50" charset="-127"/>
+                <a:ea typeface="나눔스퀘어 ExtraBold" panose="020B0600000101010101" pitchFamily="50" charset="-127"/>
+              </a:rPr>
+              <a:t>-&gt;</a:t>
+            </a:r>
+            <a:r>
+              <a:rPr lang="ko-KR" altLang="en-US" sz="2000" spc="100" dirty="0">
+                <a:solidFill>
+                  <a:schemeClr val="tx1">
+                    <a:lumMod val="75000"/>
+                    <a:lumOff val="25000"/>
+                  </a:schemeClr>
+                </a:solidFill>
+                <a:latin typeface="나눔스퀘어 ExtraBold" panose="020B0600000101010101" pitchFamily="50" charset="-127"/>
+                <a:ea typeface="나눔스퀘어 ExtraBold" panose="020B0600000101010101" pitchFamily="50" charset="-127"/>
+              </a:rPr>
+              <a:t> 클래스</a:t>
+            </a:r>
+            <a:r>
+              <a:rPr lang="en-US" altLang="ko-KR" sz="2000" spc="100" dirty="0">
+                <a:solidFill>
+                  <a:schemeClr val="tx1">
+                    <a:lumMod val="75000"/>
+                    <a:lumOff val="25000"/>
+                  </a:schemeClr>
+                </a:solidFill>
+                <a:latin typeface="나눔스퀘어 ExtraBold" panose="020B0600000101010101" pitchFamily="50" charset="-127"/>
+                <a:ea typeface="나눔스퀘어 ExtraBold" panose="020B0600000101010101" pitchFamily="50" charset="-127"/>
+              </a:rPr>
+              <a:t>(ES6)</a:t>
+            </a:r>
+            <a:r>
+              <a:rPr lang="ko-KR" altLang="en-US" sz="2000" spc="100" dirty="0">
+                <a:solidFill>
+                  <a:schemeClr val="tx1">
+                    <a:lumMod val="75000"/>
+                    <a:lumOff val="25000"/>
+                  </a:schemeClr>
+                </a:solidFill>
+                <a:latin typeface="나눔스퀘어 ExtraBold" panose="020B0600000101010101" pitchFamily="50" charset="-127"/>
+                <a:ea typeface="나눔스퀘어 ExtraBold" panose="020B0600000101010101" pitchFamily="50" charset="-127"/>
+              </a:rPr>
+              <a:t> 객체 </a:t>
+            </a:r>
+            <a:endParaRPr lang="en-US" altLang="ko-KR" sz="2000" spc="100" dirty="0">
+              <a:solidFill>
+                <a:schemeClr val="tx1">
+                  <a:lumMod val="75000"/>
+                  <a:lumOff val="25000"/>
+                </a:schemeClr>
+              </a:solidFill>
+              <a:latin typeface="나눔스퀘어 ExtraBold" panose="020B0600000101010101" pitchFamily="50" charset="-127"/>
+              <a:ea typeface="나눔스퀘어 ExtraBold" panose="020B0600000101010101" pitchFamily="50" charset="-127"/>
+            </a:endParaRPr>
+          </a:p>
+          <a:p>
+            <a:pPr lvl="1"/>
+            <a:endParaRPr lang="en-US" altLang="ko-KR" sz="2000" spc="100" dirty="0">
+              <a:solidFill>
+                <a:schemeClr val="tx1">
+                  <a:lumMod val="75000"/>
+                  <a:lumOff val="25000"/>
+                </a:schemeClr>
+              </a:solidFill>
+              <a:latin typeface="나눔스퀘어 ExtraBold" panose="020B0600000101010101" pitchFamily="50" charset="-127"/>
+              <a:ea typeface="나눔스퀘어 ExtraBold" panose="020B0600000101010101" pitchFamily="50" charset="-127"/>
+            </a:endParaRPr>
+          </a:p>
+        </p:txBody>
+      </p:sp>
       <p:cxnSp>
         <p:nvCxnSpPr>
-          <p:cNvPr id="3" name="직선 연결선 2">
-            <a:extLst>
-              <a:ext uri="{FF2B5EF4-FFF2-40B4-BE49-F238E27FC236}">
-                <a16:creationId xmlns:a16="http://schemas.microsoft.com/office/drawing/2014/main" id="{F55676F0-C433-4456-BB57-3E5832581EF6}"/>
+          <p:cNvPr id="18" name="직선 연결선 8">
+            <a:extLst>
+              <a:ext uri="{FF2B5EF4-FFF2-40B4-BE49-F238E27FC236}">
+                <a16:creationId xmlns:a16="http://schemas.microsoft.com/office/drawing/2014/main" id="{62055FFE-6941-B44D-8062-F354E1057F6E}"/>
               </a:ext>
             </a:extLst>
           </p:cNvPr>
@@ -10614,8 +12169,8 @@
         </p:nvCxnSpPr>
         <p:spPr>
           <a:xfrm>
-            <a:off x="8961120" y="696814"/>
-            <a:ext cx="2954657" cy="0"/>
+            <a:off x="1458097" y="1697558"/>
+            <a:ext cx="8526162" cy="0"/>
           </a:xfrm>
           <a:prstGeom prst="line">
             <a:avLst/>
@@ -10641,180 +12196,12 @@
           </a:fontRef>
         </p:style>
       </p:cxnSp>
-      <p:sp>
-        <p:nvSpPr>
-          <p:cNvPr id="6" name="TextBox 5">
-            <a:extLst>
-              <a:ext uri="{FF2B5EF4-FFF2-40B4-BE49-F238E27FC236}">
-                <a16:creationId xmlns:a16="http://schemas.microsoft.com/office/drawing/2014/main" id="{C7B00371-8BBF-468F-BAB5-3B58CE59B669}"/>
-              </a:ext>
-            </a:extLst>
-          </p:cNvPr>
-          <p:cNvSpPr txBox="1"/>
-          <p:nvPr/>
-        </p:nvSpPr>
-        <p:spPr>
-          <a:xfrm>
-            <a:off x="8961119" y="310773"/>
-            <a:ext cx="2954657" cy="400110"/>
-          </a:xfrm>
-          <a:prstGeom prst="rect">
-            <a:avLst/>
-          </a:prstGeom>
-          <a:noFill/>
-        </p:spPr>
-        <p:txBody>
-          <a:bodyPr wrap="square" rtlCol="0">
-            <a:spAutoFit/>
-          </a:bodyPr>
-          <a:lstStyle/>
-          <a:p>
-            <a:pPr algn="ctr"/>
-            <a:r>
-              <a:rPr lang="ko-KR" altLang="en-US" sz="2000" dirty="0" err="1">
-                <a:solidFill>
-                  <a:schemeClr val="tx2">
-                    <a:lumMod val="50000"/>
-                  </a:schemeClr>
-                </a:solidFill>
-                <a:latin typeface="나눔스퀘어 ExtraBold" panose="020B0600000101010101" pitchFamily="50" charset="-127"/>
-                <a:ea typeface="나눔스퀘어 ExtraBold" panose="020B0600000101010101" pitchFamily="50" charset="-127"/>
-              </a:rPr>
-              <a:t>캡스톤</a:t>
-            </a:r>
-            <a:r>
-              <a:rPr lang="ko-KR" altLang="en-US" sz="2000" dirty="0">
-                <a:solidFill>
-                  <a:schemeClr val="tx2">
-                    <a:lumMod val="50000"/>
-                  </a:schemeClr>
-                </a:solidFill>
-                <a:latin typeface="나눔스퀘어 ExtraBold" panose="020B0600000101010101" pitchFamily="50" charset="-127"/>
-                <a:ea typeface="나눔스퀘어 ExtraBold" panose="020B0600000101010101" pitchFamily="50" charset="-127"/>
-              </a:rPr>
-              <a:t> 디자인 </a:t>
-            </a:r>
-            <a:r>
-              <a:rPr lang="en-US" altLang="ko-KR" sz="2000" dirty="0">
-                <a:solidFill>
-                  <a:schemeClr val="tx2">
-                    <a:lumMod val="50000"/>
-                  </a:schemeClr>
-                </a:solidFill>
-                <a:latin typeface="나눔스퀘어 ExtraBold" panose="020B0600000101010101" pitchFamily="50" charset="-127"/>
-                <a:ea typeface="나눔스퀘어 ExtraBold" panose="020B0600000101010101" pitchFamily="50" charset="-127"/>
-              </a:rPr>
-              <a:t>7</a:t>
-            </a:r>
-            <a:r>
-              <a:rPr lang="ko-KR" altLang="en-US" sz="2000" dirty="0">
-                <a:solidFill>
-                  <a:schemeClr val="tx2">
-                    <a:lumMod val="50000"/>
-                  </a:schemeClr>
-                </a:solidFill>
-                <a:latin typeface="나눔스퀘어 ExtraBold" panose="020B0600000101010101" pitchFamily="50" charset="-127"/>
-                <a:ea typeface="나눔스퀘어 ExtraBold" panose="020B0600000101010101" pitchFamily="50" charset="-127"/>
-              </a:rPr>
-              <a:t>팀</a:t>
-            </a:r>
-            <a:endParaRPr lang="en-US" altLang="ko-KR" sz="2000" dirty="0">
-              <a:solidFill>
-                <a:schemeClr val="tx2">
-                  <a:lumMod val="50000"/>
-                </a:schemeClr>
-              </a:solidFill>
-              <a:latin typeface="나눔스퀘어 ExtraBold" panose="020B0600000101010101" pitchFamily="50" charset="-127"/>
-              <a:ea typeface="나눔스퀘어 ExtraBold" panose="020B0600000101010101" pitchFamily="50" charset="-127"/>
-            </a:endParaRPr>
-          </a:p>
-        </p:txBody>
-      </p:sp>
-      <p:sp>
-        <p:nvSpPr>
-          <p:cNvPr id="8" name="TextBox 7">
-            <a:extLst>
-              <a:ext uri="{FF2B5EF4-FFF2-40B4-BE49-F238E27FC236}">
-                <a16:creationId xmlns:a16="http://schemas.microsoft.com/office/drawing/2014/main" id="{5D0C9A45-A32B-45BB-B4DB-89BAF7E41E6D}"/>
-              </a:ext>
-            </a:extLst>
-          </p:cNvPr>
-          <p:cNvSpPr txBox="1"/>
-          <p:nvPr/>
-        </p:nvSpPr>
-        <p:spPr>
-          <a:xfrm>
-            <a:off x="276223" y="310773"/>
-            <a:ext cx="5683706" cy="553998"/>
-          </a:xfrm>
-          <a:prstGeom prst="rect">
-            <a:avLst/>
-          </a:prstGeom>
-          <a:noFill/>
-        </p:spPr>
-        <p:txBody>
-          <a:bodyPr wrap="square" rtlCol="0">
-            <a:spAutoFit/>
-          </a:bodyPr>
-          <a:lstStyle/>
-          <a:p>
-            <a:r>
-              <a:rPr lang="en-US" altLang="ko-KR" sz="3000" spc="100" dirty="0">
-                <a:solidFill>
-                  <a:schemeClr val="tx2">
-                    <a:lumMod val="50000"/>
-                  </a:schemeClr>
-                </a:solidFill>
-                <a:latin typeface="나눔스퀘어 ExtraBold" panose="020B0600000101010101" pitchFamily="50" charset="-127"/>
-                <a:ea typeface="나눔스퀘어 ExtraBold" panose="020B0600000101010101" pitchFamily="50" charset="-127"/>
-              </a:rPr>
-              <a:t>2. </a:t>
-            </a:r>
-            <a:r>
-              <a:rPr lang="ko-KR" altLang="en-US" sz="3000" spc="100" dirty="0">
-                <a:solidFill>
-                  <a:schemeClr val="tx2">
-                    <a:lumMod val="50000"/>
-                  </a:schemeClr>
-                </a:solidFill>
-                <a:latin typeface="나눔스퀘어 ExtraBold" panose="020B0600000101010101" pitchFamily="50" charset="-127"/>
-                <a:ea typeface="나눔스퀘어 ExtraBold" panose="020B0600000101010101" pitchFamily="50" charset="-127"/>
-              </a:rPr>
-              <a:t>객체 </a:t>
-            </a:r>
-            <a:r>
-              <a:rPr lang="ko-KR" altLang="en-US" sz="3000" spc="100" dirty="0" err="1">
-                <a:solidFill>
-                  <a:schemeClr val="tx2">
-                    <a:lumMod val="50000"/>
-                  </a:schemeClr>
-                </a:solidFill>
-                <a:latin typeface="나눔스퀘어 ExtraBold" panose="020B0600000101010101" pitchFamily="50" charset="-127"/>
-                <a:ea typeface="나눔스퀘어 ExtraBold" panose="020B0600000101010101" pitchFamily="50" charset="-127"/>
-              </a:rPr>
-              <a:t>리터럴에</a:t>
-            </a:r>
-            <a:r>
-              <a:rPr lang="ko-KR" altLang="en-US" sz="3000" spc="100" dirty="0">
-                <a:solidFill>
-                  <a:schemeClr val="tx2">
-                    <a:lumMod val="50000"/>
-                  </a:schemeClr>
-                </a:solidFill>
-                <a:latin typeface="나눔스퀘어 ExtraBold" panose="020B0600000101010101" pitchFamily="50" charset="-127"/>
-                <a:ea typeface="나눔스퀘어 ExtraBold" panose="020B0600000101010101" pitchFamily="50" charset="-127"/>
-              </a:rPr>
-              <a:t> 의한 객체 생성</a:t>
-            </a:r>
-          </a:p>
-        </p:txBody>
-      </p:sp>
       <p:cxnSp>
         <p:nvCxnSpPr>
-          <p:cNvPr id="9" name="직선 연결선 8">
-            <a:extLst>
-              <a:ext uri="{FF2B5EF4-FFF2-40B4-BE49-F238E27FC236}">
-                <a16:creationId xmlns:a16="http://schemas.microsoft.com/office/drawing/2014/main" id="{5140239F-7841-40D4-B023-7486FD09274D}"/>
+          <p:cNvPr id="2" name="직선 연결선 1">
+            <a:extLst>
+              <a:ext uri="{FF2B5EF4-FFF2-40B4-BE49-F238E27FC236}">
+                <a16:creationId xmlns:a16="http://schemas.microsoft.com/office/drawing/2014/main" id="{6C63AD93-E820-5E63-F09C-9B07E0A3839B}"/>
               </a:ext>
             </a:extLst>
           </p:cNvPr>
@@ -10825,8 +12212,8 @@
         </p:nvCxnSpPr>
         <p:spPr>
           <a:xfrm>
-            <a:off x="8961120" y="267285"/>
-            <a:ext cx="2954657" cy="0"/>
+            <a:off x="10337785" y="696814"/>
+            <a:ext cx="1577992" cy="0"/>
           </a:xfrm>
           <a:prstGeom prst="line">
             <a:avLst/>
@@ -10854,10 +12241,10 @@
       </p:cxnSp>
       <p:sp>
         <p:nvSpPr>
-          <p:cNvPr id="14" name="TextBox 13">
-            <a:extLst>
-              <a:ext uri="{FF2B5EF4-FFF2-40B4-BE49-F238E27FC236}">
-                <a16:creationId xmlns:a16="http://schemas.microsoft.com/office/drawing/2014/main" id="{FDB51A8E-5079-2946-810C-CBE885B1064A}"/>
+          <p:cNvPr id="4" name="TextBox 3">
+            <a:extLst>
+              <a:ext uri="{FF2B5EF4-FFF2-40B4-BE49-F238E27FC236}">
+                <a16:creationId xmlns:a16="http://schemas.microsoft.com/office/drawing/2014/main" id="{9D411F54-15BB-19A0-1E1C-AB5AFE1B6230}"/>
               </a:ext>
             </a:extLst>
           </p:cNvPr>
@@ -10866,8 +12253,8 @@
         </p:nvSpPr>
         <p:spPr>
           <a:xfrm>
-            <a:off x="1028737" y="1322164"/>
-            <a:ext cx="10030560" cy="4832092"/>
+            <a:off x="10337785" y="310773"/>
+            <a:ext cx="1577991" cy="400110"/>
           </a:xfrm>
           <a:prstGeom prst="rect">
             <a:avLst/>
@@ -10880,795 +12267,73 @@
           </a:bodyPr>
           <a:lstStyle/>
           <a:p>
-            <a:pPr marL="342900" indent="-342900">
-              <a:buFont typeface="Arial" panose="020B0604020202020204" pitchFamily="34" charset="0"/>
-              <a:buChar char="•"/>
-            </a:pPr>
-            <a:r>
-              <a:rPr lang="ko-KR" altLang="en-US" sz="2000" spc="100" dirty="0">
-                <a:solidFill>
-                  <a:schemeClr val="tx1">
-                    <a:lumMod val="75000"/>
-                    <a:lumOff val="25000"/>
-                  </a:schemeClr>
-                </a:solidFill>
-                <a:latin typeface="나눔스퀘어 ExtraBold" panose="020B0600000101010101" pitchFamily="50" charset="-127"/>
-                <a:ea typeface="나눔스퀘어 ExtraBold" panose="020B0600000101010101" pitchFamily="50" charset="-127"/>
-              </a:rPr>
-              <a:t>자바스크립트는 클래스 개념이 없고 별도의 다양한 객체 생성 방법이 존재하다</a:t>
-            </a:r>
-            <a:r>
-              <a:rPr lang="en-US" altLang="ko-KR" sz="2000" spc="100" dirty="0">
-                <a:solidFill>
-                  <a:schemeClr val="tx1">
-                    <a:lumMod val="75000"/>
-                    <a:lumOff val="25000"/>
-                  </a:schemeClr>
-                </a:solidFill>
-                <a:latin typeface="나눔스퀘어 ExtraBold" panose="020B0600000101010101" pitchFamily="50" charset="-127"/>
-                <a:ea typeface="나눔스퀘어 ExtraBold" panose="020B0600000101010101" pitchFamily="50" charset="-127"/>
-              </a:rPr>
-              <a:t>.</a:t>
-            </a:r>
-          </a:p>
-          <a:p>
-            <a:endParaRPr lang="en-US" altLang="ko-KR" sz="2000" spc="100" dirty="0">
+            <a:pPr algn="ctr"/>
+            <a:r>
+              <a:rPr lang="ko-KR" altLang="en-US" sz="2000" dirty="0" err="1">
+                <a:solidFill>
+                  <a:schemeClr val="tx2">
+                    <a:lumMod val="50000"/>
+                  </a:schemeClr>
+                </a:solidFill>
+                <a:latin typeface="나눔스퀘어 ExtraBold" panose="020B0600000101010101" pitchFamily="50" charset="-127"/>
+                <a:ea typeface="나눔스퀘어 ExtraBold" panose="020B0600000101010101" pitchFamily="50" charset="-127"/>
+              </a:rPr>
+              <a:t>컴공특</a:t>
+            </a:r>
+            <a:r>
+              <a:rPr lang="ko-KR" altLang="en-US" sz="2000" dirty="0">
+                <a:solidFill>
+                  <a:schemeClr val="tx2">
+                    <a:lumMod val="50000"/>
+                  </a:schemeClr>
+                </a:solidFill>
+                <a:latin typeface="나눔스퀘어 ExtraBold" panose="020B0600000101010101" pitchFamily="50" charset="-127"/>
+                <a:ea typeface="나눔스퀘어 ExtraBold" panose="020B0600000101010101" pitchFamily="50" charset="-127"/>
+              </a:rPr>
+              <a:t> </a:t>
+            </a:r>
+            <a:r>
+              <a:rPr lang="en-US" altLang="ko-KR" sz="2000" dirty="0">
+                <a:solidFill>
+                  <a:schemeClr val="tx2">
+                    <a:lumMod val="50000"/>
+                  </a:schemeClr>
+                </a:solidFill>
+                <a:latin typeface="나눔스퀘어 ExtraBold" panose="020B0600000101010101" pitchFamily="50" charset="-127"/>
+                <a:ea typeface="나눔스퀘어 ExtraBold" panose="020B0600000101010101" pitchFamily="50" charset="-127"/>
+              </a:rPr>
+              <a:t>3</a:t>
+            </a:r>
+            <a:r>
+              <a:rPr lang="ko-KR" altLang="en-US" sz="2000" dirty="0">
+                <a:solidFill>
+                  <a:schemeClr val="tx2">
+                    <a:lumMod val="50000"/>
+                  </a:schemeClr>
+                </a:solidFill>
+                <a:latin typeface="나눔스퀘어 ExtraBold" panose="020B0600000101010101" pitchFamily="50" charset="-127"/>
+                <a:ea typeface="나눔스퀘어 ExtraBold" panose="020B0600000101010101" pitchFamily="50" charset="-127"/>
+              </a:rPr>
+              <a:t>팀</a:t>
+            </a:r>
+            <a:endParaRPr lang="en-US" altLang="ko-KR" sz="2000" dirty="0">
               <a:solidFill>
-                <a:schemeClr val="tx1">
-                  <a:lumMod val="75000"/>
-                  <a:lumOff val="25000"/>
+                <a:schemeClr val="tx2">
+                  <a:lumMod val="50000"/>
                 </a:schemeClr>
               </a:solidFill>
               <a:latin typeface="나눔스퀘어 ExtraBold" panose="020B0600000101010101" pitchFamily="50" charset="-127"/>
               <a:ea typeface="나눔스퀘어 ExtraBold" panose="020B0600000101010101" pitchFamily="50" charset="-127"/>
             </a:endParaRPr>
           </a:p>
-          <a:p>
-            <a:pPr lvl="1"/>
-            <a:r>
-              <a:rPr lang="en-US" altLang="ko-KR" sz="2000" spc="100" dirty="0">
-                <a:solidFill>
-                  <a:schemeClr val="tx1">
-                    <a:lumMod val="75000"/>
-                    <a:lumOff val="25000"/>
-                  </a:schemeClr>
-                </a:solidFill>
-                <a:latin typeface="나눔스퀘어 ExtraBold" panose="020B0600000101010101" pitchFamily="50" charset="-127"/>
-                <a:ea typeface="나눔스퀘어 ExtraBold" panose="020B0600000101010101" pitchFamily="50" charset="-127"/>
-              </a:rPr>
-              <a:t>-&gt;</a:t>
-            </a:r>
-            <a:r>
-              <a:rPr lang="ko-KR" altLang="en-US" sz="2000" spc="100" dirty="0">
-                <a:solidFill>
-                  <a:schemeClr val="tx1">
-                    <a:lumMod val="75000"/>
-                    <a:lumOff val="25000"/>
-                  </a:schemeClr>
-                </a:solidFill>
-                <a:latin typeface="나눔스퀘어 ExtraBold" panose="020B0600000101010101" pitchFamily="50" charset="-127"/>
-                <a:ea typeface="나눔스퀘어 ExtraBold" panose="020B0600000101010101" pitchFamily="50" charset="-127"/>
-              </a:rPr>
-              <a:t> 객체 </a:t>
-            </a:r>
-            <a:r>
-              <a:rPr lang="ko-KR" altLang="en-US" sz="2000" spc="100" dirty="0" err="1">
-                <a:solidFill>
-                  <a:schemeClr val="tx1">
-                    <a:lumMod val="75000"/>
-                    <a:lumOff val="25000"/>
-                  </a:schemeClr>
-                </a:solidFill>
-                <a:latin typeface="나눔스퀘어 ExtraBold" panose="020B0600000101010101" pitchFamily="50" charset="-127"/>
-                <a:ea typeface="나눔스퀘어 ExtraBold" panose="020B0600000101010101" pitchFamily="50" charset="-127"/>
-              </a:rPr>
-              <a:t>리터럴</a:t>
-            </a:r>
-            <a:endParaRPr lang="en-US" altLang="ko-KR" sz="2000" spc="100" dirty="0">
-              <a:solidFill>
-                <a:schemeClr val="tx1">
-                  <a:lumMod val="75000"/>
-                  <a:lumOff val="25000"/>
-                </a:schemeClr>
-              </a:solidFill>
-              <a:latin typeface="나눔스퀘어 ExtraBold" panose="020B0600000101010101" pitchFamily="50" charset="-127"/>
-              <a:ea typeface="나눔스퀘어 ExtraBold" panose="020B0600000101010101" pitchFamily="50" charset="-127"/>
-            </a:endParaRPr>
-          </a:p>
-          <a:p>
-            <a:pPr lvl="1"/>
-            <a:r>
-              <a:rPr lang="en-US" altLang="ko-KR" sz="2000" spc="100" dirty="0">
-                <a:solidFill>
-                  <a:schemeClr val="tx1">
-                    <a:lumMod val="75000"/>
-                    <a:lumOff val="25000"/>
-                  </a:schemeClr>
-                </a:solidFill>
-                <a:latin typeface="나눔스퀘어 ExtraBold" panose="020B0600000101010101" pitchFamily="50" charset="-127"/>
-                <a:ea typeface="나눔스퀘어 ExtraBold" panose="020B0600000101010101" pitchFamily="50" charset="-127"/>
-              </a:rPr>
-              <a:t>	</a:t>
-            </a:r>
-            <a:r>
-              <a:rPr lang="ko-KR" altLang="en-US" sz="1600" i="1" u="sng" spc="100" dirty="0">
-                <a:solidFill>
-                  <a:srgbClr val="302D2E"/>
-                </a:solidFill>
-                <a:latin typeface="나눔스퀘어 ExtraBold" panose="020B0600000101010101" pitchFamily="50" charset="-127"/>
-                <a:ea typeface="나눔스퀘어 ExtraBold" panose="020B0600000101010101" pitchFamily="50" charset="-127"/>
-              </a:rPr>
-              <a:t>중괄호 안에 </a:t>
-            </a:r>
-            <a:r>
-              <a:rPr lang="ko-KR" altLang="en-US" sz="1600" i="1" u="sng" spc="100" dirty="0" err="1">
-                <a:solidFill>
-                  <a:srgbClr val="302D2E"/>
-                </a:solidFill>
-                <a:latin typeface="나눔스퀘어 ExtraBold" panose="020B0600000101010101" pitchFamily="50" charset="-127"/>
-                <a:ea typeface="나눔스퀘어 ExtraBold" panose="020B0600000101010101" pitchFamily="50" charset="-127"/>
-              </a:rPr>
-              <a:t>프로퍼티를</a:t>
-            </a:r>
-            <a:r>
-              <a:rPr lang="ko-KR" altLang="en-US" sz="1600" i="1" u="sng" spc="100" dirty="0">
-                <a:solidFill>
-                  <a:srgbClr val="302D2E"/>
-                </a:solidFill>
-                <a:latin typeface="나눔스퀘어 ExtraBold" panose="020B0600000101010101" pitchFamily="50" charset="-127"/>
-                <a:ea typeface="나눔스퀘어 ExtraBold" panose="020B0600000101010101" pitchFamily="50" charset="-127"/>
-              </a:rPr>
-              <a:t> 정의하여 객체를 생성한다</a:t>
-            </a:r>
-            <a:r>
-              <a:rPr lang="en-US" altLang="ko-KR" sz="1600" i="1" u="sng" spc="100" dirty="0">
-                <a:solidFill>
-                  <a:srgbClr val="302D2E"/>
-                </a:solidFill>
-                <a:latin typeface="나눔스퀘어 ExtraBold" panose="020B0600000101010101" pitchFamily="50" charset="-127"/>
-                <a:ea typeface="나눔스퀘어 ExtraBold" panose="020B0600000101010101" pitchFamily="50" charset="-127"/>
-              </a:rPr>
-              <a:t>.</a:t>
-            </a:r>
-          </a:p>
-          <a:p>
-            <a:pPr lvl="1"/>
-            <a:endParaRPr lang="en-US" altLang="ko-KR" sz="1600" i="1" u="sng" spc="100" dirty="0">
-              <a:solidFill>
-                <a:srgbClr val="302D2E"/>
-              </a:solidFill>
-              <a:latin typeface="나눔스퀘어 ExtraBold" panose="020B0600000101010101" pitchFamily="50" charset="-127"/>
-              <a:ea typeface="나눔스퀘어 ExtraBold" panose="020B0600000101010101" pitchFamily="50" charset="-127"/>
-            </a:endParaRPr>
-          </a:p>
-          <a:p>
-            <a:pPr lvl="1"/>
-            <a:r>
-              <a:rPr lang="en-US" altLang="ko-KR" sz="2000" spc="100" dirty="0">
-                <a:solidFill>
-                  <a:schemeClr val="tx1">
-                    <a:lumMod val="75000"/>
-                    <a:lumOff val="25000"/>
-                  </a:schemeClr>
-                </a:solidFill>
-                <a:latin typeface="나눔스퀘어 ExtraBold" panose="020B0600000101010101" pitchFamily="50" charset="-127"/>
-                <a:ea typeface="나눔스퀘어 ExtraBold" panose="020B0600000101010101" pitchFamily="50" charset="-127"/>
-              </a:rPr>
-              <a:t>-&gt;</a:t>
-            </a:r>
-            <a:r>
-              <a:rPr lang="ko-KR" altLang="en-US" sz="2000" spc="100" dirty="0">
-                <a:solidFill>
-                  <a:schemeClr val="tx1">
-                    <a:lumMod val="75000"/>
-                    <a:lumOff val="25000"/>
-                  </a:schemeClr>
-                </a:solidFill>
-                <a:latin typeface="나눔스퀘어 ExtraBold" panose="020B0600000101010101" pitchFamily="50" charset="-127"/>
-                <a:ea typeface="나눔스퀘어 ExtraBold" panose="020B0600000101010101" pitchFamily="50" charset="-127"/>
-              </a:rPr>
-              <a:t> </a:t>
-            </a:r>
-            <a:r>
-              <a:rPr lang="en-US" altLang="ko-KR" sz="2000" spc="100" dirty="0">
-                <a:solidFill>
-                  <a:schemeClr val="tx1">
-                    <a:lumMod val="75000"/>
-                    <a:lumOff val="25000"/>
-                  </a:schemeClr>
-                </a:solidFill>
-                <a:latin typeface="나눔스퀘어 ExtraBold" panose="020B0600000101010101" pitchFamily="50" charset="-127"/>
-                <a:ea typeface="나눔스퀘어 ExtraBold" panose="020B0600000101010101" pitchFamily="50" charset="-127"/>
-              </a:rPr>
-              <a:t>Object</a:t>
-            </a:r>
-            <a:r>
-              <a:rPr lang="ko-KR" altLang="en-US" sz="2000" spc="100" dirty="0">
-                <a:solidFill>
-                  <a:schemeClr val="tx1">
-                    <a:lumMod val="75000"/>
-                    <a:lumOff val="25000"/>
-                  </a:schemeClr>
-                </a:solidFill>
-                <a:latin typeface="나눔스퀘어 ExtraBold" panose="020B0600000101010101" pitchFamily="50" charset="-127"/>
-                <a:ea typeface="나눔스퀘어 ExtraBold" panose="020B0600000101010101" pitchFamily="50" charset="-127"/>
-              </a:rPr>
-              <a:t> </a:t>
-            </a:r>
-            <a:r>
-              <a:rPr lang="ko-KR" altLang="en-US" sz="2000" spc="100" dirty="0" err="1">
-                <a:solidFill>
-                  <a:schemeClr val="tx1">
-                    <a:lumMod val="75000"/>
-                    <a:lumOff val="25000"/>
-                  </a:schemeClr>
-                </a:solidFill>
-                <a:latin typeface="나눔스퀘어 ExtraBold" panose="020B0600000101010101" pitchFamily="50" charset="-127"/>
-                <a:ea typeface="나눔스퀘어 ExtraBold" panose="020B0600000101010101" pitchFamily="50" charset="-127"/>
-              </a:rPr>
-              <a:t>생성자</a:t>
-            </a:r>
-            <a:r>
-              <a:rPr lang="ko-KR" altLang="en-US" sz="2000" spc="100" dirty="0">
-                <a:solidFill>
-                  <a:schemeClr val="tx1">
-                    <a:lumMod val="75000"/>
-                    <a:lumOff val="25000"/>
-                  </a:schemeClr>
-                </a:solidFill>
-                <a:latin typeface="나눔스퀘어 ExtraBold" panose="020B0600000101010101" pitchFamily="50" charset="-127"/>
-                <a:ea typeface="나눔스퀘어 ExtraBold" panose="020B0600000101010101" pitchFamily="50" charset="-127"/>
-              </a:rPr>
-              <a:t> 함수</a:t>
-            </a:r>
-            <a:endParaRPr lang="en-US" altLang="ko-KR" sz="2000" spc="100" dirty="0">
-              <a:solidFill>
-                <a:schemeClr val="tx1">
-                  <a:lumMod val="75000"/>
-                  <a:lumOff val="25000"/>
-                </a:schemeClr>
-              </a:solidFill>
-              <a:latin typeface="나눔스퀘어 ExtraBold" panose="020B0600000101010101" pitchFamily="50" charset="-127"/>
-              <a:ea typeface="나눔스퀘어 ExtraBold" panose="020B0600000101010101" pitchFamily="50" charset="-127"/>
-            </a:endParaRPr>
-          </a:p>
-          <a:p>
-            <a:pPr lvl="1"/>
-            <a:r>
-              <a:rPr lang="en-US" altLang="ko-KR" sz="2000" spc="100" dirty="0">
-                <a:solidFill>
-                  <a:schemeClr val="tx1">
-                    <a:lumMod val="75000"/>
-                    <a:lumOff val="25000"/>
-                  </a:schemeClr>
-                </a:solidFill>
-                <a:latin typeface="나눔스퀘어 ExtraBold" panose="020B0600000101010101" pitchFamily="50" charset="-127"/>
-                <a:ea typeface="나눔스퀘어 ExtraBold" panose="020B0600000101010101" pitchFamily="50" charset="-127"/>
-              </a:rPr>
-              <a:t>	</a:t>
-            </a:r>
-            <a:r>
-              <a:rPr lang="en-US" altLang="ko-KR" sz="1600" i="1" u="sng" spc="100" dirty="0">
-                <a:solidFill>
-                  <a:schemeClr val="tx1">
-                    <a:lumMod val="75000"/>
-                    <a:lumOff val="25000"/>
-                  </a:schemeClr>
-                </a:solidFill>
-                <a:latin typeface="나눔스퀘어 ExtraBold" panose="020B0600000101010101" pitchFamily="50" charset="-127"/>
-                <a:ea typeface="나눔스퀘어 ExtraBold" panose="020B0600000101010101" pitchFamily="50" charset="-127"/>
-              </a:rPr>
-              <a:t>new Object()</a:t>
-            </a:r>
-            <a:r>
-              <a:rPr lang="ko-KR" altLang="en-US" sz="1600" i="1" u="sng" spc="100" dirty="0" err="1">
-                <a:solidFill>
-                  <a:schemeClr val="tx1">
-                    <a:lumMod val="75000"/>
-                    <a:lumOff val="25000"/>
-                  </a:schemeClr>
-                </a:solidFill>
-                <a:latin typeface="나눔스퀘어 ExtraBold" panose="020B0600000101010101" pitchFamily="50" charset="-127"/>
-                <a:ea typeface="나눔스퀘어 ExtraBold" panose="020B0600000101010101" pitchFamily="50" charset="-127"/>
-              </a:rPr>
-              <a:t>를</a:t>
-            </a:r>
-            <a:r>
-              <a:rPr lang="ko-KR" altLang="en-US" sz="1600" i="1" u="sng" spc="100" dirty="0">
-                <a:solidFill>
-                  <a:schemeClr val="tx1">
-                    <a:lumMod val="75000"/>
-                    <a:lumOff val="25000"/>
-                  </a:schemeClr>
-                </a:solidFill>
-                <a:latin typeface="나눔스퀘어 ExtraBold" panose="020B0600000101010101" pitchFamily="50" charset="-127"/>
-                <a:ea typeface="나눔스퀘어 ExtraBold" panose="020B0600000101010101" pitchFamily="50" charset="-127"/>
-              </a:rPr>
-              <a:t> 호출하면 비어있는 개체를 생성한다</a:t>
-            </a:r>
-            <a:r>
-              <a:rPr lang="en-US" altLang="ko-KR" sz="1600" i="1" u="sng" spc="100" dirty="0">
-                <a:solidFill>
-                  <a:schemeClr val="tx1">
-                    <a:lumMod val="75000"/>
-                    <a:lumOff val="25000"/>
-                  </a:schemeClr>
-                </a:solidFill>
-                <a:latin typeface="나눔스퀘어 ExtraBold" panose="020B0600000101010101" pitchFamily="50" charset="-127"/>
-                <a:ea typeface="나눔스퀘어 ExtraBold" panose="020B0600000101010101" pitchFamily="50" charset="-127"/>
-              </a:rPr>
-              <a:t>.</a:t>
-            </a:r>
-          </a:p>
-          <a:p>
-            <a:pPr lvl="1"/>
-            <a:endParaRPr lang="en-US" altLang="ko-KR" sz="1600" i="1" u="sng" spc="100" dirty="0">
-              <a:solidFill>
-                <a:schemeClr val="tx1">
-                  <a:lumMod val="75000"/>
-                  <a:lumOff val="25000"/>
-                </a:schemeClr>
-              </a:solidFill>
-              <a:latin typeface="나눔스퀘어 ExtraBold" panose="020B0600000101010101" pitchFamily="50" charset="-127"/>
-              <a:ea typeface="나눔스퀘어 ExtraBold" panose="020B0600000101010101" pitchFamily="50" charset="-127"/>
-            </a:endParaRPr>
-          </a:p>
-          <a:p>
-            <a:pPr lvl="1"/>
-            <a:r>
-              <a:rPr lang="en-US" altLang="ko-KR" sz="2000" spc="100" dirty="0">
-                <a:solidFill>
-                  <a:schemeClr val="tx1">
-                    <a:lumMod val="75000"/>
-                    <a:lumOff val="25000"/>
-                  </a:schemeClr>
-                </a:solidFill>
-                <a:latin typeface="나눔스퀘어 ExtraBold" panose="020B0600000101010101" pitchFamily="50" charset="-127"/>
-                <a:ea typeface="나눔스퀘어 ExtraBold" panose="020B0600000101010101" pitchFamily="50" charset="-127"/>
-              </a:rPr>
-              <a:t>-&gt;</a:t>
-            </a:r>
-            <a:r>
-              <a:rPr lang="ko-KR" altLang="en-US" sz="2000" spc="100" dirty="0">
-                <a:solidFill>
-                  <a:schemeClr val="tx1">
-                    <a:lumMod val="75000"/>
-                    <a:lumOff val="25000"/>
-                  </a:schemeClr>
-                </a:solidFill>
-                <a:latin typeface="나눔스퀘어 ExtraBold" panose="020B0600000101010101" pitchFamily="50" charset="-127"/>
-                <a:ea typeface="나눔스퀘어 ExtraBold" panose="020B0600000101010101" pitchFamily="50" charset="-127"/>
-              </a:rPr>
-              <a:t> </a:t>
-            </a:r>
-            <a:r>
-              <a:rPr lang="ko-KR" altLang="en-US" sz="2000" spc="100" dirty="0" err="1">
-                <a:solidFill>
-                  <a:schemeClr val="tx1">
-                    <a:lumMod val="75000"/>
-                    <a:lumOff val="25000"/>
-                  </a:schemeClr>
-                </a:solidFill>
-                <a:latin typeface="나눔스퀘어 ExtraBold" panose="020B0600000101010101" pitchFamily="50" charset="-127"/>
-                <a:ea typeface="나눔스퀘어 ExtraBold" panose="020B0600000101010101" pitchFamily="50" charset="-127"/>
-              </a:rPr>
-              <a:t>생성자</a:t>
-            </a:r>
-            <a:r>
-              <a:rPr lang="ko-KR" altLang="en-US" sz="2000" spc="100" dirty="0">
-                <a:solidFill>
-                  <a:schemeClr val="tx1">
-                    <a:lumMod val="75000"/>
-                    <a:lumOff val="25000"/>
-                  </a:schemeClr>
-                </a:solidFill>
-                <a:latin typeface="나눔스퀘어 ExtraBold" panose="020B0600000101010101" pitchFamily="50" charset="-127"/>
-                <a:ea typeface="나눔스퀘어 ExtraBold" panose="020B0600000101010101" pitchFamily="50" charset="-127"/>
-              </a:rPr>
-              <a:t> 함수</a:t>
-            </a:r>
-            <a:endParaRPr lang="en-US" altLang="ko-KR" sz="2000" spc="100" dirty="0">
-              <a:solidFill>
-                <a:schemeClr val="tx1">
-                  <a:lumMod val="75000"/>
-                  <a:lumOff val="25000"/>
-                </a:schemeClr>
-              </a:solidFill>
-              <a:latin typeface="나눔스퀘어 ExtraBold" panose="020B0600000101010101" pitchFamily="50" charset="-127"/>
-              <a:ea typeface="나눔스퀘어 ExtraBold" panose="020B0600000101010101" pitchFamily="50" charset="-127"/>
-            </a:endParaRPr>
-          </a:p>
-          <a:p>
-            <a:pPr lvl="1"/>
-            <a:r>
-              <a:rPr lang="en-US" altLang="ko-KR" sz="2000" spc="100" dirty="0">
-                <a:solidFill>
-                  <a:schemeClr val="tx1">
-                    <a:lumMod val="75000"/>
-                    <a:lumOff val="25000"/>
-                  </a:schemeClr>
-                </a:solidFill>
-                <a:latin typeface="나눔스퀘어 ExtraBold" panose="020B0600000101010101" pitchFamily="50" charset="-127"/>
-                <a:ea typeface="나눔스퀘어 ExtraBold" panose="020B0600000101010101" pitchFamily="50" charset="-127"/>
-              </a:rPr>
-              <a:t>	</a:t>
-            </a:r>
-            <a:r>
-              <a:rPr lang="ko-KR" altLang="en-US" sz="1600" i="1" u="sng" spc="100" dirty="0">
-                <a:solidFill>
-                  <a:schemeClr val="tx1">
-                    <a:lumMod val="75000"/>
-                    <a:lumOff val="25000"/>
-                  </a:schemeClr>
-                </a:solidFill>
-                <a:latin typeface="나눔스퀘어 ExtraBold" panose="020B0600000101010101" pitchFamily="50" charset="-127"/>
-                <a:ea typeface="나눔스퀘어 ExtraBold" panose="020B0600000101010101" pitchFamily="50" charset="-127"/>
-              </a:rPr>
-              <a:t>기존 함수에 </a:t>
-            </a:r>
-            <a:r>
-              <a:rPr lang="en-US" altLang="ko-KR" sz="1600" i="1" u="sng" spc="100" dirty="0">
-                <a:solidFill>
-                  <a:schemeClr val="tx1">
-                    <a:lumMod val="75000"/>
-                    <a:lumOff val="25000"/>
-                  </a:schemeClr>
-                </a:solidFill>
-                <a:latin typeface="나눔스퀘어 ExtraBold" panose="020B0600000101010101" pitchFamily="50" charset="-127"/>
-                <a:ea typeface="나눔스퀘어 ExtraBold" panose="020B0600000101010101" pitchFamily="50" charset="-127"/>
-              </a:rPr>
-              <a:t>new </a:t>
-            </a:r>
-            <a:r>
-              <a:rPr lang="ko-KR" altLang="en-US" sz="1600" i="1" u="sng" spc="100" dirty="0">
-                <a:solidFill>
-                  <a:schemeClr val="tx1">
-                    <a:lumMod val="75000"/>
-                    <a:lumOff val="25000"/>
-                  </a:schemeClr>
-                </a:solidFill>
-                <a:latin typeface="나눔스퀘어 ExtraBold" panose="020B0600000101010101" pitchFamily="50" charset="-127"/>
-                <a:ea typeface="나눔스퀘어 ExtraBold" panose="020B0600000101010101" pitchFamily="50" charset="-127"/>
-              </a:rPr>
-              <a:t>연산자를 붙여서 호출하면</a:t>
-            </a:r>
-            <a:r>
-              <a:rPr lang="en-US" altLang="ko-KR" sz="1600" i="1" u="sng" spc="100" dirty="0">
-                <a:solidFill>
-                  <a:schemeClr val="tx1">
-                    <a:lumMod val="75000"/>
-                    <a:lumOff val="25000"/>
-                  </a:schemeClr>
-                </a:solidFill>
-                <a:latin typeface="나눔스퀘어 ExtraBold" panose="020B0600000101010101" pitchFamily="50" charset="-127"/>
-                <a:ea typeface="나눔스퀘어 ExtraBold" panose="020B0600000101010101" pitchFamily="50" charset="-127"/>
-              </a:rPr>
-              <a:t>,</a:t>
-            </a:r>
-            <a:r>
-              <a:rPr lang="ko-KR" altLang="en-US" sz="1600" i="1" u="sng" spc="100" dirty="0">
-                <a:solidFill>
-                  <a:schemeClr val="tx1">
-                    <a:lumMod val="75000"/>
-                    <a:lumOff val="25000"/>
-                  </a:schemeClr>
-                </a:solidFill>
-                <a:latin typeface="나눔스퀘어 ExtraBold" panose="020B0600000101010101" pitchFamily="50" charset="-127"/>
-                <a:ea typeface="나눔스퀘어 ExtraBold" panose="020B0600000101010101" pitchFamily="50" charset="-127"/>
-              </a:rPr>
-              <a:t> 해당 함수는 </a:t>
-            </a:r>
-            <a:r>
-              <a:rPr lang="ko-KR" altLang="en-US" sz="1600" i="1" u="sng" spc="100" dirty="0" err="1">
-                <a:solidFill>
-                  <a:schemeClr val="tx1">
-                    <a:lumMod val="75000"/>
-                    <a:lumOff val="25000"/>
-                  </a:schemeClr>
-                </a:solidFill>
-                <a:latin typeface="나눔스퀘어 ExtraBold" panose="020B0600000101010101" pitchFamily="50" charset="-127"/>
-                <a:ea typeface="나눔스퀘어 ExtraBold" panose="020B0600000101010101" pitchFamily="50" charset="-127"/>
-              </a:rPr>
-              <a:t>생성자</a:t>
-            </a:r>
-            <a:r>
-              <a:rPr lang="ko-KR" altLang="en-US" sz="1600" i="1" u="sng" spc="100" dirty="0">
-                <a:solidFill>
-                  <a:schemeClr val="tx1">
-                    <a:lumMod val="75000"/>
-                    <a:lumOff val="25000"/>
-                  </a:schemeClr>
-                </a:solidFill>
-                <a:latin typeface="나눔스퀘어 ExtraBold" panose="020B0600000101010101" pitchFamily="50" charset="-127"/>
-                <a:ea typeface="나눔스퀘어 ExtraBold" panose="020B0600000101010101" pitchFamily="50" charset="-127"/>
-              </a:rPr>
-              <a:t> 함수로 동작한다</a:t>
-            </a:r>
-            <a:r>
-              <a:rPr lang="en-US" altLang="ko-KR" sz="1600" i="1" u="sng" spc="100" dirty="0">
-                <a:solidFill>
-                  <a:schemeClr val="tx1">
-                    <a:lumMod val="75000"/>
-                    <a:lumOff val="25000"/>
-                  </a:schemeClr>
-                </a:solidFill>
-                <a:latin typeface="나눔스퀘어 ExtraBold" panose="020B0600000101010101" pitchFamily="50" charset="-127"/>
-                <a:ea typeface="나눔스퀘어 ExtraBold" panose="020B0600000101010101" pitchFamily="50" charset="-127"/>
-              </a:rPr>
-              <a:t>.</a:t>
-            </a:r>
-          </a:p>
-          <a:p>
-            <a:pPr lvl="1"/>
-            <a:endParaRPr lang="en-US" altLang="ko-KR" sz="2000" u="sng" spc="100" dirty="0">
-              <a:solidFill>
-                <a:schemeClr val="tx1">
-                  <a:lumMod val="75000"/>
-                  <a:lumOff val="25000"/>
-                </a:schemeClr>
-              </a:solidFill>
-              <a:latin typeface="나눔스퀘어 ExtraBold" panose="020B0600000101010101" pitchFamily="50" charset="-127"/>
-              <a:ea typeface="나눔스퀘어 ExtraBold" panose="020B0600000101010101" pitchFamily="50" charset="-127"/>
-            </a:endParaRPr>
-          </a:p>
-          <a:p>
-            <a:pPr lvl="1"/>
-            <a:r>
-              <a:rPr lang="en-US" altLang="ko-KR" sz="2000" spc="100" dirty="0">
-                <a:solidFill>
-                  <a:schemeClr val="tx1">
-                    <a:lumMod val="75000"/>
-                    <a:lumOff val="25000"/>
-                  </a:schemeClr>
-                </a:solidFill>
-                <a:latin typeface="나눔스퀘어 ExtraBold" panose="020B0600000101010101" pitchFamily="50" charset="-127"/>
-                <a:ea typeface="나눔스퀘어 ExtraBold" panose="020B0600000101010101" pitchFamily="50" charset="-127"/>
-              </a:rPr>
-              <a:t>-&gt;</a:t>
-            </a:r>
-            <a:r>
-              <a:rPr lang="ko-KR" altLang="en-US" sz="2000" spc="100" dirty="0">
-                <a:solidFill>
-                  <a:schemeClr val="tx1">
-                    <a:lumMod val="75000"/>
-                    <a:lumOff val="25000"/>
-                  </a:schemeClr>
-                </a:solidFill>
-                <a:latin typeface="나눔스퀘어 ExtraBold" panose="020B0600000101010101" pitchFamily="50" charset="-127"/>
-                <a:ea typeface="나눔스퀘어 ExtraBold" panose="020B0600000101010101" pitchFamily="50" charset="-127"/>
-              </a:rPr>
-              <a:t> </a:t>
-            </a:r>
-            <a:r>
-              <a:rPr lang="en-US" altLang="ko-KR" sz="2000" spc="100" dirty="0" err="1">
-                <a:solidFill>
-                  <a:schemeClr val="tx1">
-                    <a:lumMod val="75000"/>
-                    <a:lumOff val="25000"/>
-                  </a:schemeClr>
-                </a:solidFill>
-                <a:latin typeface="나눔스퀘어 ExtraBold" panose="020B0600000101010101" pitchFamily="50" charset="-127"/>
-                <a:ea typeface="나눔스퀘어 ExtraBold" panose="020B0600000101010101" pitchFamily="50" charset="-127"/>
-              </a:rPr>
-              <a:t>Object.create</a:t>
-            </a:r>
-            <a:r>
-              <a:rPr lang="ko-KR" altLang="en-US" sz="2000" spc="100" dirty="0">
-                <a:solidFill>
-                  <a:schemeClr val="tx1">
-                    <a:lumMod val="75000"/>
-                    <a:lumOff val="25000"/>
-                  </a:schemeClr>
-                </a:solidFill>
-                <a:latin typeface="나눔스퀘어 ExtraBold" panose="020B0600000101010101" pitchFamily="50" charset="-127"/>
-                <a:ea typeface="나눔스퀘어 ExtraBold" panose="020B0600000101010101" pitchFamily="50" charset="-127"/>
-              </a:rPr>
-              <a:t> 메서드</a:t>
-            </a:r>
-            <a:endParaRPr lang="en-US" altLang="ko-KR" sz="2000" spc="100" dirty="0">
-              <a:solidFill>
-                <a:schemeClr val="tx1">
-                  <a:lumMod val="75000"/>
-                  <a:lumOff val="25000"/>
-                </a:schemeClr>
-              </a:solidFill>
-              <a:latin typeface="나눔스퀘어 ExtraBold" panose="020B0600000101010101" pitchFamily="50" charset="-127"/>
-              <a:ea typeface="나눔스퀘어 ExtraBold" panose="020B0600000101010101" pitchFamily="50" charset="-127"/>
-            </a:endParaRPr>
-          </a:p>
-          <a:p>
-            <a:pPr lvl="1"/>
-            <a:r>
-              <a:rPr lang="en-US" altLang="ko-KR" sz="1600" i="1" spc="100" dirty="0">
-                <a:solidFill>
-                  <a:schemeClr val="tx1">
-                    <a:lumMod val="75000"/>
-                    <a:lumOff val="25000"/>
-                  </a:schemeClr>
-                </a:solidFill>
-                <a:latin typeface="나눔스퀘어 ExtraBold" panose="020B0600000101010101" pitchFamily="50" charset="-127"/>
-                <a:ea typeface="나눔스퀘어 ExtraBold" panose="020B0600000101010101" pitchFamily="50" charset="-127"/>
-              </a:rPr>
-              <a:t>	</a:t>
-            </a:r>
-            <a:r>
-              <a:rPr lang="ko-KR" altLang="en-US" sz="1600" i="1" u="sng" spc="100" dirty="0">
-                <a:solidFill>
-                  <a:schemeClr val="tx1">
-                    <a:lumMod val="75000"/>
-                    <a:lumOff val="25000"/>
-                  </a:schemeClr>
-                </a:solidFill>
-                <a:latin typeface="나눔스퀘어 ExtraBold" panose="020B0600000101010101" pitchFamily="50" charset="-127"/>
-                <a:ea typeface="나눔스퀘어 ExtraBold" panose="020B0600000101010101" pitchFamily="50" charset="-127"/>
-              </a:rPr>
-              <a:t>지정된 </a:t>
-            </a:r>
-            <a:r>
-              <a:rPr lang="ko-KR" altLang="en-US" sz="1600" i="1" u="sng" spc="100" dirty="0" err="1">
-                <a:solidFill>
-                  <a:schemeClr val="tx1">
-                    <a:lumMod val="75000"/>
-                    <a:lumOff val="25000"/>
-                  </a:schemeClr>
-                </a:solidFill>
-                <a:latin typeface="나눔스퀘어 ExtraBold" panose="020B0600000101010101" pitchFamily="50" charset="-127"/>
-                <a:ea typeface="나눔스퀘어 ExtraBold" panose="020B0600000101010101" pitchFamily="50" charset="-127"/>
-              </a:rPr>
-              <a:t>프로토타입</a:t>
-            </a:r>
-            <a:r>
-              <a:rPr lang="ko-KR" altLang="en-US" sz="1600" i="1" u="sng" spc="100" dirty="0">
-                <a:solidFill>
-                  <a:schemeClr val="tx1">
-                    <a:lumMod val="75000"/>
-                    <a:lumOff val="25000"/>
-                  </a:schemeClr>
-                </a:solidFill>
-                <a:latin typeface="나눔스퀘어 ExtraBold" panose="020B0600000101010101" pitchFamily="50" charset="-127"/>
-                <a:ea typeface="나눔스퀘어 ExtraBold" panose="020B0600000101010101" pitchFamily="50" charset="-127"/>
-              </a:rPr>
-              <a:t> 객체와 </a:t>
-            </a:r>
-            <a:r>
-              <a:rPr lang="ko-KR" altLang="en-US" sz="1600" i="1" u="sng" spc="100" dirty="0" err="1">
-                <a:solidFill>
-                  <a:schemeClr val="tx1">
-                    <a:lumMod val="75000"/>
-                    <a:lumOff val="25000"/>
-                  </a:schemeClr>
-                </a:solidFill>
-                <a:latin typeface="나눔스퀘어 ExtraBold" panose="020B0600000101010101" pitchFamily="50" charset="-127"/>
-                <a:ea typeface="나눔스퀘어 ExtraBold" panose="020B0600000101010101" pitchFamily="50" charset="-127"/>
-              </a:rPr>
-              <a:t>프로퍼티를</a:t>
-            </a:r>
-            <a:r>
-              <a:rPr lang="ko-KR" altLang="en-US" sz="1600" i="1" u="sng" spc="100" dirty="0">
-                <a:solidFill>
-                  <a:schemeClr val="tx1">
-                    <a:lumMod val="75000"/>
-                    <a:lumOff val="25000"/>
-                  </a:schemeClr>
-                </a:solidFill>
-                <a:latin typeface="나눔스퀘어 ExtraBold" panose="020B0600000101010101" pitchFamily="50" charset="-127"/>
-                <a:ea typeface="나눔스퀘어 ExtraBold" panose="020B0600000101010101" pitchFamily="50" charset="-127"/>
-              </a:rPr>
-              <a:t> 가지고 새로운 객체를 생성한다</a:t>
-            </a:r>
-            <a:r>
-              <a:rPr lang="en-US" altLang="ko-KR" sz="1600" i="1" u="sng" spc="100" dirty="0">
-                <a:solidFill>
-                  <a:schemeClr val="tx1">
-                    <a:lumMod val="75000"/>
-                    <a:lumOff val="25000"/>
-                  </a:schemeClr>
-                </a:solidFill>
-                <a:latin typeface="나눔스퀘어 ExtraBold" panose="020B0600000101010101" pitchFamily="50" charset="-127"/>
-                <a:ea typeface="나눔스퀘어 ExtraBold" panose="020B0600000101010101" pitchFamily="50" charset="-127"/>
-              </a:rPr>
-              <a:t>.</a:t>
-            </a:r>
-          </a:p>
-          <a:p>
-            <a:pPr lvl="1"/>
-            <a:endParaRPr lang="en-US" altLang="ko-KR" sz="2000" spc="100" dirty="0">
-              <a:solidFill>
-                <a:schemeClr val="tx1">
-                  <a:lumMod val="75000"/>
-                  <a:lumOff val="25000"/>
-                </a:schemeClr>
-              </a:solidFill>
-              <a:latin typeface="나눔스퀘어 ExtraBold" panose="020B0600000101010101" pitchFamily="50" charset="-127"/>
-              <a:ea typeface="나눔스퀘어 ExtraBold" panose="020B0600000101010101" pitchFamily="50" charset="-127"/>
-            </a:endParaRPr>
-          </a:p>
-          <a:p>
-            <a:pPr lvl="1"/>
-            <a:r>
-              <a:rPr lang="en-US" altLang="ko-KR" sz="2000" spc="100" dirty="0">
-                <a:solidFill>
-                  <a:schemeClr val="tx1">
-                    <a:lumMod val="75000"/>
-                    <a:lumOff val="25000"/>
-                  </a:schemeClr>
-                </a:solidFill>
-                <a:latin typeface="나눔스퀘어 ExtraBold" panose="020B0600000101010101" pitchFamily="50" charset="-127"/>
-                <a:ea typeface="나눔스퀘어 ExtraBold" panose="020B0600000101010101" pitchFamily="50" charset="-127"/>
-              </a:rPr>
-              <a:t>-&gt;</a:t>
-            </a:r>
-            <a:r>
-              <a:rPr lang="ko-KR" altLang="en-US" sz="2000" spc="100" dirty="0">
-                <a:solidFill>
-                  <a:schemeClr val="tx1">
-                    <a:lumMod val="75000"/>
-                    <a:lumOff val="25000"/>
-                  </a:schemeClr>
-                </a:solidFill>
-                <a:latin typeface="나눔스퀘어 ExtraBold" panose="020B0600000101010101" pitchFamily="50" charset="-127"/>
-                <a:ea typeface="나눔스퀘어 ExtraBold" panose="020B0600000101010101" pitchFamily="50" charset="-127"/>
-              </a:rPr>
-              <a:t> 클래스</a:t>
-            </a:r>
-            <a:r>
-              <a:rPr lang="en-US" altLang="ko-KR" sz="2000" spc="100" dirty="0">
-                <a:solidFill>
-                  <a:schemeClr val="tx1">
-                    <a:lumMod val="75000"/>
-                    <a:lumOff val="25000"/>
-                  </a:schemeClr>
-                </a:solidFill>
-                <a:latin typeface="나눔스퀘어 ExtraBold" panose="020B0600000101010101" pitchFamily="50" charset="-127"/>
-                <a:ea typeface="나눔스퀘어 ExtraBold" panose="020B0600000101010101" pitchFamily="50" charset="-127"/>
-              </a:rPr>
-              <a:t>(ES6)</a:t>
-            </a:r>
-            <a:r>
-              <a:rPr lang="ko-KR" altLang="en-US" sz="2000" spc="100" dirty="0">
-                <a:solidFill>
-                  <a:schemeClr val="tx1">
-                    <a:lumMod val="75000"/>
-                    <a:lumOff val="25000"/>
-                  </a:schemeClr>
-                </a:solidFill>
-                <a:latin typeface="나눔스퀘어 ExtraBold" panose="020B0600000101010101" pitchFamily="50" charset="-127"/>
-                <a:ea typeface="나눔스퀘어 ExtraBold" panose="020B0600000101010101" pitchFamily="50" charset="-127"/>
-              </a:rPr>
-              <a:t> 객체 </a:t>
-            </a:r>
-            <a:endParaRPr lang="en-US" altLang="ko-KR" sz="2000" spc="100" dirty="0">
-              <a:solidFill>
-                <a:schemeClr val="tx1">
-                  <a:lumMod val="75000"/>
-                  <a:lumOff val="25000"/>
-                </a:schemeClr>
-              </a:solidFill>
-              <a:latin typeface="나눔스퀘어 ExtraBold" panose="020B0600000101010101" pitchFamily="50" charset="-127"/>
-              <a:ea typeface="나눔스퀘어 ExtraBold" panose="020B0600000101010101" pitchFamily="50" charset="-127"/>
-            </a:endParaRPr>
-          </a:p>
-          <a:p>
-            <a:pPr lvl="1"/>
-            <a:endParaRPr lang="en-US" altLang="ko-KR" sz="2000" spc="100" dirty="0">
-              <a:solidFill>
-                <a:schemeClr val="tx1">
-                  <a:lumMod val="75000"/>
-                  <a:lumOff val="25000"/>
-                </a:schemeClr>
-              </a:solidFill>
-              <a:latin typeface="나눔스퀘어 ExtraBold" panose="020B0600000101010101" pitchFamily="50" charset="-127"/>
-              <a:ea typeface="나눔스퀘어 ExtraBold" panose="020B0600000101010101" pitchFamily="50" charset="-127"/>
-            </a:endParaRPr>
-          </a:p>
         </p:txBody>
       </p:sp>
       <p:cxnSp>
         <p:nvCxnSpPr>
-          <p:cNvPr id="18" name="직선 연결선 8">
-            <a:extLst>
-              <a:ext uri="{FF2B5EF4-FFF2-40B4-BE49-F238E27FC236}">
-                <a16:creationId xmlns:a16="http://schemas.microsoft.com/office/drawing/2014/main" id="{62055FFE-6941-B44D-8062-F354E1057F6E}"/>
+          <p:cNvPr id="5" name="직선 연결선 4">
+            <a:extLst>
+              <a:ext uri="{FF2B5EF4-FFF2-40B4-BE49-F238E27FC236}">
+                <a16:creationId xmlns:a16="http://schemas.microsoft.com/office/drawing/2014/main" id="{982B7F6C-F841-373E-4CDA-6BF8C22C6C23}"/>
               </a:ext>
             </a:extLst>
           </p:cNvPr>
@@ -11679,8 +12344,8 @@
         </p:nvCxnSpPr>
         <p:spPr>
           <a:xfrm>
-            <a:off x="1458097" y="1697558"/>
-            <a:ext cx="8526162" cy="0"/>
+            <a:off x="10337785" y="267285"/>
+            <a:ext cx="1577992" cy="0"/>
           </a:xfrm>
           <a:prstGeom prst="line">
             <a:avLst/>
@@ -11706,6 +12371,74 @@
           </a:fontRef>
         </p:style>
       </p:cxnSp>
+      <p:sp>
+        <p:nvSpPr>
+          <p:cNvPr id="7" name="TextBox 6">
+            <a:extLst>
+              <a:ext uri="{FF2B5EF4-FFF2-40B4-BE49-F238E27FC236}">
+                <a16:creationId xmlns:a16="http://schemas.microsoft.com/office/drawing/2014/main" id="{46E02C11-4289-79E1-AE9B-0D94B6CC517A}"/>
+              </a:ext>
+            </a:extLst>
+          </p:cNvPr>
+          <p:cNvSpPr txBox="1"/>
+          <p:nvPr/>
+        </p:nvSpPr>
+        <p:spPr>
+          <a:xfrm>
+            <a:off x="8802448" y="267286"/>
+            <a:ext cx="1183644" cy="461665"/>
+          </a:xfrm>
+          <a:prstGeom prst="rect">
+            <a:avLst/>
+          </a:prstGeom>
+          <a:noFill/>
+        </p:spPr>
+        <p:txBody>
+          <a:bodyPr wrap="square" rtlCol="0">
+            <a:spAutoFit/>
+          </a:bodyPr>
+          <a:lstStyle/>
+          <a:p>
+            <a:r>
+              <a:rPr lang="en-US" altLang="ko-KR" sz="2400" spc="100" dirty="0">
+                <a:solidFill>
+                  <a:srgbClr val="000000"/>
+                </a:solidFill>
+                <a:latin typeface="나눔스퀘어 Bold" panose="020B0600000101010101" pitchFamily="50" charset="-127"/>
+                <a:ea typeface="나눔스퀘어 Bold" panose="020B0600000101010101" pitchFamily="50" charset="-127"/>
+              </a:rPr>
+              <a:t>p.</a:t>
+            </a:r>
+            <a:r>
+              <a:rPr lang="ko-KR" altLang="en-US" sz="2400" spc="100" dirty="0">
+                <a:solidFill>
+                  <a:srgbClr val="000000"/>
+                </a:solidFill>
+                <a:latin typeface="나눔스퀘어 Bold" panose="020B0600000101010101" pitchFamily="50" charset="-127"/>
+                <a:ea typeface="나눔스퀘어 Bold" panose="020B0600000101010101" pitchFamily="50" charset="-127"/>
+              </a:rPr>
+              <a:t> </a:t>
+            </a:r>
+            <a:r>
+              <a:rPr lang="en-US" altLang="ko-KR" sz="2400" spc="100" dirty="0">
+                <a:solidFill>
+                  <a:srgbClr val="000000"/>
+                </a:solidFill>
+                <a:latin typeface="나눔스퀘어 Bold" panose="020B0600000101010101" pitchFamily="50" charset="-127"/>
+                <a:ea typeface="나눔스퀘어 Bold" panose="020B0600000101010101" pitchFamily="50" charset="-127"/>
+              </a:rPr>
+              <a:t>125</a:t>
+            </a:r>
+            <a:endParaRPr lang="ko-KR" altLang="en-US" sz="2400" spc="100" dirty="0">
+              <a:solidFill>
+                <a:srgbClr val="000000"/>
+              </a:solidFill>
+              <a:latin typeface="나눔스퀘어 Bold" panose="020B0600000101010101" pitchFamily="50" charset="-127"/>
+              <a:ea typeface="나눔스퀘어 Bold" panose="020B0600000101010101" pitchFamily="50" charset="-127"/>
+            </a:endParaRPr>
+          </a:p>
+        </p:txBody>
+      </p:sp>
     </p:spTree>
     <p:extLst>
       <p:ext uri="{BB962C8B-B14F-4D97-AF65-F5344CB8AC3E}">
@@ -11716,13 +12449,13 @@
   <p:clrMapOvr>
     <a:masterClrMapping/>
   </p:clrMapOvr>
-  <mc:AlternateContent xmlns:mc="http://schemas.openxmlformats.org/markup-compatibility/2006">
-    <mc:Choice xmlns:p159="http://schemas.microsoft.com/office/powerpoint/2015/09/main" Requires="p159">
+  <mc:AlternateContent xmlns:mc="http://schemas.openxmlformats.org/markup-compatibility/2006" xmlns:p159="http://schemas.microsoft.com/office/powerpoint/2015/09/main">
+    <mc:Choice Requires="p159">
       <p:transition xmlns:p14="http://schemas.microsoft.com/office/powerpoint/2010/main" spd="slow" p14:dur="2000">
         <p159:morph option="byObject"/>
       </p:transition>
     </mc:Choice>
-    <mc:Fallback>
+    <mc:Fallback xmlns="">
       <p:transition spd="slow">
         <p:fade/>
       </p:transition>
@@ -11748,55 +12481,12 @@
           <a:chExt cx="0" cy="0"/>
         </a:xfrm>
       </p:grpSpPr>
-      <p:cxnSp>
-        <p:nvCxnSpPr>
-          <p:cNvPr id="3" name="직선 연결선 2">
-            <a:extLst>
-              <a:ext uri="{FF2B5EF4-FFF2-40B4-BE49-F238E27FC236}">
-                <a16:creationId xmlns:a16="http://schemas.microsoft.com/office/drawing/2014/main" id="{F55676F0-C433-4456-BB57-3E5832581EF6}"/>
-              </a:ext>
-            </a:extLst>
-          </p:cNvPr>
-          <p:cNvCxnSpPr>
-            <a:cxnSpLocks/>
-          </p:cNvCxnSpPr>
-          <p:nvPr/>
-        </p:nvCxnSpPr>
-        <p:spPr>
-          <a:xfrm>
-            <a:off x="8961120" y="696814"/>
-            <a:ext cx="2954657" cy="0"/>
-          </a:xfrm>
-          <a:prstGeom prst="line">
-            <a:avLst/>
-          </a:prstGeom>
-          <a:ln w="34925">
-            <a:solidFill>
-              <a:schemeClr val="tx2"/>
-            </a:solidFill>
-          </a:ln>
-        </p:spPr>
-        <p:style>
-          <a:lnRef idx="1">
-            <a:schemeClr val="accent1"/>
-          </a:lnRef>
-          <a:fillRef idx="0">
-            <a:schemeClr val="accent1"/>
-          </a:fillRef>
-          <a:effectRef idx="0">
-            <a:schemeClr val="accent1"/>
-          </a:effectRef>
-          <a:fontRef idx="minor">
-            <a:schemeClr val="tx1"/>
-          </a:fontRef>
-        </p:style>
-      </p:cxnSp>
-      <p:sp>
-        <p:nvSpPr>
-          <p:cNvPr id="6" name="TextBox 5">
-            <a:extLst>
-              <a:ext uri="{FF2B5EF4-FFF2-40B4-BE49-F238E27FC236}">
-                <a16:creationId xmlns:a16="http://schemas.microsoft.com/office/drawing/2014/main" id="{C7B00371-8BBF-468F-BAB5-3B58CE59B669}"/>
+      <p:sp>
+        <p:nvSpPr>
+          <p:cNvPr id="8" name="TextBox 7">
+            <a:extLst>
+              <a:ext uri="{FF2B5EF4-FFF2-40B4-BE49-F238E27FC236}">
+                <a16:creationId xmlns:a16="http://schemas.microsoft.com/office/drawing/2014/main" id="{5D0C9A45-A32B-45BB-B4DB-89BAF7E41E6D}"/>
               </a:ext>
             </a:extLst>
           </p:cNvPr>
@@ -11805,8 +12495,8 @@
         </p:nvSpPr>
         <p:spPr>
           <a:xfrm>
-            <a:off x="8961119" y="310773"/>
-            <a:ext cx="2954657" cy="400110"/>
+            <a:off x="276223" y="310773"/>
+            <a:ext cx="5683706" cy="553998"/>
           </a:xfrm>
           <a:prstGeom prst="rect">
             <a:avLst/>
@@ -11819,9 +12509,8 @@
           </a:bodyPr>
           <a:lstStyle/>
           <a:p>
-            <a:pPr algn="ctr"/>
-            <a:r>
-              <a:rPr lang="ko-KR" altLang="en-US" sz="2000" dirty="0" err="1">
+            <a:r>
+              <a:rPr lang="en-US" altLang="ko-KR" sz="3000" spc="100" dirty="0">
                 <a:solidFill>
                   <a:schemeClr val="tx2">
                     <a:lumMod val="50000"/>
@@ -11830,10 +12519,10 @@
                 <a:latin typeface="나눔스퀘어 ExtraBold" panose="020B0600000101010101" pitchFamily="50" charset="-127"/>
                 <a:ea typeface="나눔스퀘어 ExtraBold" panose="020B0600000101010101" pitchFamily="50" charset="-127"/>
               </a:rPr>
-              <a:t>캡스톤</a:t>
-            </a:r>
-            <a:r>
-              <a:rPr lang="ko-KR" altLang="en-US" sz="2000" dirty="0">
+              <a:t>2. </a:t>
+            </a:r>
+            <a:r>
+              <a:rPr lang="ko-KR" altLang="en-US" sz="3000" spc="100" dirty="0">
                 <a:solidFill>
                   <a:schemeClr val="tx2">
                     <a:lumMod val="50000"/>
@@ -11842,10 +12531,10 @@
                 <a:latin typeface="나눔스퀘어 ExtraBold" panose="020B0600000101010101" pitchFamily="50" charset="-127"/>
                 <a:ea typeface="나눔스퀘어 ExtraBold" panose="020B0600000101010101" pitchFamily="50" charset="-127"/>
               </a:rPr>
-              <a:t> 디자인 </a:t>
-            </a:r>
-            <a:r>
-              <a:rPr lang="en-US" altLang="ko-KR" sz="2000" dirty="0">
+              <a:t>객체 </a:t>
+            </a:r>
+            <a:r>
+              <a:rPr lang="ko-KR" altLang="en-US" sz="3000" spc="100" dirty="0" err="1">
                 <a:solidFill>
                   <a:schemeClr val="tx2">
                     <a:lumMod val="50000"/>
@@ -11854,10 +12543,10 @@
                 <a:latin typeface="나눔스퀘어 ExtraBold" panose="020B0600000101010101" pitchFamily="50" charset="-127"/>
                 <a:ea typeface="나눔스퀘어 ExtraBold" panose="020B0600000101010101" pitchFamily="50" charset="-127"/>
               </a:rPr>
-              <a:t>7</a:t>
-            </a:r>
-            <a:r>
-              <a:rPr lang="ko-KR" altLang="en-US" sz="2000" dirty="0">
+              <a:t>리터럴에</a:t>
+            </a:r>
+            <a:r>
+              <a:rPr lang="ko-KR" altLang="en-US" sz="3000" spc="100" dirty="0">
                 <a:solidFill>
                   <a:schemeClr val="tx2">
                     <a:lumMod val="50000"/>
@@ -11866,142 +12555,11 @@
                 <a:latin typeface="나눔스퀘어 ExtraBold" panose="020B0600000101010101" pitchFamily="50" charset="-127"/>
                 <a:ea typeface="나눔스퀘어 ExtraBold" panose="020B0600000101010101" pitchFamily="50" charset="-127"/>
               </a:rPr>
-              <a:t>팀</a:t>
-            </a:r>
-            <a:endParaRPr lang="en-US" altLang="ko-KR" sz="2000" dirty="0">
-              <a:solidFill>
-                <a:schemeClr val="tx2">
-                  <a:lumMod val="50000"/>
-                </a:schemeClr>
-              </a:solidFill>
-              <a:latin typeface="나눔스퀘어 ExtraBold" panose="020B0600000101010101" pitchFamily="50" charset="-127"/>
-              <a:ea typeface="나눔스퀘어 ExtraBold" panose="020B0600000101010101" pitchFamily="50" charset="-127"/>
-            </a:endParaRPr>
-          </a:p>
-        </p:txBody>
-      </p:sp>
-      <p:sp>
-        <p:nvSpPr>
-          <p:cNvPr id="8" name="TextBox 7">
-            <a:extLst>
-              <a:ext uri="{FF2B5EF4-FFF2-40B4-BE49-F238E27FC236}">
-                <a16:creationId xmlns:a16="http://schemas.microsoft.com/office/drawing/2014/main" id="{5D0C9A45-A32B-45BB-B4DB-89BAF7E41E6D}"/>
-              </a:ext>
-            </a:extLst>
-          </p:cNvPr>
-          <p:cNvSpPr txBox="1"/>
-          <p:nvPr/>
-        </p:nvSpPr>
-        <p:spPr>
-          <a:xfrm>
-            <a:off x="276223" y="310773"/>
-            <a:ext cx="5683706" cy="553998"/>
-          </a:xfrm>
-          <a:prstGeom prst="rect">
-            <a:avLst/>
-          </a:prstGeom>
-          <a:noFill/>
-        </p:spPr>
-        <p:txBody>
-          <a:bodyPr wrap="square" rtlCol="0">
-            <a:spAutoFit/>
-          </a:bodyPr>
-          <a:lstStyle/>
-          <a:p>
-            <a:r>
-              <a:rPr lang="en-US" altLang="ko-KR" sz="3000" spc="100" dirty="0">
-                <a:solidFill>
-                  <a:schemeClr val="tx2">
-                    <a:lumMod val="50000"/>
-                  </a:schemeClr>
-                </a:solidFill>
-                <a:latin typeface="나눔스퀘어 ExtraBold" panose="020B0600000101010101" pitchFamily="50" charset="-127"/>
-                <a:ea typeface="나눔스퀘어 ExtraBold" panose="020B0600000101010101" pitchFamily="50" charset="-127"/>
-              </a:rPr>
-              <a:t>2. </a:t>
-            </a:r>
-            <a:r>
-              <a:rPr lang="ko-KR" altLang="en-US" sz="3000" spc="100" dirty="0">
-                <a:solidFill>
-                  <a:schemeClr val="tx2">
-                    <a:lumMod val="50000"/>
-                  </a:schemeClr>
-                </a:solidFill>
-                <a:latin typeface="나눔스퀘어 ExtraBold" panose="020B0600000101010101" pitchFamily="50" charset="-127"/>
-                <a:ea typeface="나눔스퀘어 ExtraBold" panose="020B0600000101010101" pitchFamily="50" charset="-127"/>
-              </a:rPr>
-              <a:t>객체 </a:t>
-            </a:r>
-            <a:r>
-              <a:rPr lang="ko-KR" altLang="en-US" sz="3000" spc="100" dirty="0" err="1">
-                <a:solidFill>
-                  <a:schemeClr val="tx2">
-                    <a:lumMod val="50000"/>
-                  </a:schemeClr>
-                </a:solidFill>
-                <a:latin typeface="나눔스퀘어 ExtraBold" panose="020B0600000101010101" pitchFamily="50" charset="-127"/>
-                <a:ea typeface="나눔스퀘어 ExtraBold" panose="020B0600000101010101" pitchFamily="50" charset="-127"/>
-              </a:rPr>
-              <a:t>리터럴에</a:t>
-            </a:r>
-            <a:r>
-              <a:rPr lang="ko-KR" altLang="en-US" sz="3000" spc="100" dirty="0">
-                <a:solidFill>
-                  <a:schemeClr val="tx2">
-                    <a:lumMod val="50000"/>
-                  </a:schemeClr>
-                </a:solidFill>
-                <a:latin typeface="나눔스퀘어 ExtraBold" panose="020B0600000101010101" pitchFamily="50" charset="-127"/>
-                <a:ea typeface="나눔스퀘어 ExtraBold" panose="020B0600000101010101" pitchFamily="50" charset="-127"/>
-              </a:rPr>
               <a:t> 의한 객체 생성</a:t>
             </a:r>
           </a:p>
         </p:txBody>
       </p:sp>
-      <p:cxnSp>
-        <p:nvCxnSpPr>
-          <p:cNvPr id="9" name="직선 연결선 8">
-            <a:extLst>
-              <a:ext uri="{FF2B5EF4-FFF2-40B4-BE49-F238E27FC236}">
-                <a16:creationId xmlns:a16="http://schemas.microsoft.com/office/drawing/2014/main" id="{5140239F-7841-40D4-B023-7486FD09274D}"/>
-              </a:ext>
-            </a:extLst>
-          </p:cNvPr>
-          <p:cNvCxnSpPr>
-            <a:cxnSpLocks/>
-          </p:cNvCxnSpPr>
-          <p:nvPr/>
-        </p:nvCxnSpPr>
-        <p:spPr>
-          <a:xfrm>
-            <a:off x="8961120" y="267285"/>
-            <a:ext cx="2954657" cy="0"/>
-          </a:xfrm>
-          <a:prstGeom prst="line">
-            <a:avLst/>
-          </a:prstGeom>
-          <a:ln w="34925">
-            <a:solidFill>
-              <a:schemeClr val="tx2"/>
-            </a:solidFill>
-          </a:ln>
-        </p:spPr>
-        <p:style>
-          <a:lnRef idx="1">
-            <a:schemeClr val="accent1"/>
-          </a:lnRef>
-          <a:fillRef idx="0">
-            <a:schemeClr val="accent1"/>
-          </a:fillRef>
-          <a:effectRef idx="0">
-            <a:schemeClr val="accent1"/>
-          </a:effectRef>
-          <a:fontRef idx="minor">
-            <a:schemeClr val="tx1"/>
-          </a:fontRef>
-        </p:style>
-      </p:cxnSp>
       <p:sp>
         <p:nvSpPr>
           <p:cNvPr id="15" name="TextBox 14">
@@ -12665,6 +13223,249 @@
           </a:prstGeom>
         </p:spPr>
       </p:pic>
+      <p:cxnSp>
+        <p:nvCxnSpPr>
+          <p:cNvPr id="2" name="직선 연결선 1">
+            <a:extLst>
+              <a:ext uri="{FF2B5EF4-FFF2-40B4-BE49-F238E27FC236}">
+                <a16:creationId xmlns:a16="http://schemas.microsoft.com/office/drawing/2014/main" id="{4FF4D9C7-79BC-EBC0-AF70-4B839F535363}"/>
+              </a:ext>
+            </a:extLst>
+          </p:cNvPr>
+          <p:cNvCxnSpPr>
+            <a:cxnSpLocks/>
+          </p:cNvCxnSpPr>
+          <p:nvPr/>
+        </p:nvCxnSpPr>
+        <p:spPr>
+          <a:xfrm>
+            <a:off x="10337785" y="696814"/>
+            <a:ext cx="1577992" cy="0"/>
+          </a:xfrm>
+          <a:prstGeom prst="line">
+            <a:avLst/>
+          </a:prstGeom>
+          <a:ln w="34925">
+            <a:solidFill>
+              <a:schemeClr val="tx2"/>
+            </a:solidFill>
+          </a:ln>
+        </p:spPr>
+        <p:style>
+          <a:lnRef idx="1">
+            <a:schemeClr val="accent1"/>
+          </a:lnRef>
+          <a:fillRef idx="0">
+            <a:schemeClr val="accent1"/>
+          </a:fillRef>
+          <a:effectRef idx="0">
+            <a:schemeClr val="accent1"/>
+          </a:effectRef>
+          <a:fontRef idx="minor">
+            <a:schemeClr val="tx1"/>
+          </a:fontRef>
+        </p:style>
+      </p:cxnSp>
+      <p:sp>
+        <p:nvSpPr>
+          <p:cNvPr id="4" name="TextBox 3">
+            <a:extLst>
+              <a:ext uri="{FF2B5EF4-FFF2-40B4-BE49-F238E27FC236}">
+                <a16:creationId xmlns:a16="http://schemas.microsoft.com/office/drawing/2014/main" id="{75FB8A57-1F31-B3EF-C36C-96C241EA03E6}"/>
+              </a:ext>
+            </a:extLst>
+          </p:cNvPr>
+          <p:cNvSpPr txBox="1"/>
+          <p:nvPr/>
+        </p:nvSpPr>
+        <p:spPr>
+          <a:xfrm>
+            <a:off x="10337785" y="310773"/>
+            <a:ext cx="1577991" cy="400110"/>
+          </a:xfrm>
+          <a:prstGeom prst="rect">
+            <a:avLst/>
+          </a:prstGeom>
+          <a:noFill/>
+        </p:spPr>
+        <p:txBody>
+          <a:bodyPr wrap="square" rtlCol="0">
+            <a:spAutoFit/>
+          </a:bodyPr>
+          <a:lstStyle/>
+          <a:p>
+            <a:pPr algn="ctr"/>
+            <a:r>
+              <a:rPr lang="ko-KR" altLang="en-US" sz="2000" dirty="0" err="1">
+                <a:solidFill>
+                  <a:schemeClr val="tx2">
+                    <a:lumMod val="50000"/>
+                  </a:schemeClr>
+                </a:solidFill>
+                <a:latin typeface="나눔스퀘어 ExtraBold" panose="020B0600000101010101" pitchFamily="50" charset="-127"/>
+                <a:ea typeface="나눔스퀘어 ExtraBold" panose="020B0600000101010101" pitchFamily="50" charset="-127"/>
+              </a:rPr>
+              <a:t>컴공특</a:t>
+            </a:r>
+            <a:r>
+              <a:rPr lang="ko-KR" altLang="en-US" sz="2000" dirty="0">
+                <a:solidFill>
+                  <a:schemeClr val="tx2">
+                    <a:lumMod val="50000"/>
+                  </a:schemeClr>
+                </a:solidFill>
+                <a:latin typeface="나눔스퀘어 ExtraBold" panose="020B0600000101010101" pitchFamily="50" charset="-127"/>
+                <a:ea typeface="나눔스퀘어 ExtraBold" panose="020B0600000101010101" pitchFamily="50" charset="-127"/>
+              </a:rPr>
+              <a:t> </a:t>
+            </a:r>
+            <a:r>
+              <a:rPr lang="en-US" altLang="ko-KR" sz="2000" dirty="0">
+                <a:solidFill>
+                  <a:schemeClr val="tx2">
+                    <a:lumMod val="50000"/>
+                  </a:schemeClr>
+                </a:solidFill>
+                <a:latin typeface="나눔스퀘어 ExtraBold" panose="020B0600000101010101" pitchFamily="50" charset="-127"/>
+                <a:ea typeface="나눔스퀘어 ExtraBold" panose="020B0600000101010101" pitchFamily="50" charset="-127"/>
+              </a:rPr>
+              <a:t>3</a:t>
+            </a:r>
+            <a:r>
+              <a:rPr lang="ko-KR" altLang="en-US" sz="2000" dirty="0">
+                <a:solidFill>
+                  <a:schemeClr val="tx2">
+                    <a:lumMod val="50000"/>
+                  </a:schemeClr>
+                </a:solidFill>
+                <a:latin typeface="나눔스퀘어 ExtraBold" panose="020B0600000101010101" pitchFamily="50" charset="-127"/>
+                <a:ea typeface="나눔스퀘어 ExtraBold" panose="020B0600000101010101" pitchFamily="50" charset="-127"/>
+              </a:rPr>
+              <a:t>팀</a:t>
+            </a:r>
+            <a:endParaRPr lang="en-US" altLang="ko-KR" sz="2000" dirty="0">
+              <a:solidFill>
+                <a:schemeClr val="tx2">
+                  <a:lumMod val="50000"/>
+                </a:schemeClr>
+              </a:solidFill>
+              <a:latin typeface="나눔스퀘어 ExtraBold" panose="020B0600000101010101" pitchFamily="50" charset="-127"/>
+              <a:ea typeface="나눔스퀘어 ExtraBold" panose="020B0600000101010101" pitchFamily="50" charset="-127"/>
+            </a:endParaRPr>
+          </a:p>
+        </p:txBody>
+      </p:sp>
+      <p:cxnSp>
+        <p:nvCxnSpPr>
+          <p:cNvPr id="7" name="직선 연결선 6">
+            <a:extLst>
+              <a:ext uri="{FF2B5EF4-FFF2-40B4-BE49-F238E27FC236}">
+                <a16:creationId xmlns:a16="http://schemas.microsoft.com/office/drawing/2014/main" id="{3B709B43-09D4-15C8-4802-CD528C7F3B02}"/>
+              </a:ext>
+            </a:extLst>
+          </p:cNvPr>
+          <p:cNvCxnSpPr>
+            <a:cxnSpLocks/>
+          </p:cNvCxnSpPr>
+          <p:nvPr/>
+        </p:nvCxnSpPr>
+        <p:spPr>
+          <a:xfrm>
+            <a:off x="10337785" y="267285"/>
+            <a:ext cx="1577992" cy="0"/>
+          </a:xfrm>
+          <a:prstGeom prst="line">
+            <a:avLst/>
+          </a:prstGeom>
+          <a:ln w="34925">
+            <a:solidFill>
+              <a:schemeClr val="tx2"/>
+            </a:solidFill>
+          </a:ln>
+        </p:spPr>
+        <p:style>
+          <a:lnRef idx="1">
+            <a:schemeClr val="accent1"/>
+          </a:lnRef>
+          <a:fillRef idx="0">
+            <a:schemeClr val="accent1"/>
+          </a:fillRef>
+          <a:effectRef idx="0">
+            <a:schemeClr val="accent1"/>
+          </a:effectRef>
+          <a:fontRef idx="minor">
+            <a:schemeClr val="tx1"/>
+          </a:fontRef>
+        </p:style>
+      </p:cxnSp>
+      <p:sp>
+        <p:nvSpPr>
+          <p:cNvPr id="11" name="TextBox 10">
+            <a:extLst>
+              <a:ext uri="{FF2B5EF4-FFF2-40B4-BE49-F238E27FC236}">
+                <a16:creationId xmlns:a16="http://schemas.microsoft.com/office/drawing/2014/main" id="{4A373A66-49BF-B44C-56A1-211FD7B33E45}"/>
+              </a:ext>
+            </a:extLst>
+          </p:cNvPr>
+          <p:cNvSpPr txBox="1"/>
+          <p:nvPr/>
+        </p:nvSpPr>
+        <p:spPr>
+          <a:xfrm>
+            <a:off x="8802448" y="267286"/>
+            <a:ext cx="1183644" cy="461665"/>
+          </a:xfrm>
+          <a:prstGeom prst="rect">
+            <a:avLst/>
+          </a:prstGeom>
+          <a:noFill/>
+        </p:spPr>
+        <p:txBody>
+          <a:bodyPr wrap="square" rtlCol="0">
+            <a:spAutoFit/>
+          </a:bodyPr>
+          <a:lstStyle/>
+          <a:p>
+            <a:r>
+              <a:rPr lang="en-US" altLang="ko-KR" sz="2400" spc="100" dirty="0">
+                <a:solidFill>
+                  <a:srgbClr val="000000"/>
+                </a:solidFill>
+                <a:latin typeface="나눔스퀘어 Bold" panose="020B0600000101010101" pitchFamily="50" charset="-127"/>
+                <a:ea typeface="나눔스퀘어 Bold" panose="020B0600000101010101" pitchFamily="50" charset="-127"/>
+              </a:rPr>
+              <a:t>p.</a:t>
+            </a:r>
+            <a:r>
+              <a:rPr lang="ko-KR" altLang="en-US" sz="2400" spc="100" dirty="0">
+                <a:solidFill>
+                  <a:srgbClr val="000000"/>
+                </a:solidFill>
+                <a:latin typeface="나눔스퀘어 Bold" panose="020B0600000101010101" pitchFamily="50" charset="-127"/>
+                <a:ea typeface="나눔스퀘어 Bold" panose="020B0600000101010101" pitchFamily="50" charset="-127"/>
+              </a:rPr>
+              <a:t> </a:t>
+            </a:r>
+            <a:r>
+              <a:rPr lang="en-US" altLang="ko-KR" sz="2400" spc="100" dirty="0">
+                <a:solidFill>
+                  <a:srgbClr val="000000"/>
+                </a:solidFill>
+                <a:latin typeface="나눔스퀘어 Bold" panose="020B0600000101010101" pitchFamily="50" charset="-127"/>
+                <a:ea typeface="나눔스퀘어 Bold" panose="020B0600000101010101" pitchFamily="50" charset="-127"/>
+              </a:rPr>
+              <a:t>125</a:t>
+            </a:r>
+            <a:endParaRPr lang="ko-KR" altLang="en-US" sz="2400" spc="100" dirty="0">
+              <a:solidFill>
+                <a:srgbClr val="000000"/>
+              </a:solidFill>
+              <a:latin typeface="나눔스퀘어 Bold" panose="020B0600000101010101" pitchFamily="50" charset="-127"/>
+              <a:ea typeface="나눔스퀘어 Bold" panose="020B0600000101010101" pitchFamily="50" charset="-127"/>
+            </a:endParaRPr>
+          </a:p>
+        </p:txBody>
+      </p:sp>
     </p:spTree>
     <p:extLst>
       <p:ext uri="{BB962C8B-B14F-4D97-AF65-F5344CB8AC3E}">
@@ -12675,13 +13476,13 @@
   <p:clrMapOvr>
     <a:masterClrMapping/>
   </p:clrMapOvr>
-  <mc:AlternateContent xmlns:mc="http://schemas.openxmlformats.org/markup-compatibility/2006">
-    <mc:Choice xmlns:p159="http://schemas.microsoft.com/office/powerpoint/2015/09/main" Requires="p159">
+  <mc:AlternateContent xmlns:mc="http://schemas.openxmlformats.org/markup-compatibility/2006" xmlns:p159="http://schemas.microsoft.com/office/powerpoint/2015/09/main">
+    <mc:Choice Requires="p159">
       <p:transition xmlns:p14="http://schemas.microsoft.com/office/powerpoint/2010/main" spd="slow" p14:dur="2000">
         <p159:morph option="byObject"/>
       </p:transition>
     </mc:Choice>
-    <mc:Fallback>
+    <mc:Fallback xmlns="">
       <p:transition spd="slow">
         <p:fade/>
       </p:transition>
@@ -12707,138 +13508,6 @@
           <a:chExt cx="0" cy="0"/>
         </a:xfrm>
       </p:grpSpPr>
-      <p:cxnSp>
-        <p:nvCxnSpPr>
-          <p:cNvPr id="3" name="직선 연결선 2">
-            <a:extLst>
-              <a:ext uri="{FF2B5EF4-FFF2-40B4-BE49-F238E27FC236}">
-                <a16:creationId xmlns:a16="http://schemas.microsoft.com/office/drawing/2014/main" id="{F55676F0-C433-4456-BB57-3E5832581EF6}"/>
-              </a:ext>
-            </a:extLst>
-          </p:cNvPr>
-          <p:cNvCxnSpPr>
-            <a:cxnSpLocks/>
-          </p:cNvCxnSpPr>
-          <p:nvPr/>
-        </p:nvCxnSpPr>
-        <p:spPr>
-          <a:xfrm>
-            <a:off x="8961120" y="696814"/>
-            <a:ext cx="2954657" cy="0"/>
-          </a:xfrm>
-          <a:prstGeom prst="line">
-            <a:avLst/>
-          </a:prstGeom>
-          <a:ln w="34925">
-            <a:solidFill>
-              <a:schemeClr val="tx2"/>
-            </a:solidFill>
-          </a:ln>
-        </p:spPr>
-        <p:style>
-          <a:lnRef idx="1">
-            <a:schemeClr val="accent1"/>
-          </a:lnRef>
-          <a:fillRef idx="0">
-            <a:schemeClr val="accent1"/>
-          </a:fillRef>
-          <a:effectRef idx="0">
-            <a:schemeClr val="accent1"/>
-          </a:effectRef>
-          <a:fontRef idx="minor">
-            <a:schemeClr val="tx1"/>
-          </a:fontRef>
-        </p:style>
-      </p:cxnSp>
-      <p:sp>
-        <p:nvSpPr>
-          <p:cNvPr id="6" name="TextBox 5">
-            <a:extLst>
-              <a:ext uri="{FF2B5EF4-FFF2-40B4-BE49-F238E27FC236}">
-                <a16:creationId xmlns:a16="http://schemas.microsoft.com/office/drawing/2014/main" id="{C7B00371-8BBF-468F-BAB5-3B58CE59B669}"/>
-              </a:ext>
-            </a:extLst>
-          </p:cNvPr>
-          <p:cNvSpPr txBox="1"/>
-          <p:nvPr/>
-        </p:nvSpPr>
-        <p:spPr>
-          <a:xfrm>
-            <a:off x="8961119" y="310773"/>
-            <a:ext cx="2954657" cy="400110"/>
-          </a:xfrm>
-          <a:prstGeom prst="rect">
-            <a:avLst/>
-          </a:prstGeom>
-          <a:noFill/>
-        </p:spPr>
-        <p:txBody>
-          <a:bodyPr wrap="square" rtlCol="0">
-            <a:spAutoFit/>
-          </a:bodyPr>
-          <a:lstStyle/>
-          <a:p>
-            <a:pPr algn="ctr"/>
-            <a:r>
-              <a:rPr lang="ko-KR" altLang="en-US" sz="2000" dirty="0" err="1">
-                <a:solidFill>
-                  <a:schemeClr val="tx2">
-                    <a:lumMod val="50000"/>
-                  </a:schemeClr>
-                </a:solidFill>
-                <a:latin typeface="나눔스퀘어 ExtraBold" panose="020B0600000101010101" pitchFamily="50" charset="-127"/>
-                <a:ea typeface="나눔스퀘어 ExtraBold" panose="020B0600000101010101" pitchFamily="50" charset="-127"/>
-              </a:rPr>
-              <a:t>캡스톤</a:t>
-            </a:r>
-            <a:r>
-              <a:rPr lang="ko-KR" altLang="en-US" sz="2000" dirty="0">
-                <a:solidFill>
-                  <a:schemeClr val="tx2">
-                    <a:lumMod val="50000"/>
-                  </a:schemeClr>
-                </a:solidFill>
-                <a:latin typeface="나눔스퀘어 ExtraBold" panose="020B0600000101010101" pitchFamily="50" charset="-127"/>
-                <a:ea typeface="나눔스퀘어 ExtraBold" panose="020B0600000101010101" pitchFamily="50" charset="-127"/>
-              </a:rPr>
-              <a:t> 디자인 </a:t>
-            </a:r>
-            <a:r>
-              <a:rPr lang="en-US" altLang="ko-KR" sz="2000" dirty="0">
-                <a:solidFill>
-                  <a:schemeClr val="tx2">
-                    <a:lumMod val="50000"/>
-                  </a:schemeClr>
-                </a:solidFill>
-                <a:latin typeface="나눔스퀘어 ExtraBold" panose="020B0600000101010101" pitchFamily="50" charset="-127"/>
-                <a:ea typeface="나눔스퀘어 ExtraBold" panose="020B0600000101010101" pitchFamily="50" charset="-127"/>
-              </a:rPr>
-              <a:t>7</a:t>
-            </a:r>
-            <a:r>
-              <a:rPr lang="ko-KR" altLang="en-US" sz="2000" dirty="0">
-                <a:solidFill>
-                  <a:schemeClr val="tx2">
-                    <a:lumMod val="50000"/>
-                  </a:schemeClr>
-                </a:solidFill>
-                <a:latin typeface="나눔스퀘어 ExtraBold" panose="020B0600000101010101" pitchFamily="50" charset="-127"/>
-                <a:ea typeface="나눔스퀘어 ExtraBold" panose="020B0600000101010101" pitchFamily="50" charset="-127"/>
-              </a:rPr>
-              <a:t>팀</a:t>
-            </a:r>
-            <a:endParaRPr lang="en-US" altLang="ko-KR" sz="2000" dirty="0">
-              <a:solidFill>
-                <a:schemeClr val="tx2">
-                  <a:lumMod val="50000"/>
-                </a:schemeClr>
-              </a:solidFill>
-              <a:latin typeface="나눔스퀘어 ExtraBold" panose="020B0600000101010101" pitchFamily="50" charset="-127"/>
-              <a:ea typeface="나눔스퀘어 ExtraBold" panose="020B0600000101010101" pitchFamily="50" charset="-127"/>
-            </a:endParaRPr>
-          </a:p>
-        </p:txBody>
-      </p:sp>
       <p:sp>
         <p:nvSpPr>
           <p:cNvPr id="8" name="TextBox 7">
@@ -12903,49 +13572,6 @@
           </a:p>
         </p:txBody>
       </p:sp>
-      <p:cxnSp>
-        <p:nvCxnSpPr>
-          <p:cNvPr id="9" name="직선 연결선 8">
-            <a:extLst>
-              <a:ext uri="{FF2B5EF4-FFF2-40B4-BE49-F238E27FC236}">
-                <a16:creationId xmlns:a16="http://schemas.microsoft.com/office/drawing/2014/main" id="{5140239F-7841-40D4-B023-7486FD09274D}"/>
-              </a:ext>
-            </a:extLst>
-          </p:cNvPr>
-          <p:cNvCxnSpPr>
-            <a:cxnSpLocks/>
-          </p:cNvCxnSpPr>
-          <p:nvPr/>
-        </p:nvCxnSpPr>
-        <p:spPr>
-          <a:xfrm>
-            <a:off x="8961120" y="267285"/>
-            <a:ext cx="2954657" cy="0"/>
-          </a:xfrm>
-          <a:prstGeom prst="line">
-            <a:avLst/>
-          </a:prstGeom>
-          <a:ln w="34925">
-            <a:solidFill>
-              <a:schemeClr val="tx2"/>
-            </a:solidFill>
-          </a:ln>
-        </p:spPr>
-        <p:style>
-          <a:lnRef idx="1">
-            <a:schemeClr val="accent1"/>
-          </a:lnRef>
-          <a:fillRef idx="0">
-            <a:schemeClr val="accent1"/>
-          </a:fillRef>
-          <a:effectRef idx="0">
-            <a:schemeClr val="accent1"/>
-          </a:effectRef>
-          <a:fontRef idx="minor">
-            <a:schemeClr val="tx1"/>
-          </a:fontRef>
-        </p:style>
-      </p:cxnSp>
       <p:sp>
         <p:nvSpPr>
           <p:cNvPr id="17" name="TextBox 16">
@@ -13620,6 +14246,249 @@
           </a:prstGeom>
         </p:spPr>
       </p:pic>
+      <p:cxnSp>
+        <p:nvCxnSpPr>
+          <p:cNvPr id="2" name="직선 연결선 1">
+            <a:extLst>
+              <a:ext uri="{FF2B5EF4-FFF2-40B4-BE49-F238E27FC236}">
+                <a16:creationId xmlns:a16="http://schemas.microsoft.com/office/drawing/2014/main" id="{3D98CB79-F1FF-8FDE-1516-2DC1AAEC05D5}"/>
+              </a:ext>
+            </a:extLst>
+          </p:cNvPr>
+          <p:cNvCxnSpPr>
+            <a:cxnSpLocks/>
+          </p:cNvCxnSpPr>
+          <p:nvPr/>
+        </p:nvCxnSpPr>
+        <p:spPr>
+          <a:xfrm>
+            <a:off x="10337785" y="696814"/>
+            <a:ext cx="1577992" cy="0"/>
+          </a:xfrm>
+          <a:prstGeom prst="line">
+            <a:avLst/>
+          </a:prstGeom>
+          <a:ln w="34925">
+            <a:solidFill>
+              <a:schemeClr val="tx2"/>
+            </a:solidFill>
+          </a:ln>
+        </p:spPr>
+        <p:style>
+          <a:lnRef idx="1">
+            <a:schemeClr val="accent1"/>
+          </a:lnRef>
+          <a:fillRef idx="0">
+            <a:schemeClr val="accent1"/>
+          </a:fillRef>
+          <a:effectRef idx="0">
+            <a:schemeClr val="accent1"/>
+          </a:effectRef>
+          <a:fontRef idx="minor">
+            <a:schemeClr val="tx1"/>
+          </a:fontRef>
+        </p:style>
+      </p:cxnSp>
+      <p:sp>
+        <p:nvSpPr>
+          <p:cNvPr id="4" name="TextBox 3">
+            <a:extLst>
+              <a:ext uri="{FF2B5EF4-FFF2-40B4-BE49-F238E27FC236}">
+                <a16:creationId xmlns:a16="http://schemas.microsoft.com/office/drawing/2014/main" id="{FB5E81A5-239D-5ADC-DB73-19C5A9077559}"/>
+              </a:ext>
+            </a:extLst>
+          </p:cNvPr>
+          <p:cNvSpPr txBox="1"/>
+          <p:nvPr/>
+        </p:nvSpPr>
+        <p:spPr>
+          <a:xfrm>
+            <a:off x="10337785" y="310773"/>
+            <a:ext cx="1577991" cy="400110"/>
+          </a:xfrm>
+          <a:prstGeom prst="rect">
+            <a:avLst/>
+          </a:prstGeom>
+          <a:noFill/>
+        </p:spPr>
+        <p:txBody>
+          <a:bodyPr wrap="square" rtlCol="0">
+            <a:spAutoFit/>
+          </a:bodyPr>
+          <a:lstStyle/>
+          <a:p>
+            <a:pPr algn="ctr"/>
+            <a:r>
+              <a:rPr lang="ko-KR" altLang="en-US" sz="2000" dirty="0" err="1">
+                <a:solidFill>
+                  <a:schemeClr val="tx2">
+                    <a:lumMod val="50000"/>
+                  </a:schemeClr>
+                </a:solidFill>
+                <a:latin typeface="나눔스퀘어 ExtraBold" panose="020B0600000101010101" pitchFamily="50" charset="-127"/>
+                <a:ea typeface="나눔스퀘어 ExtraBold" panose="020B0600000101010101" pitchFamily="50" charset="-127"/>
+              </a:rPr>
+              <a:t>컴공특</a:t>
+            </a:r>
+            <a:r>
+              <a:rPr lang="ko-KR" altLang="en-US" sz="2000" dirty="0">
+                <a:solidFill>
+                  <a:schemeClr val="tx2">
+                    <a:lumMod val="50000"/>
+                  </a:schemeClr>
+                </a:solidFill>
+                <a:latin typeface="나눔스퀘어 ExtraBold" panose="020B0600000101010101" pitchFamily="50" charset="-127"/>
+                <a:ea typeface="나눔스퀘어 ExtraBold" panose="020B0600000101010101" pitchFamily="50" charset="-127"/>
+              </a:rPr>
+              <a:t> </a:t>
+            </a:r>
+            <a:r>
+              <a:rPr lang="en-US" altLang="ko-KR" sz="2000" dirty="0">
+                <a:solidFill>
+                  <a:schemeClr val="tx2">
+                    <a:lumMod val="50000"/>
+                  </a:schemeClr>
+                </a:solidFill>
+                <a:latin typeface="나눔스퀘어 ExtraBold" panose="020B0600000101010101" pitchFamily="50" charset="-127"/>
+                <a:ea typeface="나눔스퀘어 ExtraBold" panose="020B0600000101010101" pitchFamily="50" charset="-127"/>
+              </a:rPr>
+              <a:t>3</a:t>
+            </a:r>
+            <a:r>
+              <a:rPr lang="ko-KR" altLang="en-US" sz="2000" dirty="0">
+                <a:solidFill>
+                  <a:schemeClr val="tx2">
+                    <a:lumMod val="50000"/>
+                  </a:schemeClr>
+                </a:solidFill>
+                <a:latin typeface="나눔스퀘어 ExtraBold" panose="020B0600000101010101" pitchFamily="50" charset="-127"/>
+                <a:ea typeface="나눔스퀘어 ExtraBold" panose="020B0600000101010101" pitchFamily="50" charset="-127"/>
+              </a:rPr>
+              <a:t>팀</a:t>
+            </a:r>
+            <a:endParaRPr lang="en-US" altLang="ko-KR" sz="2000" dirty="0">
+              <a:solidFill>
+                <a:schemeClr val="tx2">
+                  <a:lumMod val="50000"/>
+                </a:schemeClr>
+              </a:solidFill>
+              <a:latin typeface="나눔스퀘어 ExtraBold" panose="020B0600000101010101" pitchFamily="50" charset="-127"/>
+              <a:ea typeface="나눔스퀘어 ExtraBold" panose="020B0600000101010101" pitchFamily="50" charset="-127"/>
+            </a:endParaRPr>
+          </a:p>
+        </p:txBody>
+      </p:sp>
+      <p:cxnSp>
+        <p:nvCxnSpPr>
+          <p:cNvPr id="5" name="직선 연결선 4">
+            <a:extLst>
+              <a:ext uri="{FF2B5EF4-FFF2-40B4-BE49-F238E27FC236}">
+                <a16:creationId xmlns:a16="http://schemas.microsoft.com/office/drawing/2014/main" id="{DBF82020-4F2E-53C7-F942-C5F453929434}"/>
+              </a:ext>
+            </a:extLst>
+          </p:cNvPr>
+          <p:cNvCxnSpPr>
+            <a:cxnSpLocks/>
+          </p:cNvCxnSpPr>
+          <p:nvPr/>
+        </p:nvCxnSpPr>
+        <p:spPr>
+          <a:xfrm>
+            <a:off x="10337785" y="267285"/>
+            <a:ext cx="1577992" cy="0"/>
+          </a:xfrm>
+          <a:prstGeom prst="line">
+            <a:avLst/>
+          </a:prstGeom>
+          <a:ln w="34925">
+            <a:solidFill>
+              <a:schemeClr val="tx2"/>
+            </a:solidFill>
+          </a:ln>
+        </p:spPr>
+        <p:style>
+          <a:lnRef idx="1">
+            <a:schemeClr val="accent1"/>
+          </a:lnRef>
+          <a:fillRef idx="0">
+            <a:schemeClr val="accent1"/>
+          </a:fillRef>
+          <a:effectRef idx="0">
+            <a:schemeClr val="accent1"/>
+          </a:effectRef>
+          <a:fontRef idx="minor">
+            <a:schemeClr val="tx1"/>
+          </a:fontRef>
+        </p:style>
+      </p:cxnSp>
+      <p:sp>
+        <p:nvSpPr>
+          <p:cNvPr id="7" name="TextBox 6">
+            <a:extLst>
+              <a:ext uri="{FF2B5EF4-FFF2-40B4-BE49-F238E27FC236}">
+                <a16:creationId xmlns:a16="http://schemas.microsoft.com/office/drawing/2014/main" id="{EEA82F4D-8C06-6500-AFA1-B99D49EE66A2}"/>
+              </a:ext>
+            </a:extLst>
+          </p:cNvPr>
+          <p:cNvSpPr txBox="1"/>
+          <p:nvPr/>
+        </p:nvSpPr>
+        <p:spPr>
+          <a:xfrm>
+            <a:off x="8802448" y="267286"/>
+            <a:ext cx="1183644" cy="461665"/>
+          </a:xfrm>
+          <a:prstGeom prst="rect">
+            <a:avLst/>
+          </a:prstGeom>
+          <a:noFill/>
+        </p:spPr>
+        <p:txBody>
+          <a:bodyPr wrap="square" rtlCol="0">
+            <a:spAutoFit/>
+          </a:bodyPr>
+          <a:lstStyle/>
+          <a:p>
+            <a:r>
+              <a:rPr lang="en-US" altLang="ko-KR" sz="2400" spc="100" dirty="0">
+                <a:solidFill>
+                  <a:srgbClr val="000000"/>
+                </a:solidFill>
+                <a:latin typeface="나눔스퀘어 Bold" panose="020B0600000101010101" pitchFamily="50" charset="-127"/>
+                <a:ea typeface="나눔스퀘어 Bold" panose="020B0600000101010101" pitchFamily="50" charset="-127"/>
+              </a:rPr>
+              <a:t>p.</a:t>
+            </a:r>
+            <a:r>
+              <a:rPr lang="ko-KR" altLang="en-US" sz="2400" spc="100" dirty="0">
+                <a:solidFill>
+                  <a:srgbClr val="000000"/>
+                </a:solidFill>
+                <a:latin typeface="나눔스퀘어 Bold" panose="020B0600000101010101" pitchFamily="50" charset="-127"/>
+                <a:ea typeface="나눔스퀘어 Bold" panose="020B0600000101010101" pitchFamily="50" charset="-127"/>
+              </a:rPr>
+              <a:t> </a:t>
+            </a:r>
+            <a:r>
+              <a:rPr lang="en-US" altLang="ko-KR" sz="2400" spc="100" dirty="0">
+                <a:solidFill>
+                  <a:srgbClr val="000000"/>
+                </a:solidFill>
+                <a:latin typeface="나눔스퀘어 Bold" panose="020B0600000101010101" pitchFamily="50" charset="-127"/>
+                <a:ea typeface="나눔스퀘어 Bold" panose="020B0600000101010101" pitchFamily="50" charset="-127"/>
+              </a:rPr>
+              <a:t>127</a:t>
+            </a:r>
+            <a:endParaRPr lang="ko-KR" altLang="en-US" sz="2400" spc="100" dirty="0">
+              <a:solidFill>
+                <a:srgbClr val="000000"/>
+              </a:solidFill>
+              <a:latin typeface="나눔스퀘어 Bold" panose="020B0600000101010101" pitchFamily="50" charset="-127"/>
+              <a:ea typeface="나눔스퀘어 Bold" panose="020B0600000101010101" pitchFamily="50" charset="-127"/>
+            </a:endParaRPr>
+          </a:p>
+        </p:txBody>
+      </p:sp>
     </p:spTree>
     <p:extLst>
       <p:ext uri="{BB962C8B-B14F-4D97-AF65-F5344CB8AC3E}">
@@ -13630,13 +14499,13 @@
   <p:clrMapOvr>
     <a:masterClrMapping/>
   </p:clrMapOvr>
-  <mc:AlternateContent xmlns:mc="http://schemas.openxmlformats.org/markup-compatibility/2006">
-    <mc:Choice xmlns:p159="http://schemas.microsoft.com/office/powerpoint/2015/09/main" Requires="p159">
+  <mc:AlternateContent xmlns:mc="http://schemas.openxmlformats.org/markup-compatibility/2006" xmlns:p159="http://schemas.microsoft.com/office/powerpoint/2015/09/main">
+    <mc:Choice Requires="p159">
       <p:transition xmlns:p14="http://schemas.microsoft.com/office/powerpoint/2010/main" spd="slow" p14:dur="2000">
         <p159:morph option="byObject"/>
       </p:transition>
     </mc:Choice>
-    <mc:Fallback>
+    <mc:Fallback xmlns="">
       <p:transition spd="slow">
         <p:fade/>
       </p:transition>

--- a/05. 객체 리터럴/presentation5/Alisherka7/알레셰르.pptx
+++ b/05. 객체 리터럴/presentation5/Alisherka7/알레셰르.pptx
@@ -17,28 +17,29 @@
     <p:sldId id="292" r:id="rId11"/>
     <p:sldId id="293" r:id="rId12"/>
     <p:sldId id="294" r:id="rId13"/>
-    <p:sldId id="295" r:id="rId14"/>
-    <p:sldId id="265" r:id="rId15"/>
+    <p:sldId id="305" r:id="rId14"/>
+    <p:sldId id="295" r:id="rId15"/>
+    <p:sldId id="265" r:id="rId16"/>
   </p:sldIdLst>
   <p:sldSz cx="12192000" cy="6858000"/>
   <p:notesSz cx="6858000" cy="9144000"/>
   <p:embeddedFontLst>
     <p:embeddedFont>
       <p:font typeface="나눔스퀘어" panose="020B0600000101010101" pitchFamily="50" charset="-127"/>
-      <p:regular r:id="rId16"/>
+      <p:regular r:id="rId17"/>
     </p:embeddedFont>
     <p:embeddedFont>
       <p:font typeface="나눔스퀘어 Bold" panose="020B0600000101010101" pitchFamily="50" charset="-127"/>
-      <p:bold r:id="rId17"/>
+      <p:bold r:id="rId18"/>
     </p:embeddedFont>
     <p:embeddedFont>
       <p:font typeface="나눔스퀘어 ExtraBold" panose="020B0600000101010101" pitchFamily="50" charset="-127"/>
-      <p:bold r:id="rId18"/>
+      <p:bold r:id="rId19"/>
     </p:embeddedFont>
     <p:embeddedFont>
       <p:font typeface="맑은 고딕" panose="020B0503020000020004" pitchFamily="50" charset="-127"/>
-      <p:regular r:id="rId19"/>
-      <p:bold r:id="rId20"/>
+      <p:regular r:id="rId20"/>
+      <p:bold r:id="rId21"/>
     </p:embeddedFont>
   </p:embeddedFontLst>
   <p:defaultTextStyle>
@@ -6275,6 +6276,497 @@
         </p:nvSpPr>
         <p:spPr>
           <a:xfrm>
+            <a:off x="276223" y="1316042"/>
+            <a:ext cx="11321611" cy="523220"/>
+          </a:xfrm>
+          <a:prstGeom prst="rect">
+            <a:avLst/>
+          </a:prstGeom>
+          <a:noFill/>
+        </p:spPr>
+        <p:txBody>
+          <a:bodyPr wrap="square" rtlCol="0">
+            <a:spAutoFit/>
+          </a:bodyPr>
+          <a:lstStyle/>
+          <a:p>
+            <a:pPr algn="ctr"/>
+            <a:r>
+              <a:rPr lang="en-US" altLang="ko-KR" sz="2800" spc="100" dirty="0">
+                <a:solidFill>
+                  <a:srgbClr val="44546A"/>
+                </a:solidFill>
+                <a:latin typeface="나눔스퀘어 Bold" panose="020B0600000101010101" pitchFamily="50" charset="-127"/>
+                <a:ea typeface="나눔스퀘어 Bold" panose="020B0600000101010101" pitchFamily="50" charset="-127"/>
+              </a:rPr>
+              <a:t>1</a:t>
+            </a:r>
+            <a:r>
+              <a:rPr lang="ko-KR" altLang="en-US" sz="2800" spc="100" dirty="0">
+                <a:solidFill>
+                  <a:srgbClr val="44546A"/>
+                </a:solidFill>
+                <a:latin typeface="나눔스퀘어 Bold" panose="020B0600000101010101" pitchFamily="50" charset="-127"/>
+                <a:ea typeface="나눔스퀘어 Bold" panose="020B0600000101010101" pitchFamily="50" charset="-127"/>
+              </a:rPr>
+              <a:t>질문</a:t>
+            </a:r>
+            <a:r>
+              <a:rPr lang="en-US" altLang="ko-KR" sz="2800" spc="100" dirty="0">
+                <a:solidFill>
+                  <a:srgbClr val="44546A"/>
+                </a:solidFill>
+                <a:latin typeface="나눔스퀘어 Bold" panose="020B0600000101010101" pitchFamily="50" charset="-127"/>
+                <a:ea typeface="나눔스퀘어 Bold" panose="020B0600000101010101" pitchFamily="50" charset="-127"/>
+              </a:rPr>
+              <a:t>:</a:t>
+            </a:r>
+            <a:r>
+              <a:rPr lang="ko-KR" altLang="en-US" sz="2800" spc="100" dirty="0">
+                <a:solidFill>
+                  <a:srgbClr val="44546A"/>
+                </a:solidFill>
+                <a:latin typeface="나눔스퀘어 Bold" panose="020B0600000101010101" pitchFamily="50" charset="-127"/>
+                <a:ea typeface="나눔스퀘어 Bold" panose="020B0600000101010101" pitchFamily="50" charset="-127"/>
+              </a:rPr>
+              <a:t> </a:t>
+            </a:r>
+            <a:r>
+              <a:rPr lang="en-US" altLang="ko-KR" sz="2800" spc="100" dirty="0">
+                <a:solidFill>
+                  <a:srgbClr val="44546A"/>
+                </a:solidFill>
+                <a:latin typeface="나눔스퀘어 Bold" panose="020B0600000101010101" pitchFamily="50" charset="-127"/>
+                <a:ea typeface="나눔스퀘어 Bold" panose="020B0600000101010101" pitchFamily="50" charset="-127"/>
+              </a:rPr>
+              <a:t>empty </a:t>
+            </a:r>
+            <a:r>
+              <a:rPr lang="ko-KR" altLang="en-US" sz="2800" spc="100" dirty="0">
+                <a:solidFill>
+                  <a:srgbClr val="44546A"/>
+                </a:solidFill>
+                <a:latin typeface="나눔스퀘어 Bold" panose="020B0600000101010101" pitchFamily="50" charset="-127"/>
+                <a:ea typeface="나눔스퀘어 Bold" panose="020B0600000101010101" pitchFamily="50" charset="-127"/>
+              </a:rPr>
+              <a:t>키로 구성된 </a:t>
+            </a:r>
+            <a:r>
+              <a:rPr lang="ko-KR" altLang="en-US" sz="2800" spc="100" dirty="0" err="1">
+                <a:solidFill>
+                  <a:srgbClr val="44546A"/>
+                </a:solidFill>
+                <a:latin typeface="나눔스퀘어 Bold" panose="020B0600000101010101" pitchFamily="50" charset="-127"/>
+                <a:ea typeface="나눔스퀘어 Bold" panose="020B0600000101010101" pitchFamily="50" charset="-127"/>
+              </a:rPr>
+              <a:t>프로퍼티</a:t>
+            </a:r>
+            <a:r>
+              <a:rPr lang="ko-KR" altLang="en-US" sz="2800" spc="100" dirty="0">
+                <a:solidFill>
+                  <a:srgbClr val="44546A"/>
+                </a:solidFill>
+                <a:latin typeface="나눔스퀘어 Bold" panose="020B0600000101010101" pitchFamily="50" charset="-127"/>
+                <a:ea typeface="나눔스퀘어 Bold" panose="020B0600000101010101" pitchFamily="50" charset="-127"/>
+              </a:rPr>
+              <a:t> 접근 방법</a:t>
+            </a:r>
+            <a:r>
+              <a:rPr lang="en-US" altLang="ko-KR" sz="2800" spc="100" dirty="0">
+                <a:solidFill>
+                  <a:srgbClr val="44546A"/>
+                </a:solidFill>
+                <a:latin typeface="나눔스퀘어 Bold" panose="020B0600000101010101" pitchFamily="50" charset="-127"/>
+                <a:ea typeface="나눔스퀘어 Bold" panose="020B0600000101010101" pitchFamily="50" charset="-127"/>
+              </a:rPr>
+              <a:t>?</a:t>
+            </a:r>
+          </a:p>
+        </p:txBody>
+      </p:sp>
+      <p:sp>
+        <p:nvSpPr>
+          <p:cNvPr id="11" name="사각형: 둥근 모서리 9">
+            <a:extLst>
+              <a:ext uri="{FF2B5EF4-FFF2-40B4-BE49-F238E27FC236}">
+                <a16:creationId xmlns:a16="http://schemas.microsoft.com/office/drawing/2014/main" id="{0E65896C-1512-EC45-AA3F-C2227EE0C3EF}"/>
+              </a:ext>
+            </a:extLst>
+          </p:cNvPr>
+          <p:cNvSpPr/>
+          <p:nvPr/>
+        </p:nvSpPr>
+        <p:spPr>
+          <a:xfrm>
+            <a:off x="1104609" y="2268791"/>
+            <a:ext cx="9982782" cy="3212871"/>
+          </a:xfrm>
+          <a:prstGeom prst="roundRect">
+            <a:avLst/>
+          </a:prstGeom>
+          <a:solidFill>
+            <a:srgbClr val="1E1E1E"/>
+          </a:solidFill>
+          <a:ln>
+            <a:noFill/>
+          </a:ln>
+        </p:spPr>
+        <p:style>
+          <a:lnRef idx="2">
+            <a:schemeClr val="accent1">
+              <a:shade val="50000"/>
+            </a:schemeClr>
+          </a:lnRef>
+          <a:fillRef idx="1">
+            <a:schemeClr val="accent1"/>
+          </a:fillRef>
+          <a:effectRef idx="0">
+            <a:schemeClr val="accent1"/>
+          </a:effectRef>
+          <a:fontRef idx="minor">
+            <a:schemeClr val="lt1"/>
+          </a:fontRef>
+        </p:style>
+        <p:txBody>
+          <a:bodyPr rtlCol="0" anchor="ctr"/>
+          <a:lstStyle/>
+          <a:p>
+            <a:pPr algn="ctr"/>
+            <a:endParaRPr lang="ko-KR" altLang="en-US" dirty="0"/>
+          </a:p>
+        </p:txBody>
+      </p:sp>
+      <p:pic>
+        <p:nvPicPr>
+          <p:cNvPr id="5" name="Picture 4" descr="A screenshot of a computer&#10;&#10;Description automatically generated with low confidence">
+            <a:extLst>
+              <a:ext uri="{FF2B5EF4-FFF2-40B4-BE49-F238E27FC236}">
+                <a16:creationId xmlns:a16="http://schemas.microsoft.com/office/drawing/2014/main" id="{DA5A021F-33C4-5C4F-8A93-1C93D281E3CC}"/>
+              </a:ext>
+            </a:extLst>
+          </p:cNvPr>
+          <p:cNvPicPr>
+            <a:picLocks noChangeAspect="1"/>
+          </p:cNvPicPr>
+          <p:nvPr/>
+        </p:nvPicPr>
+        <p:blipFill>
+          <a:blip r:embed="rId2">
+            <a:extLst>
+              <a:ext uri="{28A0092B-C50C-407E-A947-70E740481C1C}">
+                <a14:useLocalDpi xmlns:a14="http://schemas.microsoft.com/office/drawing/2010/main" val="0"/>
+              </a:ext>
+            </a:extLst>
+          </a:blip>
+          <a:stretch>
+            <a:fillRect/>
+          </a:stretch>
+        </p:blipFill>
+        <p:spPr>
+          <a:xfrm>
+            <a:off x="2112817" y="2662953"/>
+            <a:ext cx="7966365" cy="2424546"/>
+          </a:xfrm>
+          <a:prstGeom prst="rect">
+            <a:avLst/>
+          </a:prstGeom>
+        </p:spPr>
+      </p:pic>
+      <p:cxnSp>
+        <p:nvCxnSpPr>
+          <p:cNvPr id="2" name="직선 연결선 1">
+            <a:extLst>
+              <a:ext uri="{FF2B5EF4-FFF2-40B4-BE49-F238E27FC236}">
+                <a16:creationId xmlns:a16="http://schemas.microsoft.com/office/drawing/2014/main" id="{B10C2CE2-1735-FEDE-1935-2653A110E5F3}"/>
+              </a:ext>
+            </a:extLst>
+          </p:cNvPr>
+          <p:cNvCxnSpPr>
+            <a:cxnSpLocks/>
+          </p:cNvCxnSpPr>
+          <p:nvPr/>
+        </p:nvCxnSpPr>
+        <p:spPr>
+          <a:xfrm>
+            <a:off x="10337785" y="696814"/>
+            <a:ext cx="1577992" cy="0"/>
+          </a:xfrm>
+          <a:prstGeom prst="line">
+            <a:avLst/>
+          </a:prstGeom>
+          <a:ln w="34925">
+            <a:solidFill>
+              <a:schemeClr val="tx2"/>
+            </a:solidFill>
+          </a:ln>
+        </p:spPr>
+        <p:style>
+          <a:lnRef idx="1">
+            <a:schemeClr val="accent1"/>
+          </a:lnRef>
+          <a:fillRef idx="0">
+            <a:schemeClr val="accent1"/>
+          </a:fillRef>
+          <a:effectRef idx="0">
+            <a:schemeClr val="accent1"/>
+          </a:effectRef>
+          <a:fontRef idx="minor">
+            <a:schemeClr val="tx1"/>
+          </a:fontRef>
+        </p:style>
+      </p:cxnSp>
+      <p:sp>
+        <p:nvSpPr>
+          <p:cNvPr id="4" name="TextBox 3">
+            <a:extLst>
+              <a:ext uri="{FF2B5EF4-FFF2-40B4-BE49-F238E27FC236}">
+                <a16:creationId xmlns:a16="http://schemas.microsoft.com/office/drawing/2014/main" id="{131D566C-3697-9E0F-1BBE-D03BD5300A4A}"/>
+              </a:ext>
+            </a:extLst>
+          </p:cNvPr>
+          <p:cNvSpPr txBox="1"/>
+          <p:nvPr/>
+        </p:nvSpPr>
+        <p:spPr>
+          <a:xfrm>
+            <a:off x="10337785" y="310773"/>
+            <a:ext cx="1577991" cy="400110"/>
+          </a:xfrm>
+          <a:prstGeom prst="rect">
+            <a:avLst/>
+          </a:prstGeom>
+          <a:noFill/>
+        </p:spPr>
+        <p:txBody>
+          <a:bodyPr wrap="square" rtlCol="0">
+            <a:spAutoFit/>
+          </a:bodyPr>
+          <a:lstStyle/>
+          <a:p>
+            <a:pPr algn="ctr"/>
+            <a:r>
+              <a:rPr lang="ko-KR" altLang="en-US" sz="2000" dirty="0" err="1">
+                <a:solidFill>
+                  <a:schemeClr val="tx2">
+                    <a:lumMod val="50000"/>
+                  </a:schemeClr>
+                </a:solidFill>
+                <a:latin typeface="나눔스퀘어 ExtraBold" panose="020B0600000101010101" pitchFamily="50" charset="-127"/>
+                <a:ea typeface="나눔스퀘어 ExtraBold" panose="020B0600000101010101" pitchFamily="50" charset="-127"/>
+              </a:rPr>
+              <a:t>컴공특</a:t>
+            </a:r>
+            <a:r>
+              <a:rPr lang="ko-KR" altLang="en-US" sz="2000" dirty="0">
+                <a:solidFill>
+                  <a:schemeClr val="tx2">
+                    <a:lumMod val="50000"/>
+                  </a:schemeClr>
+                </a:solidFill>
+                <a:latin typeface="나눔스퀘어 ExtraBold" panose="020B0600000101010101" pitchFamily="50" charset="-127"/>
+                <a:ea typeface="나눔스퀘어 ExtraBold" panose="020B0600000101010101" pitchFamily="50" charset="-127"/>
+              </a:rPr>
+              <a:t> </a:t>
+            </a:r>
+            <a:r>
+              <a:rPr lang="en-US" altLang="ko-KR" sz="2000" dirty="0">
+                <a:solidFill>
+                  <a:schemeClr val="tx2">
+                    <a:lumMod val="50000"/>
+                  </a:schemeClr>
+                </a:solidFill>
+                <a:latin typeface="나눔스퀘어 ExtraBold" panose="020B0600000101010101" pitchFamily="50" charset="-127"/>
+                <a:ea typeface="나눔스퀘어 ExtraBold" panose="020B0600000101010101" pitchFamily="50" charset="-127"/>
+              </a:rPr>
+              <a:t>3</a:t>
+            </a:r>
+            <a:r>
+              <a:rPr lang="ko-KR" altLang="en-US" sz="2000" dirty="0">
+                <a:solidFill>
+                  <a:schemeClr val="tx2">
+                    <a:lumMod val="50000"/>
+                  </a:schemeClr>
+                </a:solidFill>
+                <a:latin typeface="나눔스퀘어 ExtraBold" panose="020B0600000101010101" pitchFamily="50" charset="-127"/>
+                <a:ea typeface="나눔스퀘어 ExtraBold" panose="020B0600000101010101" pitchFamily="50" charset="-127"/>
+              </a:rPr>
+              <a:t>팀</a:t>
+            </a:r>
+            <a:endParaRPr lang="en-US" altLang="ko-KR" sz="2000" dirty="0">
+              <a:solidFill>
+                <a:schemeClr val="tx2">
+                  <a:lumMod val="50000"/>
+                </a:schemeClr>
+              </a:solidFill>
+              <a:latin typeface="나눔스퀘어 ExtraBold" panose="020B0600000101010101" pitchFamily="50" charset="-127"/>
+              <a:ea typeface="나눔스퀘어 ExtraBold" panose="020B0600000101010101" pitchFamily="50" charset="-127"/>
+            </a:endParaRPr>
+          </a:p>
+        </p:txBody>
+      </p:sp>
+      <p:cxnSp>
+        <p:nvCxnSpPr>
+          <p:cNvPr id="7" name="직선 연결선 6">
+            <a:extLst>
+              <a:ext uri="{FF2B5EF4-FFF2-40B4-BE49-F238E27FC236}">
+                <a16:creationId xmlns:a16="http://schemas.microsoft.com/office/drawing/2014/main" id="{61F9B15A-0937-4685-2989-23F79BEEF09B}"/>
+              </a:ext>
+            </a:extLst>
+          </p:cNvPr>
+          <p:cNvCxnSpPr>
+            <a:cxnSpLocks/>
+          </p:cNvCxnSpPr>
+          <p:nvPr/>
+        </p:nvCxnSpPr>
+        <p:spPr>
+          <a:xfrm>
+            <a:off x="10337785" y="267285"/>
+            <a:ext cx="1577992" cy="0"/>
+          </a:xfrm>
+          <a:prstGeom prst="line">
+            <a:avLst/>
+          </a:prstGeom>
+          <a:ln w="34925">
+            <a:solidFill>
+              <a:schemeClr val="tx2"/>
+            </a:solidFill>
+          </a:ln>
+        </p:spPr>
+        <p:style>
+          <a:lnRef idx="1">
+            <a:schemeClr val="accent1"/>
+          </a:lnRef>
+          <a:fillRef idx="0">
+            <a:schemeClr val="accent1"/>
+          </a:fillRef>
+          <a:effectRef idx="0">
+            <a:schemeClr val="accent1"/>
+          </a:effectRef>
+          <a:fontRef idx="minor">
+            <a:schemeClr val="tx1"/>
+          </a:fontRef>
+        </p:style>
+      </p:cxnSp>
+    </p:spTree>
+    <p:extLst>
+      <p:ext uri="{BB962C8B-B14F-4D97-AF65-F5344CB8AC3E}">
+        <p14:creationId xmlns:p14="http://schemas.microsoft.com/office/powerpoint/2010/main" val="3766079778"/>
+      </p:ext>
+    </p:extLst>
+  </p:cSld>
+  <p:clrMapOvr>
+    <a:masterClrMapping/>
+  </p:clrMapOvr>
+  <mc:AlternateContent xmlns:mc="http://schemas.openxmlformats.org/markup-compatibility/2006" xmlns:p159="http://schemas.microsoft.com/office/powerpoint/2015/09/main">
+    <mc:Choice Requires="p159">
+      <p:transition xmlns:p14="http://schemas.microsoft.com/office/powerpoint/2010/main" spd="slow" p14:dur="2000">
+        <p159:morph option="byObject"/>
+      </p:transition>
+    </mc:Choice>
+    <mc:Fallback xmlns="">
+      <p:transition spd="slow">
+        <p:fade/>
+      </p:transition>
+    </mc:Fallback>
+  </mc:AlternateContent>
+</p:sld>
+</file>
+
+<file path=ppt/slides/slide14.xml><?xml version="1.0" encoding="utf-8"?>
+<p:sld xmlns:a="http://schemas.openxmlformats.org/drawingml/2006/main" xmlns:r="http://schemas.openxmlformats.org/officeDocument/2006/relationships" xmlns:p="http://schemas.openxmlformats.org/presentationml/2006/main">
+  <p:cSld>
+    <p:spTree>
+      <p:nvGrpSpPr>
+        <p:cNvPr id="1" name=""/>
+        <p:cNvGrpSpPr/>
+        <p:nvPr/>
+      </p:nvGrpSpPr>
+      <p:grpSpPr>
+        <a:xfrm>
+          <a:off x="0" y="0"/>
+          <a:ext cx="0" cy="0"/>
+          <a:chOff x="0" y="0"/>
+          <a:chExt cx="0" cy="0"/>
+        </a:xfrm>
+      </p:grpSpPr>
+      <p:sp>
+        <p:nvSpPr>
+          <p:cNvPr id="8" name="TextBox 7">
+            <a:extLst>
+              <a:ext uri="{FF2B5EF4-FFF2-40B4-BE49-F238E27FC236}">
+                <a16:creationId xmlns:a16="http://schemas.microsoft.com/office/drawing/2014/main" id="{5D0C9A45-A32B-45BB-B4DB-89BAF7E41E6D}"/>
+              </a:ext>
+            </a:extLst>
+          </p:cNvPr>
+          <p:cNvSpPr txBox="1"/>
+          <p:nvPr/>
+        </p:nvSpPr>
+        <p:spPr>
+          <a:xfrm>
+            <a:off x="276223" y="310773"/>
+            <a:ext cx="3496600" cy="553998"/>
+          </a:xfrm>
+          <a:prstGeom prst="rect">
+            <a:avLst/>
+          </a:prstGeom>
+          <a:noFill/>
+        </p:spPr>
+        <p:txBody>
+          <a:bodyPr wrap="square" rtlCol="0">
+            <a:spAutoFit/>
+          </a:bodyPr>
+          <a:lstStyle/>
+          <a:p>
+            <a:r>
+              <a:rPr lang="en-US" altLang="ko-KR" sz="3000" spc="100" dirty="0">
+                <a:solidFill>
+                  <a:schemeClr val="tx2">
+                    <a:lumMod val="50000"/>
+                  </a:schemeClr>
+                </a:solidFill>
+                <a:latin typeface="나눔스퀘어 ExtraBold" panose="020B0600000101010101" pitchFamily="50" charset="-127"/>
+                <a:ea typeface="나눔스퀘어 ExtraBold" panose="020B0600000101010101" pitchFamily="50" charset="-127"/>
+              </a:rPr>
+              <a:t>3. </a:t>
+            </a:r>
+            <a:r>
+              <a:rPr lang="ko-KR" altLang="en-US" sz="3000" spc="100" dirty="0" err="1">
+                <a:solidFill>
+                  <a:schemeClr val="tx2">
+                    <a:lumMod val="50000"/>
+                  </a:schemeClr>
+                </a:solidFill>
+                <a:latin typeface="나눔스퀘어 ExtraBold" panose="020B0600000101010101" pitchFamily="50" charset="-127"/>
+                <a:ea typeface="나눔스퀘어 ExtraBold" panose="020B0600000101010101" pitchFamily="50" charset="-127"/>
+              </a:rPr>
+              <a:t>프로퍼티</a:t>
+            </a:r>
+            <a:endParaRPr lang="ko-KR" altLang="en-US" sz="3000" spc="100" dirty="0">
+              <a:solidFill>
+                <a:schemeClr val="tx2">
+                  <a:lumMod val="50000"/>
+                </a:schemeClr>
+              </a:solidFill>
+              <a:latin typeface="나눔스퀘어 ExtraBold" panose="020B0600000101010101" pitchFamily="50" charset="-127"/>
+              <a:ea typeface="나눔스퀘어 ExtraBold" panose="020B0600000101010101" pitchFamily="50" charset="-127"/>
+            </a:endParaRPr>
+          </a:p>
+        </p:txBody>
+      </p:sp>
+      <p:sp>
+        <p:nvSpPr>
+          <p:cNvPr id="17" name="TextBox 16">
+            <a:extLst>
+              <a:ext uri="{FF2B5EF4-FFF2-40B4-BE49-F238E27FC236}">
+                <a16:creationId xmlns:a16="http://schemas.microsoft.com/office/drawing/2014/main" id="{EF93F456-2C49-4A85-B01B-2D6BD46D6E98}"/>
+              </a:ext>
+            </a:extLst>
+          </p:cNvPr>
+          <p:cNvSpPr txBox="1"/>
+          <p:nvPr/>
+        </p:nvSpPr>
+        <p:spPr>
+          <a:xfrm>
             <a:off x="276222" y="875351"/>
             <a:ext cx="11321611" cy="646331"/>
           </a:xfrm>
@@ -6853,7 +7345,7 @@
 </p:sld>
 </file>
 
-<file path=ppt/slides/slide14.xml><?xml version="1.0" encoding="utf-8"?>
+<file path=ppt/slides/slide15.xml><?xml version="1.0" encoding="utf-8"?>
 <p:sld xmlns:a="http://schemas.openxmlformats.org/drawingml/2006/main" xmlns:r="http://schemas.openxmlformats.org/officeDocument/2006/relationships" xmlns:p="http://schemas.openxmlformats.org/presentationml/2006/main">
   <p:cSld>
     <p:spTree>
